--- a/mob.pptx
+++ b/mob.pptx
@@ -8,7 +8,8 @@
     <p:sldId id="256" r:id="rId2"/>
     <p:sldId id="257" r:id="rId3"/>
     <p:sldId id="258" r:id="rId4"/>
-    <p:sldId id="259" r:id="rId5"/>
+    <p:sldId id="260" r:id="rId5"/>
+    <p:sldId id="259" r:id="rId6"/>
   </p:sldIdLst>
   <p:sldSz cx="12192000" cy="6858000"/>
   <p:notesSz cx="6858000" cy="9144000"/>
@@ -262,7 +263,7 @@
           <a:p>
             <a:fld id="{86FCFB96-917D-4A92-B206-4CEFDD05F1CC}" type="datetimeFigureOut">
               <a:rPr lang="en-US" smtClean="0"/>
-              <a:t>10/25/2020</a:t>
+              <a:t>10/28/2020</a:t>
             </a:fld>
             <a:endParaRPr lang="en-US"/>
           </a:p>
@@ -460,7 +461,7 @@
           <a:p>
             <a:fld id="{86FCFB96-917D-4A92-B206-4CEFDD05F1CC}" type="datetimeFigureOut">
               <a:rPr lang="en-US" smtClean="0"/>
-              <a:t>10/25/2020</a:t>
+              <a:t>10/28/2020</a:t>
             </a:fld>
             <a:endParaRPr lang="en-US"/>
           </a:p>
@@ -668,7 +669,7 @@
           <a:p>
             <a:fld id="{86FCFB96-917D-4A92-B206-4CEFDD05F1CC}" type="datetimeFigureOut">
               <a:rPr lang="en-US" smtClean="0"/>
-              <a:t>10/25/2020</a:t>
+              <a:t>10/28/2020</a:t>
             </a:fld>
             <a:endParaRPr lang="en-US"/>
           </a:p>
@@ -866,7 +867,7 @@
           <a:p>
             <a:fld id="{86FCFB96-917D-4A92-B206-4CEFDD05F1CC}" type="datetimeFigureOut">
               <a:rPr lang="en-US" smtClean="0"/>
-              <a:t>10/25/2020</a:t>
+              <a:t>10/28/2020</a:t>
             </a:fld>
             <a:endParaRPr lang="en-US"/>
           </a:p>
@@ -1141,7 +1142,7 @@
           <a:p>
             <a:fld id="{86FCFB96-917D-4A92-B206-4CEFDD05F1CC}" type="datetimeFigureOut">
               <a:rPr lang="en-US" smtClean="0"/>
-              <a:t>10/25/2020</a:t>
+              <a:t>10/28/2020</a:t>
             </a:fld>
             <a:endParaRPr lang="en-US"/>
           </a:p>
@@ -1406,7 +1407,7 @@
           <a:p>
             <a:fld id="{86FCFB96-917D-4A92-B206-4CEFDD05F1CC}" type="datetimeFigureOut">
               <a:rPr lang="en-US" smtClean="0"/>
-              <a:t>10/25/2020</a:t>
+              <a:t>10/28/2020</a:t>
             </a:fld>
             <a:endParaRPr lang="en-US"/>
           </a:p>
@@ -1818,7 +1819,7 @@
           <a:p>
             <a:fld id="{86FCFB96-917D-4A92-B206-4CEFDD05F1CC}" type="datetimeFigureOut">
               <a:rPr lang="en-US" smtClean="0"/>
-              <a:t>10/25/2020</a:t>
+              <a:t>10/28/2020</a:t>
             </a:fld>
             <a:endParaRPr lang="en-US"/>
           </a:p>
@@ -1959,7 +1960,7 @@
           <a:p>
             <a:fld id="{86FCFB96-917D-4A92-B206-4CEFDD05F1CC}" type="datetimeFigureOut">
               <a:rPr lang="en-US" smtClean="0"/>
-              <a:t>10/25/2020</a:t>
+              <a:t>10/28/2020</a:t>
             </a:fld>
             <a:endParaRPr lang="en-US"/>
           </a:p>
@@ -2072,7 +2073,7 @@
           <a:p>
             <a:fld id="{86FCFB96-917D-4A92-B206-4CEFDD05F1CC}" type="datetimeFigureOut">
               <a:rPr lang="en-US" smtClean="0"/>
-              <a:t>10/25/2020</a:t>
+              <a:t>10/28/2020</a:t>
             </a:fld>
             <a:endParaRPr lang="en-US"/>
           </a:p>
@@ -2383,7 +2384,7 @@
           <a:p>
             <a:fld id="{86FCFB96-917D-4A92-B206-4CEFDD05F1CC}" type="datetimeFigureOut">
               <a:rPr lang="en-US" smtClean="0"/>
-              <a:t>10/25/2020</a:t>
+              <a:t>10/28/2020</a:t>
             </a:fld>
             <a:endParaRPr lang="en-US"/>
           </a:p>
@@ -2671,7 +2672,7 @@
           <a:p>
             <a:fld id="{86FCFB96-917D-4A92-B206-4CEFDD05F1CC}" type="datetimeFigureOut">
               <a:rPr lang="en-US" smtClean="0"/>
-              <a:t>10/25/2020</a:t>
+              <a:t>10/28/2020</a:t>
             </a:fld>
             <a:endParaRPr lang="en-US"/>
           </a:p>
@@ -2912,7 +2913,7 @@
           <a:p>
             <a:fld id="{86FCFB96-917D-4A92-B206-4CEFDD05F1CC}" type="datetimeFigureOut">
               <a:rPr lang="en-US" smtClean="0"/>
-              <a:t>10/25/2020</a:t>
+              <a:t>10/28/2020</a:t>
             </a:fld>
             <a:endParaRPr lang="en-US"/>
           </a:p>
@@ -3605,6 +3606,98 @@
           <p:cNvPr id="2" name="Title 1">
             <a:extLst>
               <a:ext uri="{FF2B5EF4-FFF2-40B4-BE49-F238E27FC236}">
+                <a16:creationId xmlns:a16="http://schemas.microsoft.com/office/drawing/2014/main" id="{E9231215-1E6A-4EC1-96AE-9AE703C0522D}"/>
+              </a:ext>
+            </a:extLst>
+          </p:cNvPr>
+          <p:cNvSpPr>
+            <a:spLocks noGrp="1"/>
+          </p:cNvSpPr>
+          <p:nvPr>
+            <p:ph type="title"/>
+          </p:nvPr>
+        </p:nvSpPr>
+        <p:spPr/>
+        <p:txBody>
+          <a:bodyPr/>
+          <a:lstStyle/>
+          <a:p>
+            <a:r>
+              <a:rPr lang="en-US" dirty="0"/>
+              <a:t>Mobbing Rules</a:t>
+            </a:r>
+          </a:p>
+        </p:txBody>
+      </p:sp>
+      <p:sp>
+        <p:nvSpPr>
+          <p:cNvPr id="3" name="Content Placeholder 2">
+            <a:extLst>
+              <a:ext uri="{FF2B5EF4-FFF2-40B4-BE49-F238E27FC236}">
+                <a16:creationId xmlns:a16="http://schemas.microsoft.com/office/drawing/2014/main" id="{E2E6F412-BC73-46D0-8A73-997CE5F54513}"/>
+              </a:ext>
+            </a:extLst>
+          </p:cNvPr>
+          <p:cNvSpPr>
+            <a:spLocks noGrp="1"/>
+          </p:cNvSpPr>
+          <p:nvPr>
+            <p:ph idx="1"/>
+          </p:nvPr>
+        </p:nvSpPr>
+        <p:spPr/>
+        <p:txBody>
+          <a:bodyPr/>
+          <a:lstStyle/>
+          <a:p>
+            <a:r>
+              <a:rPr lang="en-US" dirty="0"/>
+              <a:t>Driving is optional.</a:t>
+            </a:r>
+          </a:p>
+          <a:p>
+            <a:r>
+              <a:rPr lang="en-US" dirty="0"/>
+              <a:t>Role rotation is about 7 minutes.</a:t>
+            </a:r>
+          </a:p>
+        </p:txBody>
+      </p:sp>
+    </p:spTree>
+    <p:extLst>
+      <p:ext uri="{BB962C8B-B14F-4D97-AF65-F5344CB8AC3E}">
+        <p14:creationId xmlns:p14="http://schemas.microsoft.com/office/powerpoint/2010/main" val="3658580741"/>
+      </p:ext>
+    </p:extLst>
+  </p:cSld>
+  <p:clrMapOvr>
+    <a:masterClrMapping/>
+  </p:clrMapOvr>
+</p:sld>
+</file>
+
+<file path=ppt/slides/slide5.xml><?xml version="1.0" encoding="utf-8"?>
+<p:sld xmlns:a="http://schemas.openxmlformats.org/drawingml/2006/main" xmlns:r="http://schemas.openxmlformats.org/officeDocument/2006/relationships" xmlns:p="http://schemas.openxmlformats.org/presentationml/2006/main">
+  <p:cSld>
+    <p:spTree>
+      <p:nvGrpSpPr>
+        <p:cNvPr id="1" name=""/>
+        <p:cNvGrpSpPr/>
+        <p:nvPr/>
+      </p:nvGrpSpPr>
+      <p:grpSpPr>
+        <a:xfrm>
+          <a:off x="0" y="0"/>
+          <a:ext cx="0" cy="0"/>
+          <a:chOff x="0" y="0"/>
+          <a:chExt cx="0" cy="0"/>
+        </a:xfrm>
+      </p:grpSpPr>
+      <p:sp>
+        <p:nvSpPr>
+          <p:cNvPr id="2" name="Title 1">
+            <a:extLst>
+              <a:ext uri="{FF2B5EF4-FFF2-40B4-BE49-F238E27FC236}">
                 <a16:creationId xmlns:a16="http://schemas.microsoft.com/office/drawing/2014/main" id="{ED6608E9-FC05-44D8-8222-3537215663C0}"/>
               </a:ext>
             </a:extLst>

--- a/mob.pptx
+++ b/mob.pptx
@@ -8,8 +8,9 @@
     <p:sldId id="256" r:id="rId2"/>
     <p:sldId id="257" r:id="rId3"/>
     <p:sldId id="258" r:id="rId4"/>
-    <p:sldId id="260" r:id="rId5"/>
-    <p:sldId id="259" r:id="rId6"/>
+    <p:sldId id="261" r:id="rId5"/>
+    <p:sldId id="260" r:id="rId6"/>
+    <p:sldId id="259" r:id="rId7"/>
   </p:sldIdLst>
   <p:sldSz cx="12192000" cy="6858000"/>
   <p:notesSz cx="6858000" cy="9144000"/>
@@ -263,7 +264,7 @@
           <a:p>
             <a:fld id="{86FCFB96-917D-4A92-B206-4CEFDD05F1CC}" type="datetimeFigureOut">
               <a:rPr lang="en-US" smtClean="0"/>
-              <a:t>10/28/2020</a:t>
+              <a:t>10/30/2020</a:t>
             </a:fld>
             <a:endParaRPr lang="en-US"/>
           </a:p>
@@ -461,7 +462,7 @@
           <a:p>
             <a:fld id="{86FCFB96-917D-4A92-B206-4CEFDD05F1CC}" type="datetimeFigureOut">
               <a:rPr lang="en-US" smtClean="0"/>
-              <a:t>10/28/2020</a:t>
+              <a:t>10/30/2020</a:t>
             </a:fld>
             <a:endParaRPr lang="en-US"/>
           </a:p>
@@ -669,7 +670,7 @@
           <a:p>
             <a:fld id="{86FCFB96-917D-4A92-B206-4CEFDD05F1CC}" type="datetimeFigureOut">
               <a:rPr lang="en-US" smtClean="0"/>
-              <a:t>10/28/2020</a:t>
+              <a:t>10/30/2020</a:t>
             </a:fld>
             <a:endParaRPr lang="en-US"/>
           </a:p>
@@ -867,7 +868,7 @@
           <a:p>
             <a:fld id="{86FCFB96-917D-4A92-B206-4CEFDD05F1CC}" type="datetimeFigureOut">
               <a:rPr lang="en-US" smtClean="0"/>
-              <a:t>10/28/2020</a:t>
+              <a:t>10/30/2020</a:t>
             </a:fld>
             <a:endParaRPr lang="en-US"/>
           </a:p>
@@ -1142,7 +1143,7 @@
           <a:p>
             <a:fld id="{86FCFB96-917D-4A92-B206-4CEFDD05F1CC}" type="datetimeFigureOut">
               <a:rPr lang="en-US" smtClean="0"/>
-              <a:t>10/28/2020</a:t>
+              <a:t>10/30/2020</a:t>
             </a:fld>
             <a:endParaRPr lang="en-US"/>
           </a:p>
@@ -1407,7 +1408,7 @@
           <a:p>
             <a:fld id="{86FCFB96-917D-4A92-B206-4CEFDD05F1CC}" type="datetimeFigureOut">
               <a:rPr lang="en-US" smtClean="0"/>
-              <a:t>10/28/2020</a:t>
+              <a:t>10/30/2020</a:t>
             </a:fld>
             <a:endParaRPr lang="en-US"/>
           </a:p>
@@ -1819,7 +1820,7 @@
           <a:p>
             <a:fld id="{86FCFB96-917D-4A92-B206-4CEFDD05F1CC}" type="datetimeFigureOut">
               <a:rPr lang="en-US" smtClean="0"/>
-              <a:t>10/28/2020</a:t>
+              <a:t>10/30/2020</a:t>
             </a:fld>
             <a:endParaRPr lang="en-US"/>
           </a:p>
@@ -1960,7 +1961,7 @@
           <a:p>
             <a:fld id="{86FCFB96-917D-4A92-B206-4CEFDD05F1CC}" type="datetimeFigureOut">
               <a:rPr lang="en-US" smtClean="0"/>
-              <a:t>10/28/2020</a:t>
+              <a:t>10/30/2020</a:t>
             </a:fld>
             <a:endParaRPr lang="en-US"/>
           </a:p>
@@ -2073,7 +2074,7 @@
           <a:p>
             <a:fld id="{86FCFB96-917D-4A92-B206-4CEFDD05F1CC}" type="datetimeFigureOut">
               <a:rPr lang="en-US" smtClean="0"/>
-              <a:t>10/28/2020</a:t>
+              <a:t>10/30/2020</a:t>
             </a:fld>
             <a:endParaRPr lang="en-US"/>
           </a:p>
@@ -2384,7 +2385,7 @@
           <a:p>
             <a:fld id="{86FCFB96-917D-4A92-B206-4CEFDD05F1CC}" type="datetimeFigureOut">
               <a:rPr lang="en-US" smtClean="0"/>
-              <a:t>10/28/2020</a:t>
+              <a:t>10/30/2020</a:t>
             </a:fld>
             <a:endParaRPr lang="en-US"/>
           </a:p>
@@ -2672,7 +2673,7 @@
           <a:p>
             <a:fld id="{86FCFB96-917D-4A92-B206-4CEFDD05F1CC}" type="datetimeFigureOut">
               <a:rPr lang="en-US" smtClean="0"/>
-              <a:t>10/28/2020</a:t>
+              <a:t>10/30/2020</a:t>
             </a:fld>
             <a:endParaRPr lang="en-US"/>
           </a:p>
@@ -2913,7 +2914,7 @@
           <a:p>
             <a:fld id="{86FCFB96-917D-4A92-B206-4CEFDD05F1CC}" type="datetimeFigureOut">
               <a:rPr lang="en-US" smtClean="0"/>
-              <a:t>10/28/2020</a:t>
+              <a:t>10/30/2020</a:t>
             </a:fld>
             <a:endParaRPr lang="en-US"/>
           </a:p>
@@ -3475,7 +3476,11 @@
           </a:p>
           <a:p>
             <a:r>
-              <a:rPr lang="en-US" dirty="0"/>
+              <a:rPr lang="en-US" sz="4800" dirty="0">
+                <a:solidFill>
+                  <a:srgbClr val="7030A0"/>
+                </a:solidFill>
+              </a:rPr>
               <a:t>Mob programming is more about working well together than the mob. - Woody Zuill</a:t>
             </a:r>
           </a:p>
@@ -3532,7 +3537,10 @@
           <a:bodyPr/>
           <a:lstStyle/>
           <a:p>
-            <a:endParaRPr lang="en-US"/>
+            <a:r>
+              <a:rPr lang="en-US" dirty="0"/>
+              <a:t>The Setup</a:t>
+            </a:r>
           </a:p>
         </p:txBody>
       </p:sp>
@@ -3606,6 +3614,362 @@
           <p:cNvPr id="2" name="Title 1">
             <a:extLst>
               <a:ext uri="{FF2B5EF4-FFF2-40B4-BE49-F238E27FC236}">
+                <a16:creationId xmlns:a16="http://schemas.microsoft.com/office/drawing/2014/main" id="{BA07DC57-1468-41E2-8515-9E050C5CAD5D}"/>
+              </a:ext>
+            </a:extLst>
+          </p:cNvPr>
+          <p:cNvSpPr>
+            <a:spLocks noGrp="1"/>
+          </p:cNvSpPr>
+          <p:nvPr>
+            <p:ph type="title"/>
+          </p:nvPr>
+        </p:nvSpPr>
+        <p:spPr/>
+        <p:txBody>
+          <a:bodyPr/>
+          <a:lstStyle/>
+          <a:p>
+            <a:r>
+              <a:rPr lang="en-US" dirty="0"/>
+              <a:t>Why mobbing? - Pros</a:t>
+            </a:r>
+          </a:p>
+        </p:txBody>
+      </p:sp>
+      <p:sp>
+        <p:nvSpPr>
+          <p:cNvPr id="3" name="Content Placeholder 2">
+            <a:extLst>
+              <a:ext uri="{FF2B5EF4-FFF2-40B4-BE49-F238E27FC236}">
+                <a16:creationId xmlns:a16="http://schemas.microsoft.com/office/drawing/2014/main" id="{70E338B6-F383-4DF9-9714-179BD68D4142}"/>
+              </a:ext>
+            </a:extLst>
+          </p:cNvPr>
+          <p:cNvSpPr>
+            <a:spLocks noGrp="1"/>
+          </p:cNvSpPr>
+          <p:nvPr>
+            <p:ph idx="1"/>
+          </p:nvPr>
+        </p:nvSpPr>
+        <p:spPr>
+          <a:xfrm>
+            <a:off x="838200" y="1825625"/>
+            <a:ext cx="10515600" cy="1325563"/>
+          </a:xfrm>
+        </p:spPr>
+        <p:txBody>
+          <a:bodyPr/>
+          <a:lstStyle/>
+          <a:p>
+            <a:r>
+              <a:rPr lang="en-US" dirty="0"/>
+              <a:t>Productivity</a:t>
+            </a:r>
+          </a:p>
+          <a:p>
+            <a:r>
+              <a:rPr lang="en-US" dirty="0"/>
+              <a:t>Knowledge Sharing</a:t>
+            </a:r>
+          </a:p>
+        </p:txBody>
+      </p:sp>
+      <p:sp>
+        <p:nvSpPr>
+          <p:cNvPr id="4" name="Title 1">
+            <a:extLst>
+              <a:ext uri="{FF2B5EF4-FFF2-40B4-BE49-F238E27FC236}">
+                <a16:creationId xmlns:a16="http://schemas.microsoft.com/office/drawing/2014/main" id="{21C2C94C-BE2E-4F3B-B3F9-8CCA3D5A95CD}"/>
+              </a:ext>
+            </a:extLst>
+          </p:cNvPr>
+          <p:cNvSpPr txBox="1">
+            <a:spLocks/>
+          </p:cNvSpPr>
+          <p:nvPr/>
+        </p:nvSpPr>
+        <p:spPr>
+          <a:xfrm>
+            <a:off x="962464" y="3105983"/>
+            <a:ext cx="10515600" cy="1325563"/>
+          </a:xfrm>
+          <a:prstGeom prst="rect">
+            <a:avLst/>
+          </a:prstGeom>
+        </p:spPr>
+        <p:txBody>
+          <a:bodyPr vert="horz" lIns="91440" tIns="45720" rIns="91440" bIns="45720" rtlCol="0" anchor="ctr">
+            <a:normAutofit/>
+          </a:bodyPr>
+          <a:lstStyle>
+            <a:lvl1pPr algn="l" defTabSz="914400" rtl="0" eaLnBrk="1" latinLnBrk="0" hangingPunct="1">
+              <a:lnSpc>
+                <a:spcPct val="90000"/>
+              </a:lnSpc>
+              <a:spcBef>
+                <a:spcPct val="0"/>
+              </a:spcBef>
+              <a:buNone/>
+              <a:defRPr sz="4400" kern="1200">
+                <a:solidFill>
+                  <a:schemeClr val="tx1"/>
+                </a:solidFill>
+                <a:latin typeface="+mj-lt"/>
+                <a:ea typeface="+mj-ea"/>
+                <a:cs typeface="+mj-cs"/>
+              </a:defRPr>
+            </a:lvl1pPr>
+          </a:lstStyle>
+          <a:p>
+            <a:r>
+              <a:rPr lang="en-US" dirty="0"/>
+              <a:t>Why not - Cons</a:t>
+            </a:r>
+          </a:p>
+        </p:txBody>
+      </p:sp>
+      <p:sp>
+        <p:nvSpPr>
+          <p:cNvPr id="6" name="Content Placeholder 2">
+            <a:extLst>
+              <a:ext uri="{FF2B5EF4-FFF2-40B4-BE49-F238E27FC236}">
+                <a16:creationId xmlns:a16="http://schemas.microsoft.com/office/drawing/2014/main" id="{D72A97FF-2AFC-4AEC-A3B2-2E66EA4FFDEE}"/>
+              </a:ext>
+            </a:extLst>
+          </p:cNvPr>
+          <p:cNvSpPr txBox="1">
+            <a:spLocks/>
+          </p:cNvSpPr>
+          <p:nvPr/>
+        </p:nvSpPr>
+        <p:spPr>
+          <a:xfrm>
+            <a:off x="920260" y="4172588"/>
+            <a:ext cx="10515600" cy="1325563"/>
+          </a:xfrm>
+          <a:prstGeom prst="rect">
+            <a:avLst/>
+          </a:prstGeom>
+        </p:spPr>
+        <p:txBody>
+          <a:bodyPr vert="horz" lIns="91440" tIns="45720" rIns="91440" bIns="45720" rtlCol="0">
+            <a:normAutofit/>
+          </a:bodyPr>
+          <a:lstStyle>
+            <a:lvl1pPr marL="228600" indent="-228600" algn="l" defTabSz="914400" rtl="0" eaLnBrk="1" latinLnBrk="0" hangingPunct="1">
+              <a:lnSpc>
+                <a:spcPct val="90000"/>
+              </a:lnSpc>
+              <a:spcBef>
+                <a:spcPts val="1000"/>
+              </a:spcBef>
+              <a:buFont typeface="Arial" panose="020B0604020202020204" pitchFamily="34" charset="0"/>
+              <a:buChar char="•"/>
+              <a:defRPr sz="2800" kern="1200">
+                <a:solidFill>
+                  <a:schemeClr val="tx1"/>
+                </a:solidFill>
+                <a:latin typeface="+mn-lt"/>
+                <a:ea typeface="+mn-ea"/>
+                <a:cs typeface="+mn-cs"/>
+              </a:defRPr>
+            </a:lvl1pPr>
+            <a:lvl2pPr marL="685800" indent="-228600" algn="l" defTabSz="914400" rtl="0" eaLnBrk="1" latinLnBrk="0" hangingPunct="1">
+              <a:lnSpc>
+                <a:spcPct val="90000"/>
+              </a:lnSpc>
+              <a:spcBef>
+                <a:spcPts val="500"/>
+              </a:spcBef>
+              <a:buFont typeface="Arial" panose="020B0604020202020204" pitchFamily="34" charset="0"/>
+              <a:buChar char="•"/>
+              <a:defRPr sz="2400" kern="1200">
+                <a:solidFill>
+                  <a:schemeClr val="tx1"/>
+                </a:solidFill>
+                <a:latin typeface="+mn-lt"/>
+                <a:ea typeface="+mn-ea"/>
+                <a:cs typeface="+mn-cs"/>
+              </a:defRPr>
+            </a:lvl2pPr>
+            <a:lvl3pPr marL="1143000" indent="-228600" algn="l" defTabSz="914400" rtl="0" eaLnBrk="1" latinLnBrk="0" hangingPunct="1">
+              <a:lnSpc>
+                <a:spcPct val="90000"/>
+              </a:lnSpc>
+              <a:spcBef>
+                <a:spcPts val="500"/>
+              </a:spcBef>
+              <a:buFont typeface="Arial" panose="020B0604020202020204" pitchFamily="34" charset="0"/>
+              <a:buChar char="•"/>
+              <a:defRPr sz="2000" kern="1200">
+                <a:solidFill>
+                  <a:schemeClr val="tx1"/>
+                </a:solidFill>
+                <a:latin typeface="+mn-lt"/>
+                <a:ea typeface="+mn-ea"/>
+                <a:cs typeface="+mn-cs"/>
+              </a:defRPr>
+            </a:lvl3pPr>
+            <a:lvl4pPr marL="1600200" indent="-228600" algn="l" defTabSz="914400" rtl="0" eaLnBrk="1" latinLnBrk="0" hangingPunct="1">
+              <a:lnSpc>
+                <a:spcPct val="90000"/>
+              </a:lnSpc>
+              <a:spcBef>
+                <a:spcPts val="500"/>
+              </a:spcBef>
+              <a:buFont typeface="Arial" panose="020B0604020202020204" pitchFamily="34" charset="0"/>
+              <a:buChar char="•"/>
+              <a:defRPr sz="1800" kern="1200">
+                <a:solidFill>
+                  <a:schemeClr val="tx1"/>
+                </a:solidFill>
+                <a:latin typeface="+mn-lt"/>
+                <a:ea typeface="+mn-ea"/>
+                <a:cs typeface="+mn-cs"/>
+              </a:defRPr>
+            </a:lvl4pPr>
+            <a:lvl5pPr marL="2057400" indent="-228600" algn="l" defTabSz="914400" rtl="0" eaLnBrk="1" latinLnBrk="0" hangingPunct="1">
+              <a:lnSpc>
+                <a:spcPct val="90000"/>
+              </a:lnSpc>
+              <a:spcBef>
+                <a:spcPts val="500"/>
+              </a:spcBef>
+              <a:buFont typeface="Arial" panose="020B0604020202020204" pitchFamily="34" charset="0"/>
+              <a:buChar char="•"/>
+              <a:defRPr sz="1800" kern="1200">
+                <a:solidFill>
+                  <a:schemeClr val="tx1"/>
+                </a:solidFill>
+                <a:latin typeface="+mn-lt"/>
+                <a:ea typeface="+mn-ea"/>
+                <a:cs typeface="+mn-cs"/>
+              </a:defRPr>
+            </a:lvl5pPr>
+            <a:lvl6pPr marL="2514600" indent="-228600" algn="l" defTabSz="914400" rtl="0" eaLnBrk="1" latinLnBrk="0" hangingPunct="1">
+              <a:lnSpc>
+                <a:spcPct val="90000"/>
+              </a:lnSpc>
+              <a:spcBef>
+                <a:spcPts val="500"/>
+              </a:spcBef>
+              <a:buFont typeface="Arial" panose="020B0604020202020204" pitchFamily="34" charset="0"/>
+              <a:buChar char="•"/>
+              <a:defRPr sz="1800" kern="1200">
+                <a:solidFill>
+                  <a:schemeClr val="tx1"/>
+                </a:solidFill>
+                <a:latin typeface="+mn-lt"/>
+                <a:ea typeface="+mn-ea"/>
+                <a:cs typeface="+mn-cs"/>
+              </a:defRPr>
+            </a:lvl6pPr>
+            <a:lvl7pPr marL="2971800" indent="-228600" algn="l" defTabSz="914400" rtl="0" eaLnBrk="1" latinLnBrk="0" hangingPunct="1">
+              <a:lnSpc>
+                <a:spcPct val="90000"/>
+              </a:lnSpc>
+              <a:spcBef>
+                <a:spcPts val="500"/>
+              </a:spcBef>
+              <a:buFont typeface="Arial" panose="020B0604020202020204" pitchFamily="34" charset="0"/>
+              <a:buChar char="•"/>
+              <a:defRPr sz="1800" kern="1200">
+                <a:solidFill>
+                  <a:schemeClr val="tx1"/>
+                </a:solidFill>
+                <a:latin typeface="+mn-lt"/>
+                <a:ea typeface="+mn-ea"/>
+                <a:cs typeface="+mn-cs"/>
+              </a:defRPr>
+            </a:lvl7pPr>
+            <a:lvl8pPr marL="3429000" indent="-228600" algn="l" defTabSz="914400" rtl="0" eaLnBrk="1" latinLnBrk="0" hangingPunct="1">
+              <a:lnSpc>
+                <a:spcPct val="90000"/>
+              </a:lnSpc>
+              <a:spcBef>
+                <a:spcPts val="500"/>
+              </a:spcBef>
+              <a:buFont typeface="Arial" panose="020B0604020202020204" pitchFamily="34" charset="0"/>
+              <a:buChar char="•"/>
+              <a:defRPr sz="1800" kern="1200">
+                <a:solidFill>
+                  <a:schemeClr val="tx1"/>
+                </a:solidFill>
+                <a:latin typeface="+mn-lt"/>
+                <a:ea typeface="+mn-ea"/>
+                <a:cs typeface="+mn-cs"/>
+              </a:defRPr>
+            </a:lvl8pPr>
+            <a:lvl9pPr marL="3886200" indent="-228600" algn="l" defTabSz="914400" rtl="0" eaLnBrk="1" latinLnBrk="0" hangingPunct="1">
+              <a:lnSpc>
+                <a:spcPct val="90000"/>
+              </a:lnSpc>
+              <a:spcBef>
+                <a:spcPts val="500"/>
+              </a:spcBef>
+              <a:buFont typeface="Arial" panose="020B0604020202020204" pitchFamily="34" charset="0"/>
+              <a:buChar char="•"/>
+              <a:defRPr sz="1800" kern="1200">
+                <a:solidFill>
+                  <a:schemeClr val="tx1"/>
+                </a:solidFill>
+                <a:latin typeface="+mn-lt"/>
+                <a:ea typeface="+mn-ea"/>
+                <a:cs typeface="+mn-cs"/>
+              </a:defRPr>
+            </a:lvl9pPr>
+          </a:lstStyle>
+          <a:p>
+            <a:r>
+              <a:rPr lang="en-US" dirty="0"/>
+              <a:t>Productivity</a:t>
+            </a:r>
+          </a:p>
+          <a:p>
+            <a:r>
+              <a:rPr lang="en-US" dirty="0"/>
+              <a:t>Everyone needs to be on the same schedule</a:t>
+            </a:r>
+          </a:p>
+        </p:txBody>
+      </p:sp>
+    </p:spTree>
+    <p:extLst>
+      <p:ext uri="{BB962C8B-B14F-4D97-AF65-F5344CB8AC3E}">
+        <p14:creationId xmlns:p14="http://schemas.microsoft.com/office/powerpoint/2010/main" val="2478574585"/>
+      </p:ext>
+    </p:extLst>
+  </p:cSld>
+  <p:clrMapOvr>
+    <a:masterClrMapping/>
+  </p:clrMapOvr>
+</p:sld>
+</file>
+
+<file path=ppt/slides/slide5.xml><?xml version="1.0" encoding="utf-8"?>
+<p:sld xmlns:a="http://schemas.openxmlformats.org/drawingml/2006/main" xmlns:r="http://schemas.openxmlformats.org/officeDocument/2006/relationships" xmlns:p="http://schemas.openxmlformats.org/presentationml/2006/main">
+  <p:cSld>
+    <p:spTree>
+      <p:nvGrpSpPr>
+        <p:cNvPr id="1" name=""/>
+        <p:cNvGrpSpPr/>
+        <p:nvPr/>
+      </p:nvGrpSpPr>
+      <p:grpSpPr>
+        <a:xfrm>
+          <a:off x="0" y="0"/>
+          <a:ext cx="0" cy="0"/>
+          <a:chOff x="0" y="0"/>
+          <a:chExt cx="0" cy="0"/>
+        </a:xfrm>
+      </p:grpSpPr>
+      <p:sp>
+        <p:nvSpPr>
+          <p:cNvPr id="2" name="Title 1">
+            <a:extLst>
+              <a:ext uri="{FF2B5EF4-FFF2-40B4-BE49-F238E27FC236}">
                 <a16:creationId xmlns:a16="http://schemas.microsoft.com/office/drawing/2014/main" id="{E9231215-1E6A-4EC1-96AE-9AE703C0522D}"/>
               </a:ext>
             </a:extLst>
@@ -3676,7 +4040,7 @@
 </p:sld>
 </file>
 
-<file path=ppt/slides/slide5.xml><?xml version="1.0" encoding="utf-8"?>
+<file path=ppt/slides/slide6.xml><?xml version="1.0" encoding="utf-8"?>
 <p:sld xmlns:a="http://schemas.openxmlformats.org/drawingml/2006/main" xmlns:r="http://schemas.openxmlformats.org/officeDocument/2006/relationships" xmlns:p="http://schemas.openxmlformats.org/presentationml/2006/main">
   <p:cSld>
     <p:spTree>

--- a/mob.pptx
+++ b/mob.pptx
@@ -7,10 +7,14 @@
   <p:sldIdLst>
     <p:sldId id="256" r:id="rId2"/>
     <p:sldId id="257" r:id="rId3"/>
-    <p:sldId id="258" r:id="rId4"/>
+    <p:sldId id="263" r:id="rId4"/>
     <p:sldId id="261" r:id="rId5"/>
-    <p:sldId id="260" r:id="rId6"/>
-    <p:sldId id="259" r:id="rId7"/>
+    <p:sldId id="258" r:id="rId6"/>
+    <p:sldId id="260" r:id="rId7"/>
+    <p:sldId id="265" r:id="rId8"/>
+    <p:sldId id="264" r:id="rId9"/>
+    <p:sldId id="259" r:id="rId10"/>
+    <p:sldId id="262" r:id="rId11"/>
   </p:sldIdLst>
   <p:sldSz cx="12192000" cy="6858000"/>
   <p:notesSz cx="6858000" cy="9144000"/>
@@ -264,7 +268,7 @@
           <a:p>
             <a:fld id="{86FCFB96-917D-4A92-B206-4CEFDD05F1CC}" type="datetimeFigureOut">
               <a:rPr lang="en-US" smtClean="0"/>
-              <a:t>10/30/2020</a:t>
+              <a:t>11/1/2020</a:t>
             </a:fld>
             <a:endParaRPr lang="en-US"/>
           </a:p>
@@ -462,7 +466,7 @@
           <a:p>
             <a:fld id="{86FCFB96-917D-4A92-B206-4CEFDD05F1CC}" type="datetimeFigureOut">
               <a:rPr lang="en-US" smtClean="0"/>
-              <a:t>10/30/2020</a:t>
+              <a:t>11/1/2020</a:t>
             </a:fld>
             <a:endParaRPr lang="en-US"/>
           </a:p>
@@ -670,7 +674,7 @@
           <a:p>
             <a:fld id="{86FCFB96-917D-4A92-B206-4CEFDD05F1CC}" type="datetimeFigureOut">
               <a:rPr lang="en-US" smtClean="0"/>
-              <a:t>10/30/2020</a:t>
+              <a:t>11/1/2020</a:t>
             </a:fld>
             <a:endParaRPr lang="en-US"/>
           </a:p>
@@ -868,7 +872,7 @@
           <a:p>
             <a:fld id="{86FCFB96-917D-4A92-B206-4CEFDD05F1CC}" type="datetimeFigureOut">
               <a:rPr lang="en-US" smtClean="0"/>
-              <a:t>10/30/2020</a:t>
+              <a:t>11/1/2020</a:t>
             </a:fld>
             <a:endParaRPr lang="en-US"/>
           </a:p>
@@ -1143,7 +1147,7 @@
           <a:p>
             <a:fld id="{86FCFB96-917D-4A92-B206-4CEFDD05F1CC}" type="datetimeFigureOut">
               <a:rPr lang="en-US" smtClean="0"/>
-              <a:t>10/30/2020</a:t>
+              <a:t>11/1/2020</a:t>
             </a:fld>
             <a:endParaRPr lang="en-US"/>
           </a:p>
@@ -1408,7 +1412,7 @@
           <a:p>
             <a:fld id="{86FCFB96-917D-4A92-B206-4CEFDD05F1CC}" type="datetimeFigureOut">
               <a:rPr lang="en-US" smtClean="0"/>
-              <a:t>10/30/2020</a:t>
+              <a:t>11/1/2020</a:t>
             </a:fld>
             <a:endParaRPr lang="en-US"/>
           </a:p>
@@ -1820,7 +1824,7 @@
           <a:p>
             <a:fld id="{86FCFB96-917D-4A92-B206-4CEFDD05F1CC}" type="datetimeFigureOut">
               <a:rPr lang="en-US" smtClean="0"/>
-              <a:t>10/30/2020</a:t>
+              <a:t>11/1/2020</a:t>
             </a:fld>
             <a:endParaRPr lang="en-US"/>
           </a:p>
@@ -1961,7 +1965,7 @@
           <a:p>
             <a:fld id="{86FCFB96-917D-4A92-B206-4CEFDD05F1CC}" type="datetimeFigureOut">
               <a:rPr lang="en-US" smtClean="0"/>
-              <a:t>10/30/2020</a:t>
+              <a:t>11/1/2020</a:t>
             </a:fld>
             <a:endParaRPr lang="en-US"/>
           </a:p>
@@ -2074,7 +2078,7 @@
           <a:p>
             <a:fld id="{86FCFB96-917D-4A92-B206-4CEFDD05F1CC}" type="datetimeFigureOut">
               <a:rPr lang="en-US" smtClean="0"/>
-              <a:t>10/30/2020</a:t>
+              <a:t>11/1/2020</a:t>
             </a:fld>
             <a:endParaRPr lang="en-US"/>
           </a:p>
@@ -2385,7 +2389,7 @@
           <a:p>
             <a:fld id="{86FCFB96-917D-4A92-B206-4CEFDD05F1CC}" type="datetimeFigureOut">
               <a:rPr lang="en-US" smtClean="0"/>
-              <a:t>10/30/2020</a:t>
+              <a:t>11/1/2020</a:t>
             </a:fld>
             <a:endParaRPr lang="en-US"/>
           </a:p>
@@ -2673,7 +2677,7 @@
           <a:p>
             <a:fld id="{86FCFB96-917D-4A92-B206-4CEFDD05F1CC}" type="datetimeFigureOut">
               <a:rPr lang="en-US" smtClean="0"/>
-              <a:t>10/30/2020</a:t>
+              <a:t>11/1/2020</a:t>
             </a:fld>
             <a:endParaRPr lang="en-US"/>
           </a:p>
@@ -2914,7 +2918,7 @@
           <a:p>
             <a:fld id="{86FCFB96-917D-4A92-B206-4CEFDD05F1CC}" type="datetimeFigureOut">
               <a:rPr lang="en-US" smtClean="0"/>
-              <a:t>10/30/2020</a:t>
+              <a:t>11/1/2020</a:t>
             </a:fld>
             <a:endParaRPr lang="en-US"/>
           </a:p>
@@ -3400,6 +3404,111 @@
 </p:sld>
 </file>
 
+<file path=ppt/slides/slide10.xml><?xml version="1.0" encoding="utf-8"?>
+<p:sld xmlns:a="http://schemas.openxmlformats.org/drawingml/2006/main" xmlns:r="http://schemas.openxmlformats.org/officeDocument/2006/relationships" xmlns:p="http://schemas.openxmlformats.org/presentationml/2006/main">
+  <p:cSld>
+    <p:spTree>
+      <p:nvGrpSpPr>
+        <p:cNvPr id="1" name=""/>
+        <p:cNvGrpSpPr/>
+        <p:nvPr/>
+      </p:nvGrpSpPr>
+      <p:grpSpPr>
+        <a:xfrm>
+          <a:off x="0" y="0"/>
+          <a:ext cx="0" cy="0"/>
+          <a:chOff x="0" y="0"/>
+          <a:chExt cx="0" cy="0"/>
+        </a:xfrm>
+      </p:grpSpPr>
+      <p:sp>
+        <p:nvSpPr>
+          <p:cNvPr id="3" name="Content Placeholder 2">
+            <a:extLst>
+              <a:ext uri="{FF2B5EF4-FFF2-40B4-BE49-F238E27FC236}">
+                <a16:creationId xmlns:a16="http://schemas.microsoft.com/office/drawing/2014/main" id="{3271A26D-82C0-4559-9838-003E6F7B18E6}"/>
+              </a:ext>
+            </a:extLst>
+          </p:cNvPr>
+          <p:cNvSpPr>
+            <a:spLocks noGrp="1"/>
+          </p:cNvSpPr>
+          <p:nvPr>
+            <p:ph idx="1"/>
+          </p:nvPr>
+        </p:nvSpPr>
+        <p:spPr>
+          <a:xfrm>
+            <a:off x="838200" y="344384"/>
+            <a:ext cx="10515600" cy="5832579"/>
+          </a:xfrm>
+        </p:spPr>
+        <p:txBody>
+          <a:bodyPr/>
+          <a:lstStyle/>
+          <a:p>
+            <a:pPr marL="0" indent="0">
+              <a:buNone/>
+            </a:pPr>
+            <a:r>
+              <a:rPr lang="en-US" dirty="0"/>
+              <a:t>Websites</a:t>
+            </a:r>
+          </a:p>
+          <a:p>
+            <a:r>
+              <a:rPr lang="en-US" dirty="0">
+                <a:hlinkClick r:id="rId2"/>
+              </a:rPr>
+              <a:t>Mob Timer</a:t>
+            </a:r>
+            <a:endParaRPr lang="en-US" dirty="0"/>
+          </a:p>
+          <a:p>
+            <a:r>
+              <a:rPr lang="en-US" dirty="0">
+                <a:hlinkClick r:id="rId3"/>
+              </a:rPr>
+              <a:t>This Slide Deck on GitHub</a:t>
+            </a:r>
+            <a:endParaRPr lang="en-US" dirty="0"/>
+          </a:p>
+          <a:p>
+            <a:r>
+              <a:rPr lang="en-US" dirty="0">
+                <a:hlinkClick r:id="rId4"/>
+              </a:rPr>
+              <a:t>Mob Programming at Wikipedia</a:t>
+            </a:r>
+            <a:endParaRPr lang="en-US" dirty="0"/>
+          </a:p>
+          <a:p>
+            <a:r>
+              <a:rPr lang="en-US" dirty="0">
+                <a:hlinkClick r:id="rId5"/>
+              </a:rPr>
+              <a:t>I did mob programming every day for 5 months. Here's what I learnt</a:t>
+            </a:r>
+            <a:r>
+              <a:rPr lang="en-US" dirty="0"/>
+              <a:t>.</a:t>
+            </a:r>
+          </a:p>
+        </p:txBody>
+      </p:sp>
+    </p:spTree>
+    <p:extLst>
+      <p:ext uri="{BB962C8B-B14F-4D97-AF65-F5344CB8AC3E}">
+        <p14:creationId xmlns:p14="http://schemas.microsoft.com/office/powerpoint/2010/main" val="2503616549"/>
+      </p:ext>
+    </p:extLst>
+  </p:cSld>
+  <p:clrMapOvr>
+    <a:masterClrMapping/>
+  </p:clrMapOvr>
+</p:sld>
+</file>
+
 <file path=ppt/slides/slide2.xml><?xml version="1.0" encoding="utf-8"?>
 <p:sld xmlns:a="http://schemas.openxmlformats.org/drawingml/2006/main" xmlns:r="http://schemas.openxmlformats.org/officeDocument/2006/relationships" xmlns:p="http://schemas.openxmlformats.org/presentationml/2006/main">
   <p:cSld>
@@ -3481,7 +3590,7 @@
                   <a:srgbClr val="7030A0"/>
                 </a:solidFill>
               </a:rPr>
-              <a:t>Mob programming is more about working well together than the mob. - Woody Zuill</a:t>
+              <a:t>Mob programming is more about working well together than about the mob. - Woody Zuill</a:t>
             </a:r>
           </a:p>
         </p:txBody>
@@ -3521,7 +3630,7 @@
           <p:cNvPr id="2" name="Title 1">
             <a:extLst>
               <a:ext uri="{FF2B5EF4-FFF2-40B4-BE49-F238E27FC236}">
-                <a16:creationId xmlns:a16="http://schemas.microsoft.com/office/drawing/2014/main" id="{42DDE6C7-5A6D-443A-9598-787D3EB7C3A1}"/>
+                <a16:creationId xmlns:a16="http://schemas.microsoft.com/office/drawing/2014/main" id="{BAE6740A-EE04-4DE9-B352-81B60C779063}"/>
               </a:ext>
             </a:extLst>
           </p:cNvPr>
@@ -3539,50 +3648,46 @@
           <a:p>
             <a:r>
               <a:rPr lang="en-US" dirty="0"/>
-              <a:t>The Setup</a:t>
-            </a:r>
-          </a:p>
-        </p:txBody>
-      </p:sp>
-      <p:pic>
-        <p:nvPicPr>
-          <p:cNvPr id="5" name="Content Placeholder 4" descr="Diagram&#10;&#10;Description automatically generated">
-            <a:extLst>
-              <a:ext uri="{FF2B5EF4-FFF2-40B4-BE49-F238E27FC236}">
-                <a16:creationId xmlns:a16="http://schemas.microsoft.com/office/drawing/2014/main" id="{76FB23F7-D06B-4D45-BA54-8D852197756C}"/>
-              </a:ext>
-            </a:extLst>
-          </p:cNvPr>
-          <p:cNvPicPr>
-            <a:picLocks noGrp="1" noChangeAspect="1"/>
-          </p:cNvPicPr>
+              <a:t>Disclaimer</a:t>
+            </a:r>
+          </a:p>
+        </p:txBody>
+      </p:sp>
+      <p:sp>
+        <p:nvSpPr>
+          <p:cNvPr id="3" name="Content Placeholder 2">
+            <a:extLst>
+              <a:ext uri="{FF2B5EF4-FFF2-40B4-BE49-F238E27FC236}">
+                <a16:creationId xmlns:a16="http://schemas.microsoft.com/office/drawing/2014/main" id="{8649567E-B457-4EC0-AA40-017C480D19B9}"/>
+              </a:ext>
+            </a:extLst>
+          </p:cNvPr>
+          <p:cNvSpPr>
+            <a:spLocks noGrp="1"/>
+          </p:cNvSpPr>
           <p:nvPr>
             <p:ph idx="1"/>
           </p:nvPr>
-        </p:nvPicPr>
-        <p:blipFill>
-          <a:blip r:embed="rId2">
-            <a:extLst>
-              <a:ext uri="{28A0092B-C50C-407E-A947-70E740481C1C}">
-                <a14:useLocalDpi xmlns:a14="http://schemas.microsoft.com/office/drawing/2010/main" val="0"/>
-              </a:ext>
-            </a:extLst>
-          </a:blip>
-          <a:stretch>
-            <a:fillRect/>
-          </a:stretch>
-        </p:blipFill>
-        <p:spPr>
-          <a:xfrm>
-            <a:off x="2206929" y="1825625"/>
-            <a:ext cx="7778142" cy="4351338"/>
-          </a:xfrm>
-        </p:spPr>
-      </p:pic>
+        </p:nvSpPr>
+        <p:spPr/>
+        <p:txBody>
+          <a:bodyPr/>
+          <a:lstStyle/>
+          <a:p>
+            <a:r>
+              <a:rPr lang="en-US" dirty="0"/>
+              <a:t>I have very little actual mob programming experience. I wish I had more. The limited experience I do have is from a Software Craftsmanship Meetup Group the I used to attend.</a:t>
+            </a:r>
+          </a:p>
+          <a:p>
+            <a:endParaRPr lang="en-US" dirty="0"/>
+          </a:p>
+        </p:txBody>
+      </p:sp>
     </p:spTree>
     <p:extLst>
       <p:ext uri="{BB962C8B-B14F-4D97-AF65-F5344CB8AC3E}">
-        <p14:creationId xmlns:p14="http://schemas.microsoft.com/office/powerpoint/2010/main" val="759273895"/>
+        <p14:creationId xmlns:p14="http://schemas.microsoft.com/office/powerpoint/2010/main" val="513394507"/>
       </p:ext>
     </p:extLst>
   </p:cSld>
@@ -3655,12 +3760,14 @@
         </p:nvSpPr>
         <p:spPr>
           <a:xfrm>
-            <a:off x="838200" y="1825625"/>
-            <a:ext cx="10515600" cy="1325563"/>
+            <a:off x="838200" y="1481244"/>
+            <a:ext cx="10515600" cy="2116979"/>
           </a:xfrm>
         </p:spPr>
         <p:txBody>
-          <a:bodyPr/>
+          <a:bodyPr>
+            <a:normAutofit/>
+          </a:bodyPr>
           <a:lstStyle/>
           <a:p>
             <a:r>
@@ -3674,6 +3781,18 @@
               <a:t>Knowledge Sharing</a:t>
             </a:r>
           </a:p>
+          <a:p>
+            <a:r>
+              <a:rPr lang="en-US" dirty="0"/>
+              <a:t>Collective Intelligence</a:t>
+            </a:r>
+          </a:p>
+          <a:p>
+            <a:r>
+              <a:rPr lang="en-US" dirty="0"/>
+              <a:t>Higher quality code</a:t>
+            </a:r>
+          </a:p>
         </p:txBody>
       </p:sp>
       <p:sp>
@@ -3692,7 +3811,7 @@
         </p:nvSpPr>
         <p:spPr>
           <a:xfrm>
-            <a:off x="962464" y="3105983"/>
+            <a:off x="962464" y="4174763"/>
             <a:ext cx="10515600" cy="1325563"/>
           </a:xfrm>
           <a:prstGeom prst="rect">
@@ -3746,8 +3865,8 @@
         </p:nvSpPr>
         <p:spPr>
           <a:xfrm>
-            <a:off x="920260" y="4172588"/>
-            <a:ext cx="10515600" cy="1325563"/>
+            <a:off x="920260" y="5259935"/>
+            <a:ext cx="10515600" cy="998237"/>
           </a:xfrm>
           <a:prstGeom prst="rect">
             <a:avLst/>
@@ -3970,6 +4089,99 @@
           <p:cNvPr id="2" name="Title 1">
             <a:extLst>
               <a:ext uri="{FF2B5EF4-FFF2-40B4-BE49-F238E27FC236}">
+                <a16:creationId xmlns:a16="http://schemas.microsoft.com/office/drawing/2014/main" id="{42DDE6C7-5A6D-443A-9598-787D3EB7C3A1}"/>
+              </a:ext>
+            </a:extLst>
+          </p:cNvPr>
+          <p:cNvSpPr>
+            <a:spLocks noGrp="1"/>
+          </p:cNvSpPr>
+          <p:nvPr>
+            <p:ph type="title"/>
+          </p:nvPr>
+        </p:nvSpPr>
+        <p:spPr/>
+        <p:txBody>
+          <a:bodyPr/>
+          <a:lstStyle/>
+          <a:p>
+            <a:r>
+              <a:rPr lang="en-US" dirty="0"/>
+              <a:t>The Setup</a:t>
+            </a:r>
+          </a:p>
+        </p:txBody>
+      </p:sp>
+      <p:pic>
+        <p:nvPicPr>
+          <p:cNvPr id="5" name="Content Placeholder 4" descr="Diagram&#10;&#10;Description automatically generated">
+            <a:extLst>
+              <a:ext uri="{FF2B5EF4-FFF2-40B4-BE49-F238E27FC236}">
+                <a16:creationId xmlns:a16="http://schemas.microsoft.com/office/drawing/2014/main" id="{76FB23F7-D06B-4D45-BA54-8D852197756C}"/>
+              </a:ext>
+            </a:extLst>
+          </p:cNvPr>
+          <p:cNvPicPr>
+            <a:picLocks noGrp="1" noChangeAspect="1"/>
+          </p:cNvPicPr>
+          <p:nvPr>
+            <p:ph idx="1"/>
+          </p:nvPr>
+        </p:nvPicPr>
+        <p:blipFill>
+          <a:blip r:embed="rId2">
+            <a:extLst>
+              <a:ext uri="{28A0092B-C50C-407E-A947-70E740481C1C}">
+                <a14:useLocalDpi xmlns:a14="http://schemas.microsoft.com/office/drawing/2010/main" val="0"/>
+              </a:ext>
+            </a:extLst>
+          </a:blip>
+          <a:stretch>
+            <a:fillRect/>
+          </a:stretch>
+        </p:blipFill>
+        <p:spPr>
+          <a:xfrm>
+            <a:off x="2206929" y="1825625"/>
+            <a:ext cx="7778142" cy="4351338"/>
+          </a:xfrm>
+        </p:spPr>
+      </p:pic>
+    </p:spTree>
+    <p:extLst>
+      <p:ext uri="{BB962C8B-B14F-4D97-AF65-F5344CB8AC3E}">
+        <p14:creationId xmlns:p14="http://schemas.microsoft.com/office/powerpoint/2010/main" val="759273895"/>
+      </p:ext>
+    </p:extLst>
+  </p:cSld>
+  <p:clrMapOvr>
+    <a:masterClrMapping/>
+  </p:clrMapOvr>
+</p:sld>
+</file>
+
+<file path=ppt/slides/slide6.xml><?xml version="1.0" encoding="utf-8"?>
+<p:sld xmlns:a="http://schemas.openxmlformats.org/drawingml/2006/main" xmlns:r="http://schemas.openxmlformats.org/officeDocument/2006/relationships" xmlns:p="http://schemas.openxmlformats.org/presentationml/2006/main">
+  <p:cSld>
+    <p:spTree>
+      <p:nvGrpSpPr>
+        <p:cNvPr id="1" name=""/>
+        <p:cNvGrpSpPr/>
+        <p:nvPr/>
+      </p:nvGrpSpPr>
+      <p:grpSpPr>
+        <a:xfrm>
+          <a:off x="0" y="0"/>
+          <a:ext cx="0" cy="0"/>
+          <a:chOff x="0" y="0"/>
+          <a:chExt cx="0" cy="0"/>
+        </a:xfrm>
+      </p:grpSpPr>
+      <p:sp>
+        <p:nvSpPr>
+          <p:cNvPr id="2" name="Title 1">
+            <a:extLst>
+              <a:ext uri="{FF2B5EF4-FFF2-40B4-BE49-F238E27FC236}">
                 <a16:creationId xmlns:a16="http://schemas.microsoft.com/office/drawing/2014/main" id="{E9231215-1E6A-4EC1-96AE-9AE703C0522D}"/>
               </a:ext>
             </a:extLst>
@@ -4009,10 +4221,23 @@
             <p:ph idx="1"/>
           </p:nvPr>
         </p:nvSpPr>
-        <p:spPr/>
-        <p:txBody>
-          <a:bodyPr/>
-          <a:lstStyle/>
+        <p:spPr>
+          <a:xfrm>
+            <a:off x="838200" y="1481242"/>
+            <a:ext cx="10515600" cy="4812680"/>
+          </a:xfrm>
+        </p:spPr>
+        <p:txBody>
+          <a:bodyPr>
+            <a:normAutofit/>
+          </a:bodyPr>
+          <a:lstStyle/>
+          <a:p>
+            <a:r>
+              <a:rPr lang="en-US" dirty="0"/>
+              <a:t>One person controls the keyboard, this is the typist. The rest of the mob discusses the problem, agrees on the solution, and instructs the typist. The typist follows their instructions, puts them into code, and may ask clarifying questions to understand the solution. The rest of the mob guides the typist as needed. We value the typist as they allow the rest of the mob to focus on solving the problem. The typist must not code on their own. This balances the participation of all team members and it reduces the dominance of strong characters.</a:t>
+            </a:r>
+          </a:p>
           <a:p>
             <a:r>
               <a:rPr lang="en-US" dirty="0"/>
@@ -4022,7 +4247,13 @@
           <a:p>
             <a:r>
               <a:rPr lang="en-US" dirty="0"/>
-              <a:t>Role rotation is about 7 minutes.</a:t>
+              <a:t>Role rotation is about 5-7 minutes.</a:t>
+            </a:r>
+          </a:p>
+          <a:p>
+            <a:r>
+              <a:rPr lang="en-US" dirty="0"/>
+              <a:t>Mobbers are treated with kindness, consideration and respect.</a:t>
             </a:r>
           </a:p>
         </p:txBody>
@@ -4040,7 +4271,176 @@
 </p:sld>
 </file>
 
-<file path=ppt/slides/slide6.xml><?xml version="1.0" encoding="utf-8"?>
+<file path=ppt/slides/slide7.xml><?xml version="1.0" encoding="utf-8"?>
+<p:sld xmlns:a="http://schemas.openxmlformats.org/drawingml/2006/main" xmlns:r="http://schemas.openxmlformats.org/officeDocument/2006/relationships" xmlns:p="http://schemas.openxmlformats.org/presentationml/2006/main">
+  <p:cSld>
+    <p:spTree>
+      <p:nvGrpSpPr>
+        <p:cNvPr id="1" name=""/>
+        <p:cNvGrpSpPr/>
+        <p:nvPr/>
+      </p:nvGrpSpPr>
+      <p:grpSpPr>
+        <a:xfrm>
+          <a:off x="0" y="0"/>
+          <a:ext cx="0" cy="0"/>
+          <a:chOff x="0" y="0"/>
+          <a:chExt cx="0" cy="0"/>
+        </a:xfrm>
+      </p:grpSpPr>
+      <p:sp>
+        <p:nvSpPr>
+          <p:cNvPr id="2" name="Title 1">
+            <a:extLst>
+              <a:ext uri="{FF2B5EF4-FFF2-40B4-BE49-F238E27FC236}">
+                <a16:creationId xmlns:a16="http://schemas.microsoft.com/office/drawing/2014/main" id="{87E14640-72D7-48C1-8BA6-A882C32E3629}"/>
+              </a:ext>
+            </a:extLst>
+          </p:cNvPr>
+          <p:cNvSpPr>
+            <a:spLocks noGrp="1"/>
+          </p:cNvSpPr>
+          <p:nvPr>
+            <p:ph type="title"/>
+          </p:nvPr>
+        </p:nvSpPr>
+        <p:spPr/>
+        <p:txBody>
+          <a:bodyPr/>
+          <a:lstStyle/>
+          <a:p>
+            <a:r>
+              <a:rPr lang="en-US" dirty="0"/>
+              <a:t>Test Driven Development Environment</a:t>
+            </a:r>
+          </a:p>
+        </p:txBody>
+      </p:sp>
+      <p:sp>
+        <p:nvSpPr>
+          <p:cNvPr id="3" name="Content Placeholder 2">
+            <a:extLst>
+              <a:ext uri="{FF2B5EF4-FFF2-40B4-BE49-F238E27FC236}">
+                <a16:creationId xmlns:a16="http://schemas.microsoft.com/office/drawing/2014/main" id="{14E3F02E-2083-41D0-B86C-D58A01F9BC92}"/>
+              </a:ext>
+            </a:extLst>
+          </p:cNvPr>
+          <p:cNvSpPr>
+            <a:spLocks noGrp="1"/>
+          </p:cNvSpPr>
+          <p:nvPr>
+            <p:ph idx="1"/>
+          </p:nvPr>
+        </p:nvSpPr>
+        <p:spPr/>
+        <p:txBody>
+          <a:bodyPr/>
+          <a:lstStyle/>
+          <a:p>
+            <a:r>
+              <a:rPr lang="en-US" dirty="0"/>
+              <a:t>Red, green refactor.</a:t>
+            </a:r>
+          </a:p>
+        </p:txBody>
+      </p:sp>
+    </p:spTree>
+    <p:extLst>
+      <p:ext uri="{BB962C8B-B14F-4D97-AF65-F5344CB8AC3E}">
+        <p14:creationId xmlns:p14="http://schemas.microsoft.com/office/powerpoint/2010/main" val="3966158996"/>
+      </p:ext>
+    </p:extLst>
+  </p:cSld>
+  <p:clrMapOvr>
+    <a:masterClrMapping/>
+  </p:clrMapOvr>
+</p:sld>
+</file>
+
+<file path=ppt/slides/slide8.xml><?xml version="1.0" encoding="utf-8"?>
+<p:sld xmlns:a="http://schemas.openxmlformats.org/drawingml/2006/main" xmlns:r="http://schemas.openxmlformats.org/officeDocument/2006/relationships" xmlns:p="http://schemas.openxmlformats.org/presentationml/2006/main">
+  <p:cSld>
+    <p:spTree>
+      <p:nvGrpSpPr>
+        <p:cNvPr id="1" name=""/>
+        <p:cNvGrpSpPr/>
+        <p:nvPr/>
+      </p:nvGrpSpPr>
+      <p:grpSpPr>
+        <a:xfrm>
+          <a:off x="0" y="0"/>
+          <a:ext cx="0" cy="0"/>
+          <a:chOff x="0" y="0"/>
+          <a:chExt cx="0" cy="0"/>
+        </a:xfrm>
+      </p:grpSpPr>
+      <p:sp>
+        <p:nvSpPr>
+          <p:cNvPr id="2" name="Title 1">
+            <a:extLst>
+              <a:ext uri="{FF2B5EF4-FFF2-40B4-BE49-F238E27FC236}">
+                <a16:creationId xmlns:a16="http://schemas.microsoft.com/office/drawing/2014/main" id="{00FB4352-F206-4311-809D-ECACBF8231B4}"/>
+              </a:ext>
+            </a:extLst>
+          </p:cNvPr>
+          <p:cNvSpPr>
+            <a:spLocks noGrp="1"/>
+          </p:cNvSpPr>
+          <p:nvPr>
+            <p:ph type="title"/>
+          </p:nvPr>
+        </p:nvSpPr>
+        <p:spPr/>
+        <p:txBody>
+          <a:bodyPr/>
+          <a:lstStyle/>
+          <a:p>
+            <a:r>
+              <a:rPr lang="en-US" dirty="0"/>
+              <a:t>Problem Prospects</a:t>
+            </a:r>
+          </a:p>
+        </p:txBody>
+      </p:sp>
+      <p:sp>
+        <p:nvSpPr>
+          <p:cNvPr id="3" name="Content Placeholder 2">
+            <a:extLst>
+              <a:ext uri="{FF2B5EF4-FFF2-40B4-BE49-F238E27FC236}">
+                <a16:creationId xmlns:a16="http://schemas.microsoft.com/office/drawing/2014/main" id="{7BB45C19-3A87-4414-B693-500F80A36DE6}"/>
+              </a:ext>
+            </a:extLst>
+          </p:cNvPr>
+          <p:cNvSpPr>
+            <a:spLocks noGrp="1"/>
+          </p:cNvSpPr>
+          <p:nvPr>
+            <p:ph idx="1"/>
+          </p:nvPr>
+        </p:nvSpPr>
+        <p:spPr/>
+        <p:txBody>
+          <a:bodyPr/>
+          <a:lstStyle/>
+          <a:p>
+            <a:endParaRPr lang="en-US"/>
+          </a:p>
+        </p:txBody>
+      </p:sp>
+    </p:spTree>
+    <p:extLst>
+      <p:ext uri="{BB962C8B-B14F-4D97-AF65-F5344CB8AC3E}">
+        <p14:creationId xmlns:p14="http://schemas.microsoft.com/office/powerpoint/2010/main" val="3228125785"/>
+      </p:ext>
+    </p:extLst>
+  </p:cSld>
+  <p:clrMapOvr>
+    <a:masterClrMapping/>
+  </p:clrMapOvr>
+</p:sld>
+</file>
+
+<file path=ppt/slides/slide9.xml><?xml version="1.0" encoding="utf-8"?>
 <p:sld xmlns:a="http://schemas.openxmlformats.org/drawingml/2006/main" xmlns:r="http://schemas.openxmlformats.org/officeDocument/2006/relationships" xmlns:p="http://schemas.openxmlformats.org/presentationml/2006/main">
   <p:cSld>
     <p:spTree>

--- a/mob.pptx
+++ b/mob.pptx
@@ -11,10 +11,12 @@
     <p:sldId id="261" r:id="rId5"/>
     <p:sldId id="258" r:id="rId6"/>
     <p:sldId id="260" r:id="rId7"/>
-    <p:sldId id="265" r:id="rId8"/>
-    <p:sldId id="264" r:id="rId9"/>
-    <p:sldId id="259" r:id="rId10"/>
-    <p:sldId id="262" r:id="rId11"/>
+    <p:sldId id="266" r:id="rId8"/>
+    <p:sldId id="265" r:id="rId9"/>
+    <p:sldId id="267" r:id="rId10"/>
+    <p:sldId id="264" r:id="rId11"/>
+    <p:sldId id="259" r:id="rId12"/>
+    <p:sldId id="262" r:id="rId13"/>
   </p:sldIdLst>
   <p:sldSz cx="12192000" cy="6858000"/>
   <p:notesSz cx="6858000" cy="9144000"/>
@@ -3423,6 +3425,287 @@
       </p:grpSpPr>
       <p:sp>
         <p:nvSpPr>
+          <p:cNvPr id="2" name="Title 1">
+            <a:extLst>
+              <a:ext uri="{FF2B5EF4-FFF2-40B4-BE49-F238E27FC236}">
+                <a16:creationId xmlns:a16="http://schemas.microsoft.com/office/drawing/2014/main" id="{00FB4352-F206-4311-809D-ECACBF8231B4}"/>
+              </a:ext>
+            </a:extLst>
+          </p:cNvPr>
+          <p:cNvSpPr>
+            <a:spLocks noGrp="1"/>
+          </p:cNvSpPr>
+          <p:nvPr>
+            <p:ph type="title"/>
+          </p:nvPr>
+        </p:nvSpPr>
+        <p:spPr/>
+        <p:txBody>
+          <a:bodyPr/>
+          <a:lstStyle/>
+          <a:p>
+            <a:r>
+              <a:rPr lang="en-US" dirty="0"/>
+              <a:t>Problem Prospects – Take a Vote?</a:t>
+            </a:r>
+          </a:p>
+        </p:txBody>
+      </p:sp>
+      <p:sp>
+        <p:nvSpPr>
+          <p:cNvPr id="3" name="Content Placeholder 2">
+            <a:extLst>
+              <a:ext uri="{FF2B5EF4-FFF2-40B4-BE49-F238E27FC236}">
+                <a16:creationId xmlns:a16="http://schemas.microsoft.com/office/drawing/2014/main" id="{7BB45C19-3A87-4414-B693-500F80A36DE6}"/>
+              </a:ext>
+            </a:extLst>
+          </p:cNvPr>
+          <p:cNvSpPr>
+            <a:spLocks noGrp="1"/>
+          </p:cNvSpPr>
+          <p:nvPr>
+            <p:ph idx="1"/>
+          </p:nvPr>
+        </p:nvSpPr>
+        <p:spPr/>
+        <p:txBody>
+          <a:bodyPr/>
+          <a:lstStyle/>
+          <a:p>
+            <a:r>
+              <a:rPr lang="en-US" dirty="0"/>
+              <a:t>Roman Numeral Translator: C</a:t>
+            </a:r>
+            <a:r>
+              <a:rPr lang="en-US" b="0" i="0" dirty="0">
+                <a:solidFill>
+                  <a:srgbClr val="000000"/>
+                </a:solidFill>
+                <a:effectLst/>
+                <a:latin typeface="arial" panose="020B0604020202020204" pitchFamily="34" charset="0"/>
+              </a:rPr>
+              <a:t>onvert Roman numerals into Arabic numbers or vice versa.</a:t>
+            </a:r>
+            <a:endParaRPr lang="en-US" dirty="0"/>
+          </a:p>
+          <a:p>
+            <a:r>
+              <a:rPr lang="en-US" dirty="0"/>
+              <a:t>Bowling Score Calculator</a:t>
+            </a:r>
+          </a:p>
+        </p:txBody>
+      </p:sp>
+    </p:spTree>
+    <p:extLst>
+      <p:ext uri="{BB962C8B-B14F-4D97-AF65-F5344CB8AC3E}">
+        <p14:creationId xmlns:p14="http://schemas.microsoft.com/office/powerpoint/2010/main" val="3228125785"/>
+      </p:ext>
+    </p:extLst>
+  </p:cSld>
+  <p:clrMapOvr>
+    <a:masterClrMapping/>
+  </p:clrMapOvr>
+</p:sld>
+</file>
+
+<file path=ppt/slides/slide11.xml><?xml version="1.0" encoding="utf-8"?>
+<p:sld xmlns:a="http://schemas.openxmlformats.org/drawingml/2006/main" xmlns:r="http://schemas.openxmlformats.org/officeDocument/2006/relationships" xmlns:p="http://schemas.openxmlformats.org/presentationml/2006/main">
+  <p:cSld>
+    <p:spTree>
+      <p:nvGrpSpPr>
+        <p:cNvPr id="1" name=""/>
+        <p:cNvGrpSpPr/>
+        <p:nvPr/>
+      </p:nvGrpSpPr>
+      <p:grpSpPr>
+        <a:xfrm>
+          <a:off x="0" y="0"/>
+          <a:ext cx="0" cy="0"/>
+          <a:chOff x="0" y="0"/>
+          <a:chExt cx="0" cy="0"/>
+        </a:xfrm>
+      </p:grpSpPr>
+      <p:sp>
+        <p:nvSpPr>
+          <p:cNvPr id="2" name="Title 1">
+            <a:extLst>
+              <a:ext uri="{FF2B5EF4-FFF2-40B4-BE49-F238E27FC236}">
+                <a16:creationId xmlns:a16="http://schemas.microsoft.com/office/drawing/2014/main" id="{ED6608E9-FC05-44D8-8222-3537215663C0}"/>
+              </a:ext>
+            </a:extLst>
+          </p:cNvPr>
+          <p:cNvSpPr>
+            <a:spLocks noGrp="1"/>
+          </p:cNvSpPr>
+          <p:nvPr>
+            <p:ph type="title"/>
+          </p:nvPr>
+        </p:nvSpPr>
+        <p:spPr/>
+        <p:txBody>
+          <a:bodyPr/>
+          <a:lstStyle/>
+          <a:p>
+            <a:r>
+              <a:rPr lang="en-US" dirty="0"/>
+              <a:t>Resources</a:t>
+            </a:r>
+          </a:p>
+        </p:txBody>
+      </p:sp>
+      <p:sp>
+        <p:nvSpPr>
+          <p:cNvPr id="3" name="Content Placeholder 2">
+            <a:extLst>
+              <a:ext uri="{FF2B5EF4-FFF2-40B4-BE49-F238E27FC236}">
+                <a16:creationId xmlns:a16="http://schemas.microsoft.com/office/drawing/2014/main" id="{787FD2B9-0C50-480A-A2FC-0DF994952C64}"/>
+              </a:ext>
+            </a:extLst>
+          </p:cNvPr>
+          <p:cNvSpPr>
+            <a:spLocks noGrp="1"/>
+          </p:cNvSpPr>
+          <p:nvPr>
+            <p:ph idx="1"/>
+          </p:nvPr>
+        </p:nvSpPr>
+        <p:spPr>
+          <a:xfrm>
+            <a:off x="838200" y="1463040"/>
+            <a:ext cx="10515600" cy="5190977"/>
+          </a:xfrm>
+        </p:spPr>
+        <p:txBody>
+          <a:bodyPr/>
+          <a:lstStyle/>
+          <a:p>
+            <a:pPr marL="0" indent="0">
+              <a:buNone/>
+            </a:pPr>
+            <a:r>
+              <a:rPr lang="en-US" dirty="0"/>
+              <a:t>Books</a:t>
+            </a:r>
+          </a:p>
+          <a:p>
+            <a:r>
+              <a:rPr lang="en-US" dirty="0">
+                <a:hlinkClick r:id="rId2"/>
+              </a:rPr>
+              <a:t>Remote Mob Programming: At home, but not alone. Kindle Edition</a:t>
+            </a:r>
+            <a:endParaRPr lang="en-US" dirty="0"/>
+          </a:p>
+          <a:p>
+            <a:r>
+              <a:rPr lang="en-US" dirty="0">
+                <a:hlinkClick r:id="rId3"/>
+              </a:rPr>
+              <a:t>Code with the Wisdom of the Crowd by Mark Pearl</a:t>
+            </a:r>
+            <a:endParaRPr lang="en-US" dirty="0"/>
+          </a:p>
+          <a:p>
+            <a:endParaRPr lang="en-US" dirty="0"/>
+          </a:p>
+          <a:p>
+            <a:pPr marL="0" indent="0">
+              <a:buNone/>
+            </a:pPr>
+            <a:r>
+              <a:rPr lang="en-US" dirty="0"/>
+              <a:t>Videos</a:t>
+            </a:r>
+          </a:p>
+          <a:p>
+            <a:r>
+              <a:rPr lang="en-US" dirty="0">
+                <a:hlinkClick r:id="rId4"/>
+              </a:rPr>
+              <a:t>Mob Programming: A Whole Team Approach by Woody Zuill</a:t>
+            </a:r>
+            <a:endParaRPr lang="en-US" dirty="0"/>
+          </a:p>
+          <a:p>
+            <a:r>
+              <a:rPr lang="en-US" dirty="0">
+                <a:hlinkClick r:id="rId5"/>
+              </a:rPr>
+              <a:t>Taming the Mob: An Intro to Mob Programming by New Relic</a:t>
+            </a:r>
+            <a:endParaRPr lang="en-US" dirty="0"/>
+          </a:p>
+          <a:p>
+            <a:pPr marL="0" indent="0">
+              <a:buNone/>
+            </a:pPr>
+            <a:endParaRPr lang="en-US" dirty="0"/>
+          </a:p>
+          <a:p>
+            <a:pPr marL="0" indent="0">
+              <a:buNone/>
+            </a:pPr>
+            <a:r>
+              <a:rPr lang="en-US" dirty="0"/>
+              <a:t>Podcasts</a:t>
+            </a:r>
+          </a:p>
+          <a:p>
+            <a:r>
+              <a:rPr lang="en-US" dirty="0">
+                <a:hlinkClick r:id="rId6"/>
+              </a:rPr>
+              <a:t>Woody Zuill on the </a:t>
+            </a:r>
+            <a:r>
+              <a:rPr lang="en-US" dirty="0" err="1">
+                <a:hlinkClick r:id="rId6"/>
+              </a:rPr>
+              <a:t>Hanselminutes</a:t>
+            </a:r>
+            <a:r>
+              <a:rPr lang="en-US" dirty="0">
+                <a:hlinkClick r:id="rId6"/>
+              </a:rPr>
+              <a:t> Podcast</a:t>
+            </a:r>
+            <a:endParaRPr lang="en-US" dirty="0"/>
+          </a:p>
+        </p:txBody>
+      </p:sp>
+    </p:spTree>
+    <p:extLst>
+      <p:ext uri="{BB962C8B-B14F-4D97-AF65-F5344CB8AC3E}">
+        <p14:creationId xmlns:p14="http://schemas.microsoft.com/office/powerpoint/2010/main" val="3450262954"/>
+      </p:ext>
+    </p:extLst>
+  </p:cSld>
+  <p:clrMapOvr>
+    <a:masterClrMapping/>
+  </p:clrMapOvr>
+</p:sld>
+</file>
+
+<file path=ppt/slides/slide12.xml><?xml version="1.0" encoding="utf-8"?>
+<p:sld xmlns:a="http://schemas.openxmlformats.org/drawingml/2006/main" xmlns:r="http://schemas.openxmlformats.org/officeDocument/2006/relationships" xmlns:p="http://schemas.openxmlformats.org/presentationml/2006/main">
+  <p:cSld>
+    <p:spTree>
+      <p:nvGrpSpPr>
+        <p:cNvPr id="1" name=""/>
+        <p:cNvGrpSpPr/>
+        <p:nvPr/>
+      </p:nvGrpSpPr>
+      <p:grpSpPr>
+        <a:xfrm>
+          <a:off x="0" y="0"/>
+          <a:ext cx="0" cy="0"/>
+          <a:chOff x="0" y="0"/>
+          <a:chExt cx="0" cy="0"/>
+        </a:xfrm>
+      </p:grpSpPr>
+      <p:sp>
+        <p:nvSpPr>
           <p:cNvPr id="3" name="Content Placeholder 2">
             <a:extLst>
               <a:ext uri="{FF2B5EF4-FFF2-40B4-BE49-F238E27FC236}">
@@ -3493,6 +3776,24 @@
               <a:rPr lang="en-US" dirty="0"/>
               <a:t>.</a:t>
             </a:r>
+          </a:p>
+          <a:p>
+            <a:r>
+              <a:rPr lang="en-US" dirty="0">
+                <a:hlinkClick r:id="rId6"/>
+              </a:rPr>
+              <a:t>Roman Numeral Calculator</a:t>
+            </a:r>
+            <a:endParaRPr lang="en-US" dirty="0"/>
+          </a:p>
+          <a:p>
+            <a:r>
+              <a:rPr lang="en-US" dirty="0">
+                <a:hlinkClick r:id="rId7"/>
+              </a:rPr>
+              <a:t>Bowling Score Calculator</a:t>
+            </a:r>
+            <a:endParaRPr lang="en-US" dirty="0"/>
           </a:p>
         </p:txBody>
       </p:sp>
@@ -3676,7 +3977,7 @@
           <a:p>
             <a:r>
               <a:rPr lang="en-US" dirty="0"/>
-              <a:t>I have very little actual mob programming experience. I wish I had more. The limited experience I do have is from a Software Craftsmanship Meetup Group the I used to attend.</a:t>
+              <a:t>No expert am I. I have very little actual mob programming experience. I wish I had more because I like the idea of it. The limited experience I do have is from a Software Craftsmanship Meetup Group the I used to attend a while back.</a:t>
             </a:r>
           </a:p>
           <a:p>
@@ -3760,8 +4061,8 @@
         </p:nvSpPr>
         <p:spPr>
           <a:xfrm>
-            <a:off x="838200" y="1481244"/>
-            <a:ext cx="10515600" cy="2116979"/>
+            <a:off x="838200" y="1528744"/>
+            <a:ext cx="10515600" cy="2295109"/>
           </a:xfrm>
         </p:spPr>
         <p:txBody>
@@ -4310,9 +4611,10 @@
           <a:lstStyle/>
           <a:p>
             <a:r>
-              <a:rPr lang="en-US" dirty="0"/>
+              <a:rPr lang="en-US"/>
               <a:t>Test Driven Development Environment</a:t>
             </a:r>
+            <a:endParaRPr lang="en-US" dirty="0"/>
           </a:p>
         </p:txBody>
       </p:sp>
@@ -4337,17 +4639,14 @@
           <a:bodyPr/>
           <a:lstStyle/>
           <a:p>
-            <a:r>
-              <a:rPr lang="en-US" dirty="0"/>
-              <a:t>Red, green refactor.</a:t>
-            </a:r>
+            <a:endParaRPr lang="en-US" dirty="0"/>
           </a:p>
         </p:txBody>
       </p:sp>
     </p:spTree>
     <p:extLst>
       <p:ext uri="{BB962C8B-B14F-4D97-AF65-F5344CB8AC3E}">
-        <p14:creationId xmlns:p14="http://schemas.microsoft.com/office/powerpoint/2010/main" val="3966158996"/>
+        <p14:creationId xmlns:p14="http://schemas.microsoft.com/office/powerpoint/2010/main" val="1243495881"/>
       </p:ext>
     </p:extLst>
   </p:cSld>
@@ -4379,7 +4678,7 @@
           <p:cNvPr id="2" name="Title 1">
             <a:extLst>
               <a:ext uri="{FF2B5EF4-FFF2-40B4-BE49-F238E27FC236}">
-                <a16:creationId xmlns:a16="http://schemas.microsoft.com/office/drawing/2014/main" id="{00FB4352-F206-4311-809D-ECACBF8231B4}"/>
+                <a16:creationId xmlns:a16="http://schemas.microsoft.com/office/drawing/2014/main" id="{87E14640-72D7-48C1-8BA6-A882C32E3629}"/>
               </a:ext>
             </a:extLst>
           </p:cNvPr>
@@ -4395,9 +4694,12 @@
           <a:bodyPr/>
           <a:lstStyle/>
           <a:p>
+            <a:pPr marL="0" indent="0">
+              <a:buNone/>
+            </a:pPr>
             <a:r>
               <a:rPr lang="en-US" dirty="0"/>
-              <a:t>Problem Prospects</a:t>
+              <a:t>Red, Green, Refactor</a:t>
             </a:r>
           </a:p>
         </p:txBody>
@@ -4407,7 +4709,7 @@
           <p:cNvPr id="3" name="Content Placeholder 2">
             <a:extLst>
               <a:ext uri="{FF2B5EF4-FFF2-40B4-BE49-F238E27FC236}">
-                <a16:creationId xmlns:a16="http://schemas.microsoft.com/office/drawing/2014/main" id="{7BB45C19-3A87-4414-B693-500F80A36DE6}"/>
+                <a16:creationId xmlns:a16="http://schemas.microsoft.com/office/drawing/2014/main" id="{14E3F02E-2083-41D0-B86C-D58A01F9BC92}"/>
               </a:ext>
             </a:extLst>
           </p:cNvPr>
@@ -4418,19 +4720,145 @@
             <p:ph idx="1"/>
           </p:nvPr>
         </p:nvSpPr>
-        <p:spPr/>
-        <p:txBody>
-          <a:bodyPr/>
-          <a:lstStyle/>
-          <a:p>
-            <a:endParaRPr lang="en-US"/>
+        <p:spPr>
+          <a:xfrm>
+            <a:off x="838200" y="1825625"/>
+            <a:ext cx="10515600" cy="2568245"/>
+          </a:xfrm>
+        </p:spPr>
+        <p:txBody>
+          <a:bodyPr/>
+          <a:lstStyle/>
+          <a:p>
+            <a:pPr algn="l"/>
+            <a:r>
+              <a:rPr lang="en-US" b="0" i="0" dirty="0">
+                <a:solidFill>
+                  <a:srgbClr val="484848"/>
+                </a:solidFill>
+                <a:effectLst/>
+                <a:latin typeface="Apercu"/>
+              </a:rPr>
+              <a:t>The red, green, refactor approach helps developers compartmentalize their focus into three phases:</a:t>
+            </a:r>
+          </a:p>
+          <a:p>
+            <a:pPr algn="l">
+              <a:buFont typeface="Arial" panose="020B0604020202020204" pitchFamily="34" charset="0"/>
+              <a:buChar char="•"/>
+            </a:pPr>
+            <a:r>
+              <a:rPr lang="en-US" b="0" i="0" dirty="0">
+                <a:solidFill>
+                  <a:srgbClr val="484848"/>
+                </a:solidFill>
+                <a:effectLst/>
+                <a:latin typeface="Apercu"/>
+              </a:rPr>
+              <a:t>Red — think about </a:t>
+            </a:r>
+            <a:r>
+              <a:rPr lang="en-US" b="0" i="1" dirty="0">
+                <a:solidFill>
+                  <a:srgbClr val="484848"/>
+                </a:solidFill>
+                <a:effectLst/>
+                <a:latin typeface="Apercu"/>
+              </a:rPr>
+              <a:t>what</a:t>
+            </a:r>
+            <a:r>
+              <a:rPr lang="en-US" b="0" i="0" dirty="0">
+                <a:solidFill>
+                  <a:srgbClr val="484848"/>
+                </a:solidFill>
+                <a:effectLst/>
+                <a:latin typeface="Apercu"/>
+              </a:rPr>
+              <a:t> you want to develop</a:t>
+            </a:r>
+          </a:p>
+          <a:p>
+            <a:pPr algn="l">
+              <a:buFont typeface="Arial" panose="020B0604020202020204" pitchFamily="34" charset="0"/>
+              <a:buChar char="•"/>
+            </a:pPr>
+            <a:r>
+              <a:rPr lang="en-US" b="0" i="0" dirty="0">
+                <a:solidFill>
+                  <a:srgbClr val="484848"/>
+                </a:solidFill>
+                <a:effectLst/>
+                <a:latin typeface="Apercu"/>
+              </a:rPr>
+              <a:t>Green — think about </a:t>
+            </a:r>
+            <a:r>
+              <a:rPr lang="en-US" b="0" i="1" dirty="0">
+                <a:solidFill>
+                  <a:srgbClr val="484848"/>
+                </a:solidFill>
+                <a:effectLst/>
+                <a:latin typeface="Apercu"/>
+              </a:rPr>
+              <a:t>how</a:t>
+            </a:r>
+            <a:r>
+              <a:rPr lang="en-US" b="0" i="0" dirty="0">
+                <a:solidFill>
+                  <a:srgbClr val="484848"/>
+                </a:solidFill>
+                <a:effectLst/>
+                <a:latin typeface="Apercu"/>
+              </a:rPr>
+              <a:t> to make your tests pass</a:t>
+            </a:r>
+          </a:p>
+          <a:p>
+            <a:pPr algn="l">
+              <a:buFont typeface="Arial" panose="020B0604020202020204" pitchFamily="34" charset="0"/>
+              <a:buChar char="•"/>
+            </a:pPr>
+            <a:r>
+              <a:rPr lang="en-US" b="0" i="0" dirty="0">
+                <a:solidFill>
+                  <a:srgbClr val="484848"/>
+                </a:solidFill>
+                <a:effectLst/>
+                <a:latin typeface="Apercu"/>
+              </a:rPr>
+              <a:t>Refactor — think about </a:t>
+            </a:r>
+            <a:r>
+              <a:rPr lang="en-US" b="0" i="1" dirty="0">
+                <a:solidFill>
+                  <a:srgbClr val="484848"/>
+                </a:solidFill>
+                <a:effectLst/>
+                <a:latin typeface="Apercu"/>
+              </a:rPr>
+              <a:t>how</a:t>
+            </a:r>
+            <a:r>
+              <a:rPr lang="en-US" b="0" i="0" dirty="0">
+                <a:solidFill>
+                  <a:srgbClr val="484848"/>
+                </a:solidFill>
+                <a:effectLst/>
+                <a:latin typeface="Apercu"/>
+              </a:rPr>
+              <a:t> to improve your existing implementation</a:t>
+            </a:r>
+          </a:p>
+          <a:p>
+            <a:endParaRPr lang="en-US" dirty="0"/>
           </a:p>
         </p:txBody>
       </p:sp>
     </p:spTree>
     <p:extLst>
       <p:ext uri="{BB962C8B-B14F-4D97-AF65-F5344CB8AC3E}">
-        <p14:creationId xmlns:p14="http://schemas.microsoft.com/office/powerpoint/2010/main" val="3228125785"/>
+        <p14:creationId xmlns:p14="http://schemas.microsoft.com/office/powerpoint/2010/main" val="3966158996"/>
       </p:ext>
     </p:extLst>
   </p:cSld>
@@ -4457,158 +4885,59 @@
           <a:chExt cx="0" cy="0"/>
         </a:xfrm>
       </p:grpSpPr>
-      <p:sp>
-        <p:nvSpPr>
-          <p:cNvPr id="2" name="Title 1">
-            <a:extLst>
-              <a:ext uri="{FF2B5EF4-FFF2-40B4-BE49-F238E27FC236}">
-                <a16:creationId xmlns:a16="http://schemas.microsoft.com/office/drawing/2014/main" id="{ED6608E9-FC05-44D8-8222-3537215663C0}"/>
-              </a:ext>
-            </a:extLst>
-          </p:cNvPr>
-          <p:cNvSpPr>
-            <a:spLocks noGrp="1"/>
-          </p:cNvSpPr>
-          <p:nvPr>
-            <p:ph type="title"/>
-          </p:nvPr>
-        </p:nvSpPr>
-        <p:spPr/>
-        <p:txBody>
-          <a:bodyPr/>
-          <a:lstStyle/>
-          <a:p>
-            <a:r>
-              <a:rPr lang="en-US" dirty="0"/>
-              <a:t>Resources</a:t>
-            </a:r>
-          </a:p>
-        </p:txBody>
-      </p:sp>
-      <p:sp>
-        <p:nvSpPr>
-          <p:cNvPr id="3" name="Content Placeholder 2">
-            <a:extLst>
-              <a:ext uri="{FF2B5EF4-FFF2-40B4-BE49-F238E27FC236}">
-                <a16:creationId xmlns:a16="http://schemas.microsoft.com/office/drawing/2014/main" id="{787FD2B9-0C50-480A-A2FC-0DF994952C64}"/>
-              </a:ext>
-            </a:extLst>
-          </p:cNvPr>
-          <p:cNvSpPr>
-            <a:spLocks noGrp="1"/>
-          </p:cNvSpPr>
+      <p:pic>
+        <p:nvPicPr>
+          <p:cNvPr id="2050" name="Picture 2">
+            <a:extLst>
+              <a:ext uri="{FF2B5EF4-FFF2-40B4-BE49-F238E27FC236}">
+                <a16:creationId xmlns:a16="http://schemas.microsoft.com/office/drawing/2014/main" id="{BF74D8F1-ED4C-4C26-9282-4F83D42E029F}"/>
+              </a:ext>
+            </a:extLst>
+          </p:cNvPr>
+          <p:cNvPicPr>
+            <a:picLocks noGrp="1" noChangeAspect="1" noChangeArrowheads="1"/>
+          </p:cNvPicPr>
           <p:nvPr>
             <p:ph idx="1"/>
           </p:nvPr>
-        </p:nvSpPr>
-        <p:spPr>
+        </p:nvPicPr>
+        <p:blipFill>
+          <a:blip r:embed="rId2">
+            <a:extLst>
+              <a:ext uri="{28A0092B-C50C-407E-A947-70E740481C1C}">
+                <a14:useLocalDpi xmlns:a14="http://schemas.microsoft.com/office/drawing/2010/main" val="0"/>
+              </a:ext>
+            </a:extLst>
+          </a:blip>
+          <a:srcRect/>
+          <a:stretch>
+            <a:fillRect/>
+          </a:stretch>
+        </p:blipFill>
+        <p:spPr bwMode="auto">
           <a:xfrm>
-            <a:off x="838200" y="1463040"/>
-            <a:ext cx="10515600" cy="5190977"/>
+            <a:off x="1711026" y="0"/>
+            <a:ext cx="8871613" cy="6876597"/>
           </a:xfrm>
+          <a:prstGeom prst="rect">
+            <a:avLst/>
+          </a:prstGeom>
+          <a:noFill/>
+          <a:extLst>
+            <a:ext uri="{909E8E84-426E-40DD-AFC4-6F175D3DCCD1}">
+              <a14:hiddenFill xmlns:a14="http://schemas.microsoft.com/office/drawing/2010/main">
+                <a:solidFill>
+                  <a:srgbClr val="FFFFFF"/>
+                </a:solidFill>
+              </a14:hiddenFill>
+            </a:ext>
+          </a:extLst>
         </p:spPr>
-        <p:txBody>
-          <a:bodyPr/>
-          <a:lstStyle/>
-          <a:p>
-            <a:pPr marL="0" indent="0">
-              <a:buNone/>
-            </a:pPr>
-            <a:r>
-              <a:rPr lang="en-US" dirty="0"/>
-              <a:t>Books</a:t>
-            </a:r>
-          </a:p>
-          <a:p>
-            <a:r>
-              <a:rPr lang="en-US" dirty="0">
-                <a:hlinkClick r:id="rId2"/>
-              </a:rPr>
-              <a:t>Remote Mob Programming: At home, but not alone. Kindle Edition</a:t>
-            </a:r>
-            <a:endParaRPr lang="en-US" dirty="0"/>
-          </a:p>
-          <a:p>
-            <a:r>
-              <a:rPr lang="en-US" dirty="0">
-                <a:hlinkClick r:id="rId3"/>
-              </a:rPr>
-              <a:t>Code with the Wisdom of the Crowd by Mark Pearl</a:t>
-            </a:r>
-            <a:endParaRPr lang="en-US" dirty="0"/>
-          </a:p>
-          <a:p>
-            <a:endParaRPr lang="en-US" dirty="0"/>
-          </a:p>
-          <a:p>
-            <a:pPr marL="0" indent="0">
-              <a:buNone/>
-            </a:pPr>
-            <a:r>
-              <a:rPr lang="en-US" dirty="0"/>
-              <a:t>Videos</a:t>
-            </a:r>
-          </a:p>
-          <a:p>
-            <a:r>
-              <a:rPr lang="en-US" dirty="0">
-                <a:hlinkClick r:id="rId4"/>
-              </a:rPr>
-              <a:t>Mob Programming: A Whole Team Approach by Woody Zuill</a:t>
-            </a:r>
-            <a:endParaRPr lang="en-US" dirty="0"/>
-          </a:p>
-          <a:p>
-            <a:r>
-              <a:rPr lang="en-US" dirty="0">
-                <a:hlinkClick r:id="rId5"/>
-              </a:rPr>
-              <a:t>Taming the Mob: An Intro to Mob Programming by New Relic</a:t>
-            </a:r>
-            <a:endParaRPr lang="en-US" dirty="0"/>
-          </a:p>
-          <a:p>
-            <a:pPr marL="0" indent="0">
-              <a:buNone/>
-            </a:pPr>
-            <a:endParaRPr lang="en-US" dirty="0"/>
-          </a:p>
-          <a:p>
-            <a:pPr marL="0" indent="0">
-              <a:buNone/>
-            </a:pPr>
-            <a:r>
-              <a:rPr lang="en-US" dirty="0"/>
-              <a:t>Podcasts</a:t>
-            </a:r>
-          </a:p>
-          <a:p>
-            <a:r>
-              <a:rPr lang="en-US" dirty="0">
-                <a:hlinkClick r:id="rId6"/>
-              </a:rPr>
-              <a:t>Woody Zuill on the </a:t>
-            </a:r>
-            <a:r>
-              <a:rPr lang="en-US" dirty="0" err="1">
-                <a:hlinkClick r:id="rId6"/>
-              </a:rPr>
-              <a:t>Hanselminutes</a:t>
-            </a:r>
-            <a:r>
-              <a:rPr lang="en-US" dirty="0">
-                <a:hlinkClick r:id="rId6"/>
-              </a:rPr>
-              <a:t> Podcast</a:t>
-            </a:r>
-            <a:endParaRPr lang="en-US" dirty="0"/>
-          </a:p>
-        </p:txBody>
-      </p:sp>
+      </p:pic>
     </p:spTree>
     <p:extLst>
       <p:ext uri="{BB962C8B-B14F-4D97-AF65-F5344CB8AC3E}">
-        <p14:creationId xmlns:p14="http://schemas.microsoft.com/office/powerpoint/2010/main" val="3450262954"/>
+        <p14:creationId xmlns:p14="http://schemas.microsoft.com/office/powerpoint/2010/main" val="2568106674"/>
       </p:ext>
     </p:extLst>
   </p:cSld>

--- a/mob.pptx
+++ b/mob.pptx
@@ -270,7 +270,7 @@
           <a:p>
             <a:fld id="{86FCFB96-917D-4A92-B206-4CEFDD05F1CC}" type="datetimeFigureOut">
               <a:rPr lang="en-US" smtClean="0"/>
-              <a:t>11/1/2020</a:t>
+              <a:t>11/11/2020</a:t>
             </a:fld>
             <a:endParaRPr lang="en-US"/>
           </a:p>
@@ -468,7 +468,7 @@
           <a:p>
             <a:fld id="{86FCFB96-917D-4A92-B206-4CEFDD05F1CC}" type="datetimeFigureOut">
               <a:rPr lang="en-US" smtClean="0"/>
-              <a:t>11/1/2020</a:t>
+              <a:t>11/11/2020</a:t>
             </a:fld>
             <a:endParaRPr lang="en-US"/>
           </a:p>
@@ -676,7 +676,7 @@
           <a:p>
             <a:fld id="{86FCFB96-917D-4A92-B206-4CEFDD05F1CC}" type="datetimeFigureOut">
               <a:rPr lang="en-US" smtClean="0"/>
-              <a:t>11/1/2020</a:t>
+              <a:t>11/11/2020</a:t>
             </a:fld>
             <a:endParaRPr lang="en-US"/>
           </a:p>
@@ -874,7 +874,7 @@
           <a:p>
             <a:fld id="{86FCFB96-917D-4A92-B206-4CEFDD05F1CC}" type="datetimeFigureOut">
               <a:rPr lang="en-US" smtClean="0"/>
-              <a:t>11/1/2020</a:t>
+              <a:t>11/11/2020</a:t>
             </a:fld>
             <a:endParaRPr lang="en-US"/>
           </a:p>
@@ -1149,7 +1149,7 @@
           <a:p>
             <a:fld id="{86FCFB96-917D-4A92-B206-4CEFDD05F1CC}" type="datetimeFigureOut">
               <a:rPr lang="en-US" smtClean="0"/>
-              <a:t>11/1/2020</a:t>
+              <a:t>11/11/2020</a:t>
             </a:fld>
             <a:endParaRPr lang="en-US"/>
           </a:p>
@@ -1414,7 +1414,7 @@
           <a:p>
             <a:fld id="{86FCFB96-917D-4A92-B206-4CEFDD05F1CC}" type="datetimeFigureOut">
               <a:rPr lang="en-US" smtClean="0"/>
-              <a:t>11/1/2020</a:t>
+              <a:t>11/11/2020</a:t>
             </a:fld>
             <a:endParaRPr lang="en-US"/>
           </a:p>
@@ -1826,7 +1826,7 @@
           <a:p>
             <a:fld id="{86FCFB96-917D-4A92-B206-4CEFDD05F1CC}" type="datetimeFigureOut">
               <a:rPr lang="en-US" smtClean="0"/>
-              <a:t>11/1/2020</a:t>
+              <a:t>11/11/2020</a:t>
             </a:fld>
             <a:endParaRPr lang="en-US"/>
           </a:p>
@@ -1967,7 +1967,7 @@
           <a:p>
             <a:fld id="{86FCFB96-917D-4A92-B206-4CEFDD05F1CC}" type="datetimeFigureOut">
               <a:rPr lang="en-US" smtClean="0"/>
-              <a:t>11/1/2020</a:t>
+              <a:t>11/11/2020</a:t>
             </a:fld>
             <a:endParaRPr lang="en-US"/>
           </a:p>
@@ -2080,7 +2080,7 @@
           <a:p>
             <a:fld id="{86FCFB96-917D-4A92-B206-4CEFDD05F1CC}" type="datetimeFigureOut">
               <a:rPr lang="en-US" smtClean="0"/>
-              <a:t>11/1/2020</a:t>
+              <a:t>11/11/2020</a:t>
             </a:fld>
             <a:endParaRPr lang="en-US"/>
           </a:p>
@@ -2391,7 +2391,7 @@
           <a:p>
             <a:fld id="{86FCFB96-917D-4A92-B206-4CEFDD05F1CC}" type="datetimeFigureOut">
               <a:rPr lang="en-US" smtClean="0"/>
-              <a:t>11/1/2020</a:t>
+              <a:t>11/11/2020</a:t>
             </a:fld>
             <a:endParaRPr lang="en-US"/>
           </a:p>
@@ -2679,7 +2679,7 @@
           <a:p>
             <a:fld id="{86FCFB96-917D-4A92-B206-4CEFDD05F1CC}" type="datetimeFigureOut">
               <a:rPr lang="en-US" smtClean="0"/>
-              <a:t>11/1/2020</a:t>
+              <a:t>11/11/2020</a:t>
             </a:fld>
             <a:endParaRPr lang="en-US"/>
           </a:p>
@@ -2920,7 +2920,7 @@
           <a:p>
             <a:fld id="{86FCFB96-917D-4A92-B206-4CEFDD05F1CC}" type="datetimeFigureOut">
               <a:rPr lang="en-US" smtClean="0"/>
-              <a:t>11/1/2020</a:t>
+              <a:t>11/11/2020</a:t>
             </a:fld>
             <a:endParaRPr lang="en-US"/>
           </a:p>
@@ -3795,6 +3795,15 @@
             </a:r>
             <a:endParaRPr lang="en-US" dirty="0"/>
           </a:p>
+          <a:p>
+            <a:r>
+              <a:rPr lang="en-US">
+                <a:hlinkClick r:id="rId8"/>
+              </a:rPr>
+              <a:t>Setting up a Java Development Environment</a:t>
+            </a:r>
+            <a:endParaRPr lang="en-US" dirty="0"/>
+          </a:p>
         </p:txBody>
       </p:sp>
     </p:spTree>
@@ -4494,7 +4503,12 @@
             <p:ph type="title"/>
           </p:nvPr>
         </p:nvSpPr>
-        <p:spPr/>
+        <p:spPr>
+          <a:xfrm>
+            <a:off x="838200" y="365126"/>
+            <a:ext cx="10515600" cy="704020"/>
+          </a:xfrm>
+        </p:spPr>
         <p:txBody>
           <a:bodyPr/>
           <a:lstStyle/>
@@ -4525,12 +4539,12 @@
         <p:spPr>
           <a:xfrm>
             <a:off x="838200" y="1481242"/>
-            <a:ext cx="10515600" cy="4812680"/>
+            <a:ext cx="10515600" cy="5011632"/>
           </a:xfrm>
         </p:spPr>
         <p:txBody>
           <a:bodyPr>
-            <a:normAutofit/>
+            <a:normAutofit lnSpcReduction="10000"/>
           </a:bodyPr>
           <a:lstStyle/>
           <a:p>
@@ -4555,6 +4569,12 @@
             <a:r>
               <a:rPr lang="en-US" dirty="0"/>
               <a:t>Mobbers are treated with kindness, consideration and respect.</a:t>
+            </a:r>
+          </a:p>
+          <a:p>
+            <a:r>
+              <a:rPr lang="en-US" dirty="0"/>
+              <a:t>Open Mob Timer and add drivers who want to drive.</a:t>
             </a:r>
           </a:p>
         </p:txBody>

--- a/mob.pptx
+++ b/mob.pptx
@@ -15,8 +15,9 @@
     <p:sldId id="265" r:id="rId9"/>
     <p:sldId id="267" r:id="rId10"/>
     <p:sldId id="264" r:id="rId11"/>
-    <p:sldId id="259" r:id="rId12"/>
-    <p:sldId id="262" r:id="rId13"/>
+    <p:sldId id="268" r:id="rId12"/>
+    <p:sldId id="259" r:id="rId13"/>
+    <p:sldId id="262" r:id="rId14"/>
   </p:sldIdLst>
   <p:sldSz cx="12192000" cy="6858000"/>
   <p:notesSz cx="6858000" cy="9144000"/>
@@ -3473,8 +3474,18 @@
           <a:lstStyle/>
           <a:p>
             <a:r>
+              <a:rPr lang="en-US"/>
+              <a:t>Bowling Score Calculator</a:t>
+            </a:r>
+          </a:p>
+          <a:p>
+            <a:r>
+              <a:rPr lang="en-US"/>
+              <a:t>Roman </a:t>
+            </a:r>
+            <a:r>
               <a:rPr lang="en-US" dirty="0"/>
-              <a:t>Roman Numeral Translator: C</a:t>
+              <a:t>Numeral Translator: C</a:t>
             </a:r>
             <a:r>
               <a:rPr lang="en-US" b="0" i="0" dirty="0">
@@ -3484,15 +3495,19 @@
                 <a:effectLst/>
                 <a:latin typeface="arial" panose="020B0604020202020204" pitchFamily="34" charset="0"/>
               </a:rPr>
-              <a:t>onvert Roman numerals into Arabic numbers or vice versa.</a:t>
+              <a:t>onvert Roman numerals into Arabic numbers or vice </a:t>
+            </a:r>
+            <a:r>
+              <a:rPr lang="en-US" b="0" i="0">
+                <a:solidFill>
+                  <a:srgbClr val="000000"/>
+                </a:solidFill>
+                <a:effectLst/>
+                <a:latin typeface="arial" panose="020B0604020202020204" pitchFamily="34" charset="0"/>
+              </a:rPr>
+              <a:t>versa.</a:t>
             </a:r>
             <a:endParaRPr lang="en-US" dirty="0"/>
-          </a:p>
-          <a:p>
-            <a:r>
-              <a:rPr lang="en-US" dirty="0"/>
-              <a:t>Bowling Score Calculator</a:t>
-            </a:r>
           </a:p>
         </p:txBody>
       </p:sp>
@@ -3531,7 +3546,7 @@
           <p:cNvPr id="2" name="Title 1">
             <a:extLst>
               <a:ext uri="{FF2B5EF4-FFF2-40B4-BE49-F238E27FC236}">
-                <a16:creationId xmlns:a16="http://schemas.microsoft.com/office/drawing/2014/main" id="{ED6608E9-FC05-44D8-8222-3537215663C0}"/>
+                <a16:creationId xmlns:a16="http://schemas.microsoft.com/office/drawing/2014/main" id="{411214FF-9AD0-4B5D-A538-BD473E25F39A}"/>
               </a:ext>
             </a:extLst>
           </p:cNvPr>
@@ -3549,7 +3564,7 @@
           <a:p>
             <a:r>
               <a:rPr lang="en-US" dirty="0"/>
-              <a:t>Resources</a:t>
+              <a:t>Calculating a Bowling Game Score</a:t>
             </a:r>
           </a:p>
         </p:txBody>
@@ -3559,7 +3574,7 @@
           <p:cNvPr id="3" name="Content Placeholder 2">
             <a:extLst>
               <a:ext uri="{FF2B5EF4-FFF2-40B4-BE49-F238E27FC236}">
-                <a16:creationId xmlns:a16="http://schemas.microsoft.com/office/drawing/2014/main" id="{787FD2B9-0C50-480A-A2FC-0DF994952C64}"/>
+                <a16:creationId xmlns:a16="http://schemas.microsoft.com/office/drawing/2014/main" id="{3A52A55A-6DB8-4111-AC04-96BFFF83AF99}"/>
               </a:ext>
             </a:extLst>
           </p:cNvPr>
@@ -3570,14 +3585,11 @@
             <p:ph idx="1"/>
           </p:nvPr>
         </p:nvSpPr>
-        <p:spPr>
-          <a:xfrm>
-            <a:off x="838200" y="1463040"/>
-            <a:ext cx="10515600" cy="5190977"/>
-          </a:xfrm>
-        </p:spPr>
-        <p:txBody>
-          <a:bodyPr/>
+        <p:spPr/>
+        <p:txBody>
+          <a:bodyPr>
+            <a:normAutofit fontScale="55000" lnSpcReduction="20000"/>
+          </a:bodyPr>
           <a:lstStyle/>
           <a:p>
             <a:pPr marL="0" indent="0">
@@ -3585,56 +3597,8 @@
             </a:pPr>
             <a:r>
               <a:rPr lang="en-US" dirty="0"/>
-              <a:t>Books</a:t>
-            </a:r>
-          </a:p>
-          <a:p>
-            <a:r>
-              <a:rPr lang="en-US" dirty="0">
-                <a:hlinkClick r:id="rId2"/>
-              </a:rPr>
-              <a:t>Remote Mob Programming: At home, but not alone. Kindle Edition</a:t>
-            </a:r>
-            <a:endParaRPr lang="en-US" dirty="0"/>
-          </a:p>
-          <a:p>
-            <a:r>
-              <a:rPr lang="en-US" dirty="0">
-                <a:hlinkClick r:id="rId3"/>
-              </a:rPr>
-              <a:t>Code with the Wisdom of the Crowd by Mark Pearl</a:t>
-            </a:r>
-            <a:endParaRPr lang="en-US" dirty="0"/>
-          </a:p>
-          <a:p>
-            <a:endParaRPr lang="en-US" dirty="0"/>
-          </a:p>
-          <a:p>
-            <a:pPr marL="0" indent="0">
-              <a:buNone/>
-            </a:pPr>
-            <a:r>
-              <a:rPr lang="en-US" dirty="0"/>
-              <a:t>Videos</a:t>
-            </a:r>
-          </a:p>
-          <a:p>
-            <a:r>
-              <a:rPr lang="en-US" dirty="0">
-                <a:hlinkClick r:id="rId4"/>
-              </a:rPr>
-              <a:t>Mob Programming: A Whole Team Approach by Woody Zuill</a:t>
-            </a:r>
-            <a:endParaRPr lang="en-US" dirty="0"/>
-          </a:p>
-          <a:p>
-            <a:r>
-              <a:rPr lang="en-US" dirty="0">
-                <a:hlinkClick r:id="rId5"/>
-              </a:rPr>
-              <a:t>Taming the Mob: An Intro to Mob Programming by New Relic</a:t>
-            </a:r>
-            <a:endParaRPr lang="en-US" dirty="0"/>
+              <a:t>A game of bowling consists of ten frames. Each frame except for the tenth consists of one or two balls that are rolled in an attempt to knock down the ten pins at the end of the alley. Knocking down all ten pins on the first ball of the frame is called a strike, and the second ball of the frame is not rolled. Knocking down all ten pins with both balls (having left some up with the first ball) is called a spare. If both attempts to knock down the pins leave some standing, the frame is called an open frame. A spare in the tenth frame gives the bowler one extra ball; a strike in the tenth gives him or her two extra balls. A bowling score is computed as follows. A strike counts as 10 points plus the sum of the next two balls. A spare counts as 10 points plus the next ball. Any other balls merely count as themselves, as do any bonus balls rolled as a result of a strike or a spare in the tenth frame.</a:t>
+            </a:r>
           </a:p>
           <a:p>
             <a:pPr marL="0" indent="0">
@@ -3648,28 +3612,82 @@
             </a:pPr>
             <a:r>
               <a:rPr lang="en-US" dirty="0"/>
-              <a:t>Podcasts</a:t>
-            </a:r>
-          </a:p>
-          <a:p>
-            <a:r>
-              <a:rPr lang="en-US" dirty="0">
-                <a:hlinkClick r:id="rId6"/>
-              </a:rPr>
-              <a:t>Woody Zuill on the </a:t>
-            </a:r>
-            <a:r>
-              <a:rPr lang="en-US" dirty="0" err="1">
-                <a:hlinkClick r:id="rId6"/>
-              </a:rPr>
-              <a:t>Hanselminutes</a:t>
-            </a:r>
-            <a:r>
-              <a:rPr lang="en-US" dirty="0">
-                <a:hlinkClick r:id="rId6"/>
-              </a:rPr>
-              <a:t> Podcast</a:t>
-            </a:r>
+              <a:t>Suppose for example that the sequence of balls was:</a:t>
+            </a:r>
+          </a:p>
+          <a:p>
+            <a:pPr marL="0" indent="0">
+              <a:buNone/>
+            </a:pPr>
+            <a:endParaRPr lang="en-US" dirty="0"/>
+          </a:p>
+          <a:p>
+            <a:pPr marL="0" indent="0">
+              <a:buNone/>
+            </a:pPr>
+            <a:r>
+              <a:rPr lang="en-US" dirty="0"/>
+              <a:t>1	2	3	4	5	6	7	8	9	10</a:t>
+            </a:r>
+          </a:p>
+          <a:p>
+            <a:pPr marL="0" indent="0">
+              <a:buNone/>
+            </a:pPr>
+            <a:r>
+              <a:rPr lang="en-US" dirty="0"/>
+              <a:t>9 1	0 10	10	10	6 2	7 3	8 2	10	9 0	9 1 10</a:t>
+            </a:r>
+          </a:p>
+          <a:p>
+            <a:pPr marL="0" indent="0">
+              <a:buNone/>
+            </a:pPr>
+            <a:endParaRPr lang="en-US" dirty="0"/>
+          </a:p>
+          <a:p>
+            <a:pPr marL="0" indent="0">
+              <a:buNone/>
+            </a:pPr>
+            <a:r>
+              <a:rPr lang="en-US" dirty="0"/>
+              <a:t>The cumulative score for the ten frames would be</a:t>
+            </a:r>
+          </a:p>
+          <a:p>
+            <a:pPr marL="0" indent="0">
+              <a:buNone/>
+            </a:pPr>
+            <a:endParaRPr lang="en-US" dirty="0"/>
+          </a:p>
+          <a:p>
+            <a:pPr marL="0" indent="0">
+              <a:buNone/>
+            </a:pPr>
+            <a:r>
+              <a:rPr lang="en-US" dirty="0"/>
+              <a:t>1	2	3	4	5	6	7	8	9	10</a:t>
+            </a:r>
+          </a:p>
+          <a:p>
+            <a:pPr marL="0" indent="0">
+              <a:buNone/>
+            </a:pPr>
+            <a:r>
+              <a:rPr lang="en-US" dirty="0"/>
+              <a:t>10	30	56	74	82	100	120	139	148	168</a:t>
+            </a:r>
+          </a:p>
+          <a:p>
+            <a:pPr marL="0" indent="0">
+              <a:buNone/>
+            </a:pPr>
+            <a:endParaRPr lang="en-US" dirty="0"/>
+          </a:p>
+          <a:p>
+            <a:pPr marL="0" indent="0">
+              <a:buNone/>
+            </a:pPr>
             <a:endParaRPr lang="en-US" dirty="0"/>
           </a:p>
         </p:txBody>
@@ -3677,7 +3695,7 @@
     </p:spTree>
     <p:extLst>
       <p:ext uri="{BB962C8B-B14F-4D97-AF65-F5344CB8AC3E}">
-        <p14:creationId xmlns:p14="http://schemas.microsoft.com/office/powerpoint/2010/main" val="3450262954"/>
+        <p14:creationId xmlns:p14="http://schemas.microsoft.com/office/powerpoint/2010/main" val="28367977"/>
       </p:ext>
     </p:extLst>
   </p:cSld>
@@ -3706,6 +3724,184 @@
       </p:grpSpPr>
       <p:sp>
         <p:nvSpPr>
+          <p:cNvPr id="2" name="Title 1">
+            <a:extLst>
+              <a:ext uri="{FF2B5EF4-FFF2-40B4-BE49-F238E27FC236}">
+                <a16:creationId xmlns:a16="http://schemas.microsoft.com/office/drawing/2014/main" id="{ED6608E9-FC05-44D8-8222-3537215663C0}"/>
+              </a:ext>
+            </a:extLst>
+          </p:cNvPr>
+          <p:cNvSpPr>
+            <a:spLocks noGrp="1"/>
+          </p:cNvSpPr>
+          <p:nvPr>
+            <p:ph type="title"/>
+          </p:nvPr>
+        </p:nvSpPr>
+        <p:spPr/>
+        <p:txBody>
+          <a:bodyPr/>
+          <a:lstStyle/>
+          <a:p>
+            <a:r>
+              <a:rPr lang="en-US" dirty="0"/>
+              <a:t>Resources</a:t>
+            </a:r>
+          </a:p>
+        </p:txBody>
+      </p:sp>
+      <p:sp>
+        <p:nvSpPr>
+          <p:cNvPr id="3" name="Content Placeholder 2">
+            <a:extLst>
+              <a:ext uri="{FF2B5EF4-FFF2-40B4-BE49-F238E27FC236}">
+                <a16:creationId xmlns:a16="http://schemas.microsoft.com/office/drawing/2014/main" id="{787FD2B9-0C50-480A-A2FC-0DF994952C64}"/>
+              </a:ext>
+            </a:extLst>
+          </p:cNvPr>
+          <p:cNvSpPr>
+            <a:spLocks noGrp="1"/>
+          </p:cNvSpPr>
+          <p:nvPr>
+            <p:ph idx="1"/>
+          </p:nvPr>
+        </p:nvSpPr>
+        <p:spPr>
+          <a:xfrm>
+            <a:off x="838200" y="1463040"/>
+            <a:ext cx="10515600" cy="5190977"/>
+          </a:xfrm>
+        </p:spPr>
+        <p:txBody>
+          <a:bodyPr/>
+          <a:lstStyle/>
+          <a:p>
+            <a:pPr marL="0" indent="0">
+              <a:buNone/>
+            </a:pPr>
+            <a:r>
+              <a:rPr lang="en-US" dirty="0"/>
+              <a:t>Books</a:t>
+            </a:r>
+          </a:p>
+          <a:p>
+            <a:r>
+              <a:rPr lang="en-US" dirty="0">
+                <a:hlinkClick r:id="rId2"/>
+              </a:rPr>
+              <a:t>Remote Mob Programming: At home, but not alone. Kindle Edition</a:t>
+            </a:r>
+            <a:endParaRPr lang="en-US" dirty="0"/>
+          </a:p>
+          <a:p>
+            <a:r>
+              <a:rPr lang="en-US" dirty="0">
+                <a:hlinkClick r:id="rId3"/>
+              </a:rPr>
+              <a:t>Code with the Wisdom of the Crowd by Mark Pearl</a:t>
+            </a:r>
+            <a:endParaRPr lang="en-US" dirty="0"/>
+          </a:p>
+          <a:p>
+            <a:endParaRPr lang="en-US" dirty="0"/>
+          </a:p>
+          <a:p>
+            <a:pPr marL="0" indent="0">
+              <a:buNone/>
+            </a:pPr>
+            <a:r>
+              <a:rPr lang="en-US" dirty="0"/>
+              <a:t>Videos</a:t>
+            </a:r>
+          </a:p>
+          <a:p>
+            <a:r>
+              <a:rPr lang="en-US" dirty="0">
+                <a:hlinkClick r:id="rId4"/>
+              </a:rPr>
+              <a:t>Mob Programming: A Whole Team Approach by Woody Zuill</a:t>
+            </a:r>
+            <a:endParaRPr lang="en-US" dirty="0"/>
+          </a:p>
+          <a:p>
+            <a:r>
+              <a:rPr lang="en-US" dirty="0">
+                <a:hlinkClick r:id="rId5"/>
+              </a:rPr>
+              <a:t>Taming the Mob: An Intro to Mob Programming by New Relic</a:t>
+            </a:r>
+            <a:endParaRPr lang="en-US" dirty="0"/>
+          </a:p>
+          <a:p>
+            <a:pPr marL="0" indent="0">
+              <a:buNone/>
+            </a:pPr>
+            <a:endParaRPr lang="en-US" dirty="0"/>
+          </a:p>
+          <a:p>
+            <a:pPr marL="0" indent="0">
+              <a:buNone/>
+            </a:pPr>
+            <a:r>
+              <a:rPr lang="en-US" dirty="0"/>
+              <a:t>Podcasts</a:t>
+            </a:r>
+          </a:p>
+          <a:p>
+            <a:r>
+              <a:rPr lang="en-US" dirty="0">
+                <a:hlinkClick r:id="rId6"/>
+              </a:rPr>
+              <a:t>Woody Zuill on the </a:t>
+            </a:r>
+            <a:r>
+              <a:rPr lang="en-US" dirty="0" err="1">
+                <a:hlinkClick r:id="rId6"/>
+              </a:rPr>
+              <a:t>Hanselminutes</a:t>
+            </a:r>
+            <a:r>
+              <a:rPr lang="en-US" dirty="0">
+                <a:hlinkClick r:id="rId6"/>
+              </a:rPr>
+              <a:t> Podcast</a:t>
+            </a:r>
+            <a:endParaRPr lang="en-US" dirty="0"/>
+          </a:p>
+        </p:txBody>
+      </p:sp>
+    </p:spTree>
+    <p:extLst>
+      <p:ext uri="{BB962C8B-B14F-4D97-AF65-F5344CB8AC3E}">
+        <p14:creationId xmlns:p14="http://schemas.microsoft.com/office/powerpoint/2010/main" val="3450262954"/>
+      </p:ext>
+    </p:extLst>
+  </p:cSld>
+  <p:clrMapOvr>
+    <a:masterClrMapping/>
+  </p:clrMapOvr>
+</p:sld>
+</file>
+
+<file path=ppt/slides/slide13.xml><?xml version="1.0" encoding="utf-8"?>
+<p:sld xmlns:a="http://schemas.openxmlformats.org/drawingml/2006/main" xmlns:r="http://schemas.openxmlformats.org/officeDocument/2006/relationships" xmlns:p="http://schemas.openxmlformats.org/presentationml/2006/main">
+  <p:cSld>
+    <p:spTree>
+      <p:nvGrpSpPr>
+        <p:cNvPr id="1" name=""/>
+        <p:cNvGrpSpPr/>
+        <p:nvPr/>
+      </p:nvGrpSpPr>
+      <p:grpSpPr>
+        <a:xfrm>
+          <a:off x="0" y="0"/>
+          <a:ext cx="0" cy="0"/>
+          <a:chOff x="0" y="0"/>
+          <a:chExt cx="0" cy="0"/>
+        </a:xfrm>
+      </p:grpSpPr>
+      <p:sp>
+        <p:nvSpPr>
           <p:cNvPr id="3" name="Content Placeholder 2">
             <a:extLst>
               <a:ext uri="{FF2B5EF4-FFF2-40B4-BE49-F238E27FC236}">
@@ -3796,8 +3992,24 @@
             <a:endParaRPr lang="en-US" dirty="0"/>
           </a:p>
           <a:p>
-            <a:r>
-              <a:rPr lang="en-US">
+            <a:pPr marL="0" indent="0">
+              <a:buNone/>
+            </a:pPr>
+            <a:endParaRPr lang="en-US"/>
+          </a:p>
+          <a:p>
+            <a:pPr marL="0" indent="0">
+              <a:buNone/>
+            </a:pPr>
+            <a:r>
+              <a:rPr lang="en-US"/>
+              <a:t>Pluralsight</a:t>
+            </a:r>
+            <a:endParaRPr lang="en-US" dirty="0"/>
+          </a:p>
+          <a:p>
+            <a:r>
+              <a:rPr lang="en-US" dirty="0">
                 <a:hlinkClick r:id="rId8"/>
               </a:rPr>
               <a:t>Setting up a Java Development Environment</a:t>

--- a/mob.pptx
+++ b/mob.pptx
@@ -3923,7 +3923,9 @@
           </a:xfrm>
         </p:spPr>
         <p:txBody>
-          <a:bodyPr/>
+          <a:bodyPr>
+            <a:normAutofit fontScale="92500" lnSpcReduction="10000"/>
+          </a:bodyPr>
           <a:lstStyle/>
           <a:p>
             <a:pPr marL="0" indent="0">
@@ -3948,7 +3950,7 @@
               <a:rPr lang="en-US" dirty="0">
                 <a:hlinkClick r:id="rId3"/>
               </a:rPr>
-              <a:t>This Slide Deck on GitHub</a:t>
+              <a:t>Mob Programming at Wikipedia</a:t>
             </a:r>
             <a:endParaRPr lang="en-US" dirty="0"/>
           </a:p>
@@ -3957,53 +3959,49 @@
               <a:rPr lang="en-US" dirty="0">
                 <a:hlinkClick r:id="rId4"/>
               </a:rPr>
-              <a:t>Mob Programming at Wikipedia</a:t>
-            </a:r>
-            <a:endParaRPr lang="en-US" dirty="0"/>
+              <a:t>I did mob programming every day for 5 months. Here's what I learnt</a:t>
+            </a:r>
+            <a:r>
+              <a:rPr lang="en-US" dirty="0"/>
+              <a:t>.</a:t>
+            </a:r>
           </a:p>
           <a:p>
             <a:r>
               <a:rPr lang="en-US" dirty="0">
                 <a:hlinkClick r:id="rId5"/>
               </a:rPr>
-              <a:t>I did mob programming every day for 5 months. Here's what I learnt</a:t>
-            </a:r>
-            <a:r>
-              <a:rPr lang="en-US" dirty="0"/>
-              <a:t>.</a:t>
-            </a:r>
+              <a:t>Roman Numeral Calculator</a:t>
+            </a:r>
+            <a:endParaRPr lang="en-US" dirty="0"/>
           </a:p>
           <a:p>
             <a:r>
               <a:rPr lang="en-US" dirty="0">
                 <a:hlinkClick r:id="rId6"/>
               </a:rPr>
-              <a:t>Roman Numeral Calculator</a:t>
+              <a:t>Bowling Score Calculator</a:t>
             </a:r>
             <a:endParaRPr lang="en-US" dirty="0"/>
+          </a:p>
+          <a:p>
+            <a:endParaRPr lang="en-US" dirty="0"/>
+          </a:p>
+          <a:p>
+            <a:pPr marL="0" indent="0">
+              <a:buNone/>
+            </a:pPr>
+            <a:r>
+              <a:rPr lang="en-US" dirty="0"/>
+              <a:t>GitHub</a:t>
+            </a:r>
           </a:p>
           <a:p>
             <a:r>
               <a:rPr lang="en-US" dirty="0">
                 <a:hlinkClick r:id="rId7"/>
               </a:rPr>
-              <a:t>Bowling Score Calculator</a:t>
-            </a:r>
-            <a:endParaRPr lang="en-US" dirty="0"/>
-          </a:p>
-          <a:p>
-            <a:pPr marL="0" indent="0">
-              <a:buNone/>
-            </a:pPr>
-            <a:endParaRPr lang="en-US"/>
-          </a:p>
-          <a:p>
-            <a:pPr marL="0" indent="0">
-              <a:buNone/>
-            </a:pPr>
-            <a:r>
-              <a:rPr lang="en-US"/>
-              <a:t>Pluralsight</a:t>
+              <a:t>This Slide Deck</a:t>
             </a:r>
             <a:endParaRPr lang="en-US" dirty="0"/>
           </a:p>
@@ -4011,6 +4009,30 @@
             <a:r>
               <a:rPr lang="en-US" dirty="0">
                 <a:hlinkClick r:id="rId8"/>
+              </a:rPr>
+              <a:t>Only-1-Bug Java-Bowling-Game</a:t>
+            </a:r>
+            <a:endParaRPr lang="en-US" dirty="0"/>
+          </a:p>
+          <a:p>
+            <a:pPr marL="0" indent="0">
+              <a:buNone/>
+            </a:pPr>
+            <a:endParaRPr lang="en-US" dirty="0"/>
+          </a:p>
+          <a:p>
+            <a:pPr marL="0" indent="0">
+              <a:buNone/>
+            </a:pPr>
+            <a:r>
+              <a:rPr lang="en-US" dirty="0"/>
+              <a:t>Pluralsight</a:t>
+            </a:r>
+          </a:p>
+          <a:p>
+            <a:r>
+              <a:rPr lang="en-US" dirty="0">
+                <a:hlinkClick r:id="rId9"/>
               </a:rPr>
               <a:t>Setting up a Java Development Environment</a:t>
             </a:r>

--- a/mob.pptx
+++ b/mob.pptx
@@ -14,10 +14,11 @@
     <p:sldId id="266" r:id="rId8"/>
     <p:sldId id="265" r:id="rId9"/>
     <p:sldId id="267" r:id="rId10"/>
-    <p:sldId id="264" r:id="rId11"/>
-    <p:sldId id="268" r:id="rId12"/>
-    <p:sldId id="259" r:id="rId13"/>
-    <p:sldId id="262" r:id="rId14"/>
+    <p:sldId id="268" r:id="rId11"/>
+    <p:sldId id="269" r:id="rId12"/>
+    <p:sldId id="264" r:id="rId13"/>
+    <p:sldId id="259" r:id="rId14"/>
+    <p:sldId id="262" r:id="rId15"/>
   </p:sldIdLst>
   <p:sldSz cx="12192000" cy="6858000"/>
   <p:notesSz cx="6858000" cy="9144000"/>
@@ -271,7 +272,7 @@
           <a:p>
             <a:fld id="{86FCFB96-917D-4A92-B206-4CEFDD05F1CC}" type="datetimeFigureOut">
               <a:rPr lang="en-US" smtClean="0"/>
-              <a:t>11/11/2020</a:t>
+              <a:t>11/15/2020</a:t>
             </a:fld>
             <a:endParaRPr lang="en-US"/>
           </a:p>
@@ -469,7 +470,7 @@
           <a:p>
             <a:fld id="{86FCFB96-917D-4A92-B206-4CEFDD05F1CC}" type="datetimeFigureOut">
               <a:rPr lang="en-US" smtClean="0"/>
-              <a:t>11/11/2020</a:t>
+              <a:t>11/15/2020</a:t>
             </a:fld>
             <a:endParaRPr lang="en-US"/>
           </a:p>
@@ -677,7 +678,7 @@
           <a:p>
             <a:fld id="{86FCFB96-917D-4A92-B206-4CEFDD05F1CC}" type="datetimeFigureOut">
               <a:rPr lang="en-US" smtClean="0"/>
-              <a:t>11/11/2020</a:t>
+              <a:t>11/15/2020</a:t>
             </a:fld>
             <a:endParaRPr lang="en-US"/>
           </a:p>
@@ -875,7 +876,7 @@
           <a:p>
             <a:fld id="{86FCFB96-917D-4A92-B206-4CEFDD05F1CC}" type="datetimeFigureOut">
               <a:rPr lang="en-US" smtClean="0"/>
-              <a:t>11/11/2020</a:t>
+              <a:t>11/15/2020</a:t>
             </a:fld>
             <a:endParaRPr lang="en-US"/>
           </a:p>
@@ -1150,7 +1151,7 @@
           <a:p>
             <a:fld id="{86FCFB96-917D-4A92-B206-4CEFDD05F1CC}" type="datetimeFigureOut">
               <a:rPr lang="en-US" smtClean="0"/>
-              <a:t>11/11/2020</a:t>
+              <a:t>11/15/2020</a:t>
             </a:fld>
             <a:endParaRPr lang="en-US"/>
           </a:p>
@@ -1415,7 +1416,7 @@
           <a:p>
             <a:fld id="{86FCFB96-917D-4A92-B206-4CEFDD05F1CC}" type="datetimeFigureOut">
               <a:rPr lang="en-US" smtClean="0"/>
-              <a:t>11/11/2020</a:t>
+              <a:t>11/15/2020</a:t>
             </a:fld>
             <a:endParaRPr lang="en-US"/>
           </a:p>
@@ -1827,7 +1828,7 @@
           <a:p>
             <a:fld id="{86FCFB96-917D-4A92-B206-4CEFDD05F1CC}" type="datetimeFigureOut">
               <a:rPr lang="en-US" smtClean="0"/>
-              <a:t>11/11/2020</a:t>
+              <a:t>11/15/2020</a:t>
             </a:fld>
             <a:endParaRPr lang="en-US"/>
           </a:p>
@@ -1968,7 +1969,7 @@
           <a:p>
             <a:fld id="{86FCFB96-917D-4A92-B206-4CEFDD05F1CC}" type="datetimeFigureOut">
               <a:rPr lang="en-US" smtClean="0"/>
-              <a:t>11/11/2020</a:t>
+              <a:t>11/15/2020</a:t>
             </a:fld>
             <a:endParaRPr lang="en-US"/>
           </a:p>
@@ -2081,7 +2082,7 @@
           <a:p>
             <a:fld id="{86FCFB96-917D-4A92-B206-4CEFDD05F1CC}" type="datetimeFigureOut">
               <a:rPr lang="en-US" smtClean="0"/>
-              <a:t>11/11/2020</a:t>
+              <a:t>11/15/2020</a:t>
             </a:fld>
             <a:endParaRPr lang="en-US"/>
           </a:p>
@@ -2392,7 +2393,7 @@
           <a:p>
             <a:fld id="{86FCFB96-917D-4A92-B206-4CEFDD05F1CC}" type="datetimeFigureOut">
               <a:rPr lang="en-US" smtClean="0"/>
-              <a:t>11/11/2020</a:t>
+              <a:t>11/15/2020</a:t>
             </a:fld>
             <a:endParaRPr lang="en-US"/>
           </a:p>
@@ -2680,7 +2681,7 @@
           <a:p>
             <a:fld id="{86FCFB96-917D-4A92-B206-4CEFDD05F1CC}" type="datetimeFigureOut">
               <a:rPr lang="en-US" smtClean="0"/>
-              <a:t>11/11/2020</a:t>
+              <a:t>11/15/2020</a:t>
             </a:fld>
             <a:endParaRPr lang="en-US"/>
           </a:p>
@@ -2921,7 +2922,7 @@
           <a:p>
             <a:fld id="{86FCFB96-917D-4A92-B206-4CEFDD05F1CC}" type="datetimeFigureOut">
               <a:rPr lang="en-US" smtClean="0"/>
-              <a:t>11/11/2020</a:t>
+              <a:t>11/15/2020</a:t>
             </a:fld>
             <a:endParaRPr lang="en-US"/>
           </a:p>
@@ -3429,7 +3430,7 @@
           <p:cNvPr id="2" name="Title 1">
             <a:extLst>
               <a:ext uri="{FF2B5EF4-FFF2-40B4-BE49-F238E27FC236}">
-                <a16:creationId xmlns:a16="http://schemas.microsoft.com/office/drawing/2014/main" id="{00FB4352-F206-4311-809D-ECACBF8231B4}"/>
+                <a16:creationId xmlns:a16="http://schemas.microsoft.com/office/drawing/2014/main" id="{411214FF-9AD0-4B5D-A538-BD473E25F39A}"/>
               </a:ext>
             </a:extLst>
           </p:cNvPr>
@@ -3447,7 +3448,7 @@
           <a:p>
             <a:r>
               <a:rPr lang="en-US" dirty="0"/>
-              <a:t>Problem Prospects – Take a Vote?</a:t>
+              <a:t>Problem Description: Calculating a Bowling Game Score</a:t>
             </a:r>
           </a:p>
         </p:txBody>
@@ -3457,7 +3458,7 @@
           <p:cNvPr id="3" name="Content Placeholder 2">
             <a:extLst>
               <a:ext uri="{FF2B5EF4-FFF2-40B4-BE49-F238E27FC236}">
-                <a16:creationId xmlns:a16="http://schemas.microsoft.com/office/drawing/2014/main" id="{7BB45C19-3A87-4414-B693-500F80A36DE6}"/>
+                <a16:creationId xmlns:a16="http://schemas.microsoft.com/office/drawing/2014/main" id="{3A52A55A-6DB8-4111-AC04-96BFFF83AF99}"/>
               </a:ext>
             </a:extLst>
           </p:cNvPr>
@@ -3470,43 +3471,107 @@
         </p:nvSpPr>
         <p:spPr/>
         <p:txBody>
-          <a:bodyPr/>
-          <a:lstStyle/>
-          <a:p>
-            <a:r>
-              <a:rPr lang="en-US"/>
-              <a:t>Bowling Score Calculator</a:t>
-            </a:r>
-          </a:p>
-          <a:p>
-            <a:r>
-              <a:rPr lang="en-US"/>
-              <a:t>Roman </a:t>
-            </a:r>
+          <a:bodyPr>
+            <a:normAutofit fontScale="55000" lnSpcReduction="20000"/>
+          </a:bodyPr>
+          <a:lstStyle/>
+          <a:p>
+            <a:pPr marL="0" indent="0">
+              <a:buNone/>
+            </a:pPr>
             <a:r>
               <a:rPr lang="en-US" dirty="0"/>
-              <a:t>Numeral Translator: C</a:t>
-            </a:r>
-            <a:r>
-              <a:rPr lang="en-US" b="0" i="0" dirty="0">
-                <a:solidFill>
-                  <a:srgbClr val="000000"/>
-                </a:solidFill>
-                <a:effectLst/>
-                <a:latin typeface="arial" panose="020B0604020202020204" pitchFamily="34" charset="0"/>
-              </a:rPr>
-              <a:t>onvert Roman numerals into Arabic numbers or vice </a:t>
-            </a:r>
-            <a:r>
-              <a:rPr lang="en-US" b="0" i="0">
-                <a:solidFill>
-                  <a:srgbClr val="000000"/>
-                </a:solidFill>
-                <a:effectLst/>
-                <a:latin typeface="arial" panose="020B0604020202020204" pitchFamily="34" charset="0"/>
-              </a:rPr>
-              <a:t>versa.</a:t>
-            </a:r>
+              <a:t>A game of bowling consists of ten frames. Each frame except for the tenth consists of one or two balls that are rolled in an attempt to knock down the ten pins at the end of the alley. Knocking down all ten pins on the first ball of the frame is called a strike, and the second ball of the frame is not rolled. Knocking down all ten pins with both balls (having left some up with the first ball) is called a spare. If both attempts to knock down the pins leave some standing, the frame is called an open frame. A spare in the tenth frame gives the bowler one extra ball; a strike in the tenth gives him or her two extra balls. A bowling score is computed as follows. A strike counts as 10 points plus the sum of the next two balls. A spare counts as 10 points plus the next ball. Any other balls merely count as themselves, as do any bonus balls rolled as a result of a strike or a spare in the tenth frame.</a:t>
+            </a:r>
+          </a:p>
+          <a:p>
+            <a:pPr marL="0" indent="0">
+              <a:buNone/>
+            </a:pPr>
+            <a:endParaRPr lang="en-US" dirty="0"/>
+          </a:p>
+          <a:p>
+            <a:pPr marL="0" indent="0">
+              <a:buNone/>
+            </a:pPr>
+            <a:r>
+              <a:rPr lang="en-US" dirty="0"/>
+              <a:t>Suppose for example that the sequence of balls was:</a:t>
+            </a:r>
+          </a:p>
+          <a:p>
+            <a:pPr marL="0" indent="0">
+              <a:buNone/>
+            </a:pPr>
+            <a:endParaRPr lang="en-US" dirty="0"/>
+          </a:p>
+          <a:p>
+            <a:pPr marL="0" indent="0">
+              <a:buNone/>
+            </a:pPr>
+            <a:r>
+              <a:rPr lang="en-US" dirty="0"/>
+              <a:t>1	2	3	4	5	6	7	8	9	10</a:t>
+            </a:r>
+          </a:p>
+          <a:p>
+            <a:pPr marL="0" indent="0">
+              <a:buNone/>
+            </a:pPr>
+            <a:r>
+              <a:rPr lang="en-US" dirty="0"/>
+              <a:t>9 1	0 10	10	10	6 2	7 3	8 2	10	9 0	9 1 10</a:t>
+            </a:r>
+          </a:p>
+          <a:p>
+            <a:pPr marL="0" indent="0">
+              <a:buNone/>
+            </a:pPr>
+            <a:endParaRPr lang="en-US" dirty="0"/>
+          </a:p>
+          <a:p>
+            <a:pPr marL="0" indent="0">
+              <a:buNone/>
+            </a:pPr>
+            <a:r>
+              <a:rPr lang="en-US" dirty="0"/>
+              <a:t>The cumulative score for the ten frames would be</a:t>
+            </a:r>
+          </a:p>
+          <a:p>
+            <a:pPr marL="0" indent="0">
+              <a:buNone/>
+            </a:pPr>
+            <a:endParaRPr lang="en-US" dirty="0"/>
+          </a:p>
+          <a:p>
+            <a:pPr marL="0" indent="0">
+              <a:buNone/>
+            </a:pPr>
+            <a:r>
+              <a:rPr lang="en-US" dirty="0"/>
+              <a:t>1	2	3	4	5	6	7	8	9	10</a:t>
+            </a:r>
+          </a:p>
+          <a:p>
+            <a:pPr marL="0" indent="0">
+              <a:buNone/>
+            </a:pPr>
+            <a:r>
+              <a:rPr lang="en-US" dirty="0"/>
+              <a:t>10	30	56	74	82	100	120	139	148	168</a:t>
+            </a:r>
+          </a:p>
+          <a:p>
+            <a:pPr marL="0" indent="0">
+              <a:buNone/>
+            </a:pPr>
+            <a:endParaRPr lang="en-US" dirty="0"/>
+          </a:p>
+          <a:p>
+            <a:pPr marL="0" indent="0">
+              <a:buNone/>
+            </a:pPr>
             <a:endParaRPr lang="en-US" dirty="0"/>
           </a:p>
         </p:txBody>
@@ -3514,7 +3579,7 @@
     </p:spTree>
     <p:extLst>
       <p:ext uri="{BB962C8B-B14F-4D97-AF65-F5344CB8AC3E}">
-        <p14:creationId xmlns:p14="http://schemas.microsoft.com/office/powerpoint/2010/main" val="3228125785"/>
+        <p14:creationId xmlns:p14="http://schemas.microsoft.com/office/powerpoint/2010/main" val="28367977"/>
       </p:ext>
     </p:extLst>
   </p:cSld>
@@ -3559,12 +3624,14 @@
         </p:nvSpPr>
         <p:spPr/>
         <p:txBody>
-          <a:bodyPr/>
+          <a:bodyPr>
+            <a:normAutofit/>
+          </a:bodyPr>
           <a:lstStyle/>
           <a:p>
             <a:r>
               <a:rPr lang="en-US" dirty="0"/>
-              <a:t>Calculating a Bowling Game Score</a:t>
+              <a:t>Problem Description: Convert Roman Numeral to Their Arabic Equivalent</a:t>
             </a:r>
           </a:p>
         </p:txBody>
@@ -3588,7 +3655,7 @@
         <p:spPr/>
         <p:txBody>
           <a:bodyPr>
-            <a:normAutofit fontScale="55000" lnSpcReduction="20000"/>
+            <a:normAutofit fontScale="62500" lnSpcReduction="20000"/>
           </a:bodyPr>
           <a:lstStyle/>
           <a:p>
@@ -3597,7 +3664,7 @@
             </a:pPr>
             <a:r>
               <a:rPr lang="en-US" dirty="0"/>
-              <a:t>A game of bowling consists of ten frames. Each frame except for the tenth consists of one or two balls that are rolled in an attempt to knock down the ten pins at the end of the alley. Knocking down all ten pins on the first ball of the frame is called a strike, and the second ball of the frame is not rolled. Knocking down all ten pins with both balls (having left some up with the first ball) is called a spare. If both attempts to knock down the pins leave some standing, the frame is called an open frame. A spare in the tenth frame gives the bowler one extra ball; a strike in the tenth gives him or her two extra balls. A bowling score is computed as follows. A strike counts as 10 points plus the sum of the next two balls. A spare counts as 10 points plus the next ball. Any other balls merely count as themselves, as do any bonus balls rolled as a result of a strike or a spare in the tenth frame.</a:t>
+              <a:t>Create a program that takes a list of strings (roman numerals) and returns a list of numbers assume the number is between 1 and 3999, inclusively. The Romans wrote their numbers using letters; specifically the letters 'I' meaning '1', 'V' meaning '5', 'X' meaning '10', 'L' meaning '50', 'C' meaning '100', 'D' meaning '500', and 'M' meaning '1000' There were certain rules that the numerals followed which should be observed:</a:t>
             </a:r>
           </a:p>
           <a:p>
@@ -3612,7 +3679,7 @@
             </a:pPr>
             <a:r>
               <a:rPr lang="en-US" dirty="0"/>
-              <a:t>Suppose for example that the sequence of balls was:</a:t>
+              <a:t>* The symbols 'I', 'X', 'C', and 'M' can be repeated at most 3 times in a row.</a:t>
             </a:r>
           </a:p>
           <a:p>
@@ -3627,16 +3694,7 @@
             </a:pPr>
             <a:r>
               <a:rPr lang="en-US" dirty="0"/>
-              <a:t>1	2	3	4	5	6	7	8	9	10</a:t>
-            </a:r>
-          </a:p>
-          <a:p>
-            <a:pPr marL="0" indent="0">
-              <a:buNone/>
-            </a:pPr>
-            <a:r>
-              <a:rPr lang="en-US" dirty="0"/>
-              <a:t>9 1	0 10	10	10	6 2	7 3	8 2	10	9 0	9 1 10</a:t>
+              <a:t>* The symbols 'V', 'L', and 'D' can never be repeated</a:t>
             </a:r>
           </a:p>
           <a:p>
@@ -3651,7 +3709,16 @@
             </a:pPr>
             <a:r>
               <a:rPr lang="en-US" dirty="0"/>
-              <a:t>The cumulative score for the ten frames would be</a:t>
+              <a:t>* The '1' symbols ('I', 'X', and 'C') can only be subtracted from the 2 next highest values </a:t>
+            </a:r>
+          </a:p>
+          <a:p>
+            <a:pPr marL="0" indent="0">
+              <a:buNone/>
+            </a:pPr>
+            <a:r>
+              <a:rPr lang="en-US" dirty="0"/>
+              <a:t>(e.g. 'IV' and 'IX', 'XL' and 'XC', 'CD' and 'CM’)</a:t>
             </a:r>
           </a:p>
           <a:p>
@@ -3666,7 +3733,7 @@
             </a:pPr>
             <a:r>
               <a:rPr lang="en-US" dirty="0"/>
-              <a:t>1	2	3	4	5	6	7	8	9	10</a:t>
+              <a:t>* Only one subtraction can be made per numeral ('XC' is allowed, 'XXC' is not) The '5' symbols </a:t>
             </a:r>
           </a:p>
           <a:p>
@@ -3675,8 +3742,14 @@
             </a:pPr>
             <a:r>
               <a:rPr lang="en-US" dirty="0"/>
-              <a:t>10	30	56	74	82	100	120	139	148	168</a:t>
-            </a:r>
+              <a:t>('V', 'L', and 'D') can never be subtracted</a:t>
+            </a:r>
+          </a:p>
+          <a:p>
+            <a:pPr marL="0" indent="0">
+              <a:buNone/>
+            </a:pPr>
+            <a:endParaRPr lang="en-US" dirty="0"/>
           </a:p>
           <a:p>
             <a:pPr marL="0" indent="0">
@@ -3695,7 +3768,7 @@
     </p:spTree>
     <p:extLst>
       <p:ext uri="{BB962C8B-B14F-4D97-AF65-F5344CB8AC3E}">
-        <p14:creationId xmlns:p14="http://schemas.microsoft.com/office/powerpoint/2010/main" val="28367977"/>
+        <p14:creationId xmlns:p14="http://schemas.microsoft.com/office/powerpoint/2010/main" val="4086510305"/>
       </p:ext>
     </p:extLst>
   </p:cSld>
@@ -3727,7 +3800,7 @@
           <p:cNvPr id="2" name="Title 1">
             <a:extLst>
               <a:ext uri="{FF2B5EF4-FFF2-40B4-BE49-F238E27FC236}">
-                <a16:creationId xmlns:a16="http://schemas.microsoft.com/office/drawing/2014/main" id="{ED6608E9-FC05-44D8-8222-3537215663C0}"/>
+                <a16:creationId xmlns:a16="http://schemas.microsoft.com/office/drawing/2014/main" id="{00FB4352-F206-4311-809D-ECACBF8231B4}"/>
               </a:ext>
             </a:extLst>
           </p:cNvPr>
@@ -3745,7 +3818,7 @@
           <a:p>
             <a:r>
               <a:rPr lang="en-US" dirty="0"/>
-              <a:t>Resources</a:t>
+              <a:t>Problem Prospects – Take a Vote?</a:t>
             </a:r>
           </a:p>
         </p:txBody>
@@ -3755,7 +3828,7 @@
           <p:cNvPr id="3" name="Content Placeholder 2">
             <a:extLst>
               <a:ext uri="{FF2B5EF4-FFF2-40B4-BE49-F238E27FC236}">
-                <a16:creationId xmlns:a16="http://schemas.microsoft.com/office/drawing/2014/main" id="{787FD2B9-0C50-480A-A2FC-0DF994952C64}"/>
+                <a16:creationId xmlns:a16="http://schemas.microsoft.com/office/drawing/2014/main" id="{7BB45C19-3A87-4414-B693-500F80A36DE6}"/>
               </a:ext>
             </a:extLst>
           </p:cNvPr>
@@ -3766,105 +3839,44 @@
             <p:ph idx="1"/>
           </p:nvPr>
         </p:nvSpPr>
-        <p:spPr>
-          <a:xfrm>
-            <a:off x="838200" y="1463040"/>
-            <a:ext cx="10515600" cy="5190977"/>
-          </a:xfrm>
-        </p:spPr>
-        <p:txBody>
-          <a:bodyPr/>
-          <a:lstStyle/>
-          <a:p>
-            <a:pPr marL="0" indent="0">
-              <a:buNone/>
-            </a:pPr>
+        <p:spPr/>
+        <p:txBody>
+          <a:bodyPr/>
+          <a:lstStyle/>
+          <a:p>
+            <a:r>
+              <a:rPr lang="en-US"/>
+              <a:t>Bowling Score Calculator</a:t>
+            </a:r>
+          </a:p>
+          <a:p>
+            <a:r>
+              <a:rPr lang="en-US"/>
+              <a:t>Roman </a:t>
+            </a:r>
             <a:r>
               <a:rPr lang="en-US" dirty="0"/>
-              <a:t>Books</a:t>
-            </a:r>
-          </a:p>
-          <a:p>
-            <a:r>
-              <a:rPr lang="en-US" dirty="0">
-                <a:hlinkClick r:id="rId2"/>
+              <a:t>Numeral Translator: C</a:t>
+            </a:r>
+            <a:r>
+              <a:rPr lang="en-US" b="0" i="0" dirty="0">
+                <a:solidFill>
+                  <a:srgbClr val="000000"/>
+                </a:solidFill>
+                <a:effectLst/>
+                <a:latin typeface="arial" panose="020B0604020202020204" pitchFamily="34" charset="0"/>
               </a:rPr>
-              <a:t>Remote Mob Programming: At home, but not alone. Kindle Edition</a:t>
-            </a:r>
-            <a:endParaRPr lang="en-US" dirty="0"/>
-          </a:p>
-          <a:p>
-            <a:r>
-              <a:rPr lang="en-US" dirty="0">
-                <a:hlinkClick r:id="rId3"/>
+              <a:t>onvert Roman numerals into Arabic numbers or vice </a:t>
+            </a:r>
+            <a:r>
+              <a:rPr lang="en-US" b="0" i="0">
+                <a:solidFill>
+                  <a:srgbClr val="000000"/>
+                </a:solidFill>
+                <a:effectLst/>
+                <a:latin typeface="arial" panose="020B0604020202020204" pitchFamily="34" charset="0"/>
               </a:rPr>
-              <a:t>Code with the Wisdom of the Crowd by Mark Pearl</a:t>
-            </a:r>
-            <a:endParaRPr lang="en-US" dirty="0"/>
-          </a:p>
-          <a:p>
-            <a:endParaRPr lang="en-US" dirty="0"/>
-          </a:p>
-          <a:p>
-            <a:pPr marL="0" indent="0">
-              <a:buNone/>
-            </a:pPr>
-            <a:r>
-              <a:rPr lang="en-US" dirty="0"/>
-              <a:t>Videos</a:t>
-            </a:r>
-          </a:p>
-          <a:p>
-            <a:r>
-              <a:rPr lang="en-US" dirty="0">
-                <a:hlinkClick r:id="rId4"/>
-              </a:rPr>
-              <a:t>Mob Programming: A Whole Team Approach by Woody Zuill</a:t>
-            </a:r>
-            <a:endParaRPr lang="en-US" dirty="0"/>
-          </a:p>
-          <a:p>
-            <a:r>
-              <a:rPr lang="en-US" dirty="0">
-                <a:hlinkClick r:id="rId5"/>
-              </a:rPr>
-              <a:t>Taming the Mob: An Intro to Mob Programming by New Relic</a:t>
-            </a:r>
-            <a:endParaRPr lang="en-US" dirty="0"/>
-          </a:p>
-          <a:p>
-            <a:pPr marL="0" indent="0">
-              <a:buNone/>
-            </a:pPr>
-            <a:endParaRPr lang="en-US" dirty="0"/>
-          </a:p>
-          <a:p>
-            <a:pPr marL="0" indent="0">
-              <a:buNone/>
-            </a:pPr>
-            <a:r>
-              <a:rPr lang="en-US" dirty="0"/>
-              <a:t>Podcasts</a:t>
-            </a:r>
-          </a:p>
-          <a:p>
-            <a:r>
-              <a:rPr lang="en-US" dirty="0">
-                <a:hlinkClick r:id="rId6"/>
-              </a:rPr>
-              <a:t>Woody Zuill on the </a:t>
-            </a:r>
-            <a:r>
-              <a:rPr lang="en-US" dirty="0" err="1">
-                <a:hlinkClick r:id="rId6"/>
-              </a:rPr>
-              <a:t>Hanselminutes</a:t>
-            </a:r>
-            <a:r>
-              <a:rPr lang="en-US" dirty="0">
-                <a:hlinkClick r:id="rId6"/>
-              </a:rPr>
-              <a:t> Podcast</a:t>
+              <a:t>versa.</a:t>
             </a:r>
             <a:endParaRPr lang="en-US" dirty="0"/>
           </a:p>
@@ -3873,7 +3885,7 @@
     </p:spTree>
     <p:extLst>
       <p:ext uri="{BB962C8B-B14F-4D97-AF65-F5344CB8AC3E}">
-        <p14:creationId xmlns:p14="http://schemas.microsoft.com/office/powerpoint/2010/main" val="3450262954"/>
+        <p14:creationId xmlns:p14="http://schemas.microsoft.com/office/powerpoint/2010/main" val="3228125785"/>
       </p:ext>
     </p:extLst>
   </p:cSld>
@@ -3902,6 +3914,184 @@
       </p:grpSpPr>
       <p:sp>
         <p:nvSpPr>
+          <p:cNvPr id="2" name="Title 1">
+            <a:extLst>
+              <a:ext uri="{FF2B5EF4-FFF2-40B4-BE49-F238E27FC236}">
+                <a16:creationId xmlns:a16="http://schemas.microsoft.com/office/drawing/2014/main" id="{ED6608E9-FC05-44D8-8222-3537215663C0}"/>
+              </a:ext>
+            </a:extLst>
+          </p:cNvPr>
+          <p:cNvSpPr>
+            <a:spLocks noGrp="1"/>
+          </p:cNvSpPr>
+          <p:nvPr>
+            <p:ph type="title"/>
+          </p:nvPr>
+        </p:nvSpPr>
+        <p:spPr/>
+        <p:txBody>
+          <a:bodyPr/>
+          <a:lstStyle/>
+          <a:p>
+            <a:r>
+              <a:rPr lang="en-US" dirty="0"/>
+              <a:t>Resources</a:t>
+            </a:r>
+          </a:p>
+        </p:txBody>
+      </p:sp>
+      <p:sp>
+        <p:nvSpPr>
+          <p:cNvPr id="3" name="Content Placeholder 2">
+            <a:extLst>
+              <a:ext uri="{FF2B5EF4-FFF2-40B4-BE49-F238E27FC236}">
+                <a16:creationId xmlns:a16="http://schemas.microsoft.com/office/drawing/2014/main" id="{787FD2B9-0C50-480A-A2FC-0DF994952C64}"/>
+              </a:ext>
+            </a:extLst>
+          </p:cNvPr>
+          <p:cNvSpPr>
+            <a:spLocks noGrp="1"/>
+          </p:cNvSpPr>
+          <p:nvPr>
+            <p:ph idx="1"/>
+          </p:nvPr>
+        </p:nvSpPr>
+        <p:spPr>
+          <a:xfrm>
+            <a:off x="838200" y="1463040"/>
+            <a:ext cx="10515600" cy="5190977"/>
+          </a:xfrm>
+        </p:spPr>
+        <p:txBody>
+          <a:bodyPr/>
+          <a:lstStyle/>
+          <a:p>
+            <a:pPr marL="0" indent="0">
+              <a:buNone/>
+            </a:pPr>
+            <a:r>
+              <a:rPr lang="en-US" dirty="0"/>
+              <a:t>Books</a:t>
+            </a:r>
+          </a:p>
+          <a:p>
+            <a:r>
+              <a:rPr lang="en-US" dirty="0">
+                <a:hlinkClick r:id="rId2"/>
+              </a:rPr>
+              <a:t>Remote Mob Programming: At home, but not alone. Kindle Edition</a:t>
+            </a:r>
+            <a:endParaRPr lang="en-US" dirty="0"/>
+          </a:p>
+          <a:p>
+            <a:r>
+              <a:rPr lang="en-US" dirty="0">
+                <a:hlinkClick r:id="rId3"/>
+              </a:rPr>
+              <a:t>Code with the Wisdom of the Crowd by Mark Pearl</a:t>
+            </a:r>
+            <a:endParaRPr lang="en-US" dirty="0"/>
+          </a:p>
+          <a:p>
+            <a:endParaRPr lang="en-US" dirty="0"/>
+          </a:p>
+          <a:p>
+            <a:pPr marL="0" indent="0">
+              <a:buNone/>
+            </a:pPr>
+            <a:r>
+              <a:rPr lang="en-US" dirty="0"/>
+              <a:t>Videos</a:t>
+            </a:r>
+          </a:p>
+          <a:p>
+            <a:r>
+              <a:rPr lang="en-US" dirty="0">
+                <a:hlinkClick r:id="rId4"/>
+              </a:rPr>
+              <a:t>Mob Programming: A Whole Team Approach by Woody Zuill</a:t>
+            </a:r>
+            <a:endParaRPr lang="en-US" dirty="0"/>
+          </a:p>
+          <a:p>
+            <a:r>
+              <a:rPr lang="en-US" dirty="0">
+                <a:hlinkClick r:id="rId5"/>
+              </a:rPr>
+              <a:t>Taming the Mob: An Intro to Mob Programming by New Relic</a:t>
+            </a:r>
+            <a:endParaRPr lang="en-US" dirty="0"/>
+          </a:p>
+          <a:p>
+            <a:pPr marL="0" indent="0">
+              <a:buNone/>
+            </a:pPr>
+            <a:endParaRPr lang="en-US" dirty="0"/>
+          </a:p>
+          <a:p>
+            <a:pPr marL="0" indent="0">
+              <a:buNone/>
+            </a:pPr>
+            <a:r>
+              <a:rPr lang="en-US" dirty="0"/>
+              <a:t>Podcasts</a:t>
+            </a:r>
+          </a:p>
+          <a:p>
+            <a:r>
+              <a:rPr lang="en-US" dirty="0">
+                <a:hlinkClick r:id="rId6"/>
+              </a:rPr>
+              <a:t>Woody Zuill on the </a:t>
+            </a:r>
+            <a:r>
+              <a:rPr lang="en-US" dirty="0" err="1">
+                <a:hlinkClick r:id="rId6"/>
+              </a:rPr>
+              <a:t>Hanselminutes</a:t>
+            </a:r>
+            <a:r>
+              <a:rPr lang="en-US" dirty="0">
+                <a:hlinkClick r:id="rId6"/>
+              </a:rPr>
+              <a:t> Podcast</a:t>
+            </a:r>
+            <a:endParaRPr lang="en-US" dirty="0"/>
+          </a:p>
+        </p:txBody>
+      </p:sp>
+    </p:spTree>
+    <p:extLst>
+      <p:ext uri="{BB962C8B-B14F-4D97-AF65-F5344CB8AC3E}">
+        <p14:creationId xmlns:p14="http://schemas.microsoft.com/office/powerpoint/2010/main" val="3450262954"/>
+      </p:ext>
+    </p:extLst>
+  </p:cSld>
+  <p:clrMapOvr>
+    <a:masterClrMapping/>
+  </p:clrMapOvr>
+</p:sld>
+</file>
+
+<file path=ppt/slides/slide14.xml><?xml version="1.0" encoding="utf-8"?>
+<p:sld xmlns:a="http://schemas.openxmlformats.org/drawingml/2006/main" xmlns:r="http://schemas.openxmlformats.org/officeDocument/2006/relationships" xmlns:p="http://schemas.openxmlformats.org/presentationml/2006/main">
+  <p:cSld>
+    <p:spTree>
+      <p:nvGrpSpPr>
+        <p:cNvPr id="1" name=""/>
+        <p:cNvGrpSpPr/>
+        <p:nvPr/>
+      </p:nvGrpSpPr>
+      <p:grpSpPr>
+        <a:xfrm>
+          <a:off x="0" y="0"/>
+          <a:ext cx="0" cy="0"/>
+          <a:chOff x="0" y="0"/>
+          <a:chExt cx="0" cy="0"/>
+        </a:xfrm>
+      </p:grpSpPr>
+      <p:sp>
+        <p:nvSpPr>
           <p:cNvPr id="3" name="Content Placeholder 2">
             <a:extLst>
               <a:ext uri="{FF2B5EF4-FFF2-40B4-BE49-F238E27FC236}">
@@ -3971,7 +4161,7 @@
               <a:rPr lang="en-US" dirty="0">
                 <a:hlinkClick r:id="rId5"/>
               </a:rPr>
-              <a:t>Roman Numeral Calculator</a:t>
+              <a:t>Bowling Score Calculator</a:t>
             </a:r>
             <a:endParaRPr lang="en-US" dirty="0"/>
           </a:p>
@@ -3980,7 +4170,7 @@
               <a:rPr lang="en-US" dirty="0">
                 <a:hlinkClick r:id="rId6"/>
               </a:rPr>
-              <a:t>Bowling Score Calculator</a:t>
+              <a:t>Roman Numeral Calculator</a:t>
             </a:r>
             <a:endParaRPr lang="en-US" dirty="0"/>
           </a:p>
@@ -4893,7 +5083,24 @@
           <a:bodyPr/>
           <a:lstStyle/>
           <a:p>
-            <a:endParaRPr lang="en-US" dirty="0"/>
+            <a:r>
+              <a:rPr lang="en-US" dirty="0"/>
+              <a:t>On my machine, I have IntelliJ set up.</a:t>
+            </a:r>
+          </a:p>
+          <a:p>
+            <a:r>
+              <a:rPr lang="en-US" dirty="0"/>
+              <a:t>What I’d thought we’d do is </a:t>
+            </a:r>
+            <a:r>
+              <a:rPr lang="en-US"/>
+              <a:t>to give Microsoft </a:t>
+            </a:r>
+            <a:r>
+              <a:rPr lang="en-US" dirty="0"/>
+              <a:t>Teams control to the driver.</a:t>
+            </a:r>
           </a:p>
         </p:txBody>
       </p:sp>

--- a/mob.pptx
+++ b/mob.pptx
@@ -14,11 +14,12 @@
     <p:sldId id="266" r:id="rId8"/>
     <p:sldId id="265" r:id="rId9"/>
     <p:sldId id="267" r:id="rId10"/>
-    <p:sldId id="268" r:id="rId11"/>
-    <p:sldId id="269" r:id="rId12"/>
-    <p:sldId id="264" r:id="rId13"/>
-    <p:sldId id="259" r:id="rId14"/>
-    <p:sldId id="262" r:id="rId15"/>
+    <p:sldId id="270" r:id="rId11"/>
+    <p:sldId id="268" r:id="rId12"/>
+    <p:sldId id="269" r:id="rId13"/>
+    <p:sldId id="264" r:id="rId14"/>
+    <p:sldId id="259" r:id="rId15"/>
+    <p:sldId id="262" r:id="rId16"/>
   </p:sldIdLst>
   <p:sldSz cx="12192000" cy="6858000"/>
   <p:notesSz cx="6858000" cy="9144000"/>
@@ -3430,7 +3431,7 @@
           <p:cNvPr id="2" name="Title 1">
             <a:extLst>
               <a:ext uri="{FF2B5EF4-FFF2-40B4-BE49-F238E27FC236}">
-                <a16:creationId xmlns:a16="http://schemas.microsoft.com/office/drawing/2014/main" id="{411214FF-9AD0-4B5D-A538-BD473E25F39A}"/>
+                <a16:creationId xmlns:a16="http://schemas.microsoft.com/office/drawing/2014/main" id="{FBDCC87F-5CAA-43F0-BD42-F8C11EF08EF8}"/>
               </a:ext>
             </a:extLst>
           </p:cNvPr>
@@ -3448,7 +3449,7 @@
           <a:p>
             <a:r>
               <a:rPr lang="en-US" dirty="0"/>
-              <a:t>Problem Description: Calculating a Bowling Game Score</a:t>
+              <a:t>3 Katas To Choose From</a:t>
             </a:r>
           </a:p>
         </p:txBody>
@@ -3458,7 +3459,7 @@
           <p:cNvPr id="3" name="Content Placeholder 2">
             <a:extLst>
               <a:ext uri="{FF2B5EF4-FFF2-40B4-BE49-F238E27FC236}">
-                <a16:creationId xmlns:a16="http://schemas.microsoft.com/office/drawing/2014/main" id="{3A52A55A-6DB8-4111-AC04-96BFFF83AF99}"/>
+                <a16:creationId xmlns:a16="http://schemas.microsoft.com/office/drawing/2014/main" id="{FF73F5EF-56CE-4289-BA81-F9703AACDB46}"/>
               </a:ext>
             </a:extLst>
           </p:cNvPr>
@@ -3471,115 +3472,26 @@
         </p:nvSpPr>
         <p:spPr/>
         <p:txBody>
-          <a:bodyPr>
-            <a:normAutofit fontScale="55000" lnSpcReduction="20000"/>
-          </a:bodyPr>
-          <a:lstStyle/>
-          <a:p>
-            <a:pPr marL="0" indent="0">
-              <a:buNone/>
-            </a:pPr>
+          <a:bodyPr/>
+          <a:lstStyle/>
+          <a:p>
             <a:r>
               <a:rPr lang="en-US" dirty="0"/>
-              <a:t>A game of bowling consists of ten frames. Each frame except for the tenth consists of one or two balls that are rolled in an attempt to knock down the ten pins at the end of the alley. Knocking down all ten pins on the first ball of the frame is called a strike, and the second ball of the frame is not rolled. Knocking down all ten pins with both balls (having left some up with the first ball) is called a spare. If both attempts to knock down the pins leave some standing, the frame is called an open frame. A spare in the tenth frame gives the bowler one extra ball; a strike in the tenth gives him or her two extra balls. A bowling score is computed as follows. A strike counts as 10 points plus the sum of the next two balls. A spare counts as 10 points plus the next ball. Any other balls merely count as themselves, as do any bonus balls rolled as a result of a strike or a spare in the tenth frame.</a:t>
-            </a:r>
-          </a:p>
-          <a:p>
-            <a:pPr marL="0" indent="0">
-              <a:buNone/>
-            </a:pPr>
-            <a:endParaRPr lang="en-US" dirty="0"/>
-          </a:p>
-          <a:p>
-            <a:pPr marL="0" indent="0">
-              <a:buNone/>
-            </a:pPr>
+              <a:t>Bowling Score Calculator</a:t>
+            </a:r>
+          </a:p>
+          <a:p>
             <a:r>
               <a:rPr lang="en-US" dirty="0"/>
-              <a:t>Suppose for example that the sequence of balls was:</a:t>
-            </a:r>
-          </a:p>
-          <a:p>
-            <a:pPr marL="0" indent="0">
-              <a:buNone/>
-            </a:pPr>
-            <a:endParaRPr lang="en-US" dirty="0"/>
-          </a:p>
-          <a:p>
-            <a:pPr marL="0" indent="0">
-              <a:buNone/>
-            </a:pPr>
-            <a:r>
-              <a:rPr lang="en-US" dirty="0"/>
-              <a:t>1	2	3	4	5	6	7	8	9	10</a:t>
-            </a:r>
-          </a:p>
-          <a:p>
-            <a:pPr marL="0" indent="0">
-              <a:buNone/>
-            </a:pPr>
-            <a:r>
-              <a:rPr lang="en-US" dirty="0"/>
-              <a:t>9 1	0 10	10	10	6 2	7 3	8 2	10	9 0	9 1 10</a:t>
-            </a:r>
-          </a:p>
-          <a:p>
-            <a:pPr marL="0" indent="0">
-              <a:buNone/>
-            </a:pPr>
-            <a:endParaRPr lang="en-US" dirty="0"/>
-          </a:p>
-          <a:p>
-            <a:pPr marL="0" indent="0">
-              <a:buNone/>
-            </a:pPr>
-            <a:r>
-              <a:rPr lang="en-US" dirty="0"/>
-              <a:t>The cumulative score for the ten frames would be</a:t>
-            </a:r>
-          </a:p>
-          <a:p>
-            <a:pPr marL="0" indent="0">
-              <a:buNone/>
-            </a:pPr>
-            <a:endParaRPr lang="en-US" dirty="0"/>
-          </a:p>
-          <a:p>
-            <a:pPr marL="0" indent="0">
-              <a:buNone/>
-            </a:pPr>
-            <a:r>
-              <a:rPr lang="en-US" dirty="0"/>
-              <a:t>1	2	3	4	5	6	7	8	9	10</a:t>
-            </a:r>
-          </a:p>
-          <a:p>
-            <a:pPr marL="0" indent="0">
-              <a:buNone/>
-            </a:pPr>
-            <a:r>
-              <a:rPr lang="en-US" dirty="0"/>
-              <a:t>10	30	56	74	82	100	120	139	148	168</a:t>
-            </a:r>
-          </a:p>
-          <a:p>
-            <a:pPr marL="0" indent="0">
-              <a:buNone/>
-            </a:pPr>
-            <a:endParaRPr lang="en-US" dirty="0"/>
-          </a:p>
-          <a:p>
-            <a:pPr marL="0" indent="0">
-              <a:buNone/>
-            </a:pPr>
-            <a:endParaRPr lang="en-US" dirty="0"/>
+              <a:t>Roman Numeral Converter</a:t>
+            </a:r>
           </a:p>
         </p:txBody>
       </p:sp>
     </p:spTree>
     <p:extLst>
       <p:ext uri="{BB962C8B-B14F-4D97-AF65-F5344CB8AC3E}">
-        <p14:creationId xmlns:p14="http://schemas.microsoft.com/office/powerpoint/2010/main" val="28367977"/>
+        <p14:creationId xmlns:p14="http://schemas.microsoft.com/office/powerpoint/2010/main" val="1274196997"/>
       </p:ext>
     </p:extLst>
   </p:cSld>
@@ -3624,47 +3536,45 @@
         </p:nvSpPr>
         <p:spPr/>
         <p:txBody>
+          <a:bodyPr/>
+          <a:lstStyle/>
+          <a:p>
+            <a:r>
+              <a:rPr lang="en-US" dirty="0"/>
+              <a:t>Problem Description: Calculating a Bowling Game Score</a:t>
+            </a:r>
+          </a:p>
+        </p:txBody>
+      </p:sp>
+      <p:sp>
+        <p:nvSpPr>
+          <p:cNvPr id="3" name="Content Placeholder 2">
+            <a:extLst>
+              <a:ext uri="{FF2B5EF4-FFF2-40B4-BE49-F238E27FC236}">
+                <a16:creationId xmlns:a16="http://schemas.microsoft.com/office/drawing/2014/main" id="{3A52A55A-6DB8-4111-AC04-96BFFF83AF99}"/>
+              </a:ext>
+            </a:extLst>
+          </p:cNvPr>
+          <p:cNvSpPr>
+            <a:spLocks noGrp="1"/>
+          </p:cNvSpPr>
+          <p:nvPr>
+            <p:ph idx="1"/>
+          </p:nvPr>
+        </p:nvSpPr>
+        <p:spPr/>
+        <p:txBody>
           <a:bodyPr>
-            <a:normAutofit/>
+            <a:normAutofit fontScale="55000" lnSpcReduction="20000"/>
           </a:bodyPr>
           <a:lstStyle/>
           <a:p>
+            <a:pPr marL="0" indent="0">
+              <a:buNone/>
+            </a:pPr>
             <a:r>
               <a:rPr lang="en-US" dirty="0"/>
-              <a:t>Problem Description: Convert Roman Numeral to Their Arabic Equivalent</a:t>
-            </a:r>
-          </a:p>
-        </p:txBody>
-      </p:sp>
-      <p:sp>
-        <p:nvSpPr>
-          <p:cNvPr id="3" name="Content Placeholder 2">
-            <a:extLst>
-              <a:ext uri="{FF2B5EF4-FFF2-40B4-BE49-F238E27FC236}">
-                <a16:creationId xmlns:a16="http://schemas.microsoft.com/office/drawing/2014/main" id="{3A52A55A-6DB8-4111-AC04-96BFFF83AF99}"/>
-              </a:ext>
-            </a:extLst>
-          </p:cNvPr>
-          <p:cNvSpPr>
-            <a:spLocks noGrp="1"/>
-          </p:cNvSpPr>
-          <p:nvPr>
-            <p:ph idx="1"/>
-          </p:nvPr>
-        </p:nvSpPr>
-        <p:spPr/>
-        <p:txBody>
-          <a:bodyPr>
-            <a:normAutofit fontScale="62500" lnSpcReduction="20000"/>
-          </a:bodyPr>
-          <a:lstStyle/>
-          <a:p>
-            <a:pPr marL="0" indent="0">
-              <a:buNone/>
-            </a:pPr>
-            <a:r>
-              <a:rPr lang="en-US" dirty="0"/>
-              <a:t>Create a program that takes a list of strings (roman numerals) and returns a list of numbers assume the number is between 1 and 3999, inclusively. The Romans wrote their numbers using letters; specifically the letters 'I' meaning '1', 'V' meaning '5', 'X' meaning '10', 'L' meaning '50', 'C' meaning '100', 'D' meaning '500', and 'M' meaning '1000' There were certain rules that the numerals followed which should be observed:</a:t>
+              <a:t>A game of bowling consists of ten frames. Each frame except for the tenth consists of one or two balls that are rolled in an attempt to knock down the ten pins at the end of the alley. Knocking down all ten pins on the first ball of the frame is called a strike, and the second ball of the frame is not rolled. Knocking down all ten pins with both balls (having left some up with the first ball) is called a spare. If both attempts to knock down the pins leave some standing, the frame is called an open frame. A spare in the tenth frame gives the bowler one extra ball; a strike in the tenth gives him or her two extra balls. A bowling score is computed as follows. A strike counts as 10 points plus the sum of the next two balls. A spare counts as 10 points plus the next ball. Any other balls merely count as themselves, as do any bonus balls rolled as a result of a strike or a spare in the tenth frame.</a:t>
             </a:r>
           </a:p>
           <a:p>
@@ -3679,7 +3589,7 @@
             </a:pPr>
             <a:r>
               <a:rPr lang="en-US" dirty="0"/>
-              <a:t>* The symbols 'I', 'X', 'C', and 'M' can be repeated at most 3 times in a row.</a:t>
+              <a:t>Suppose for example that the sequence of balls was:</a:t>
             </a:r>
           </a:p>
           <a:p>
@@ -3694,7 +3604,16 @@
             </a:pPr>
             <a:r>
               <a:rPr lang="en-US" dirty="0"/>
-              <a:t>* The symbols 'V', 'L', and 'D' can never be repeated</a:t>
+              <a:t>1	2	3	4	5	6	7	8	9	10</a:t>
+            </a:r>
+          </a:p>
+          <a:p>
+            <a:pPr marL="0" indent="0">
+              <a:buNone/>
+            </a:pPr>
+            <a:r>
+              <a:rPr lang="en-US" dirty="0"/>
+              <a:t>9 1	0 10	10	10	6 2	7 3	8 2	10	9 0	9 1 10</a:t>
             </a:r>
           </a:p>
           <a:p>
@@ -3709,16 +3628,7 @@
             </a:pPr>
             <a:r>
               <a:rPr lang="en-US" dirty="0"/>
-              <a:t>* The '1' symbols ('I', 'X', and 'C') can only be subtracted from the 2 next highest values </a:t>
-            </a:r>
-          </a:p>
-          <a:p>
-            <a:pPr marL="0" indent="0">
-              <a:buNone/>
-            </a:pPr>
-            <a:r>
-              <a:rPr lang="en-US" dirty="0"/>
-              <a:t>(e.g. 'IV' and 'IX', 'XL' and 'XC', 'CD' and 'CM’)</a:t>
+              <a:t>The cumulative score for the ten frames would be</a:t>
             </a:r>
           </a:p>
           <a:p>
@@ -3733,7 +3643,7 @@
             </a:pPr>
             <a:r>
               <a:rPr lang="en-US" dirty="0"/>
-              <a:t>* Only one subtraction can be made per numeral ('XC' is allowed, 'XXC' is not) The '5' symbols </a:t>
+              <a:t>1	2	3	4	5	6	7	8	9	10</a:t>
             </a:r>
           </a:p>
           <a:p>
@@ -3742,14 +3652,8 @@
             </a:pPr>
             <a:r>
               <a:rPr lang="en-US" dirty="0"/>
-              <a:t>('V', 'L', and 'D') can never be subtracted</a:t>
-            </a:r>
-          </a:p>
-          <a:p>
-            <a:pPr marL="0" indent="0">
-              <a:buNone/>
-            </a:pPr>
-            <a:endParaRPr lang="en-US" dirty="0"/>
+              <a:t>10	30	56	74	82	100	120	139	148	168</a:t>
+            </a:r>
           </a:p>
           <a:p>
             <a:pPr marL="0" indent="0">
@@ -3768,7 +3672,7 @@
     </p:spTree>
     <p:extLst>
       <p:ext uri="{BB962C8B-B14F-4D97-AF65-F5344CB8AC3E}">
-        <p14:creationId xmlns:p14="http://schemas.microsoft.com/office/powerpoint/2010/main" val="4086510305"/>
+        <p14:creationId xmlns:p14="http://schemas.microsoft.com/office/powerpoint/2010/main" val="28367977"/>
       </p:ext>
     </p:extLst>
   </p:cSld>
@@ -3800,7 +3704,7 @@
           <p:cNvPr id="2" name="Title 1">
             <a:extLst>
               <a:ext uri="{FF2B5EF4-FFF2-40B4-BE49-F238E27FC236}">
-                <a16:creationId xmlns:a16="http://schemas.microsoft.com/office/drawing/2014/main" id="{00FB4352-F206-4311-809D-ECACBF8231B4}"/>
+                <a16:creationId xmlns:a16="http://schemas.microsoft.com/office/drawing/2014/main" id="{411214FF-9AD0-4B5D-A538-BD473E25F39A}"/>
               </a:ext>
             </a:extLst>
           </p:cNvPr>
@@ -3813,12 +3717,14 @@
         </p:nvSpPr>
         <p:spPr/>
         <p:txBody>
-          <a:bodyPr/>
+          <a:bodyPr>
+            <a:normAutofit/>
+          </a:bodyPr>
           <a:lstStyle/>
           <a:p>
             <a:r>
               <a:rPr lang="en-US" dirty="0"/>
-              <a:t>Problem Prospects – Take a Vote?</a:t>
+              <a:t>Problem Description: Convert Roman Numeral to Their Arabic Equivalent</a:t>
             </a:r>
           </a:p>
         </p:txBody>
@@ -3828,7 +3734,7 @@
           <p:cNvPr id="3" name="Content Placeholder 2">
             <a:extLst>
               <a:ext uri="{FF2B5EF4-FFF2-40B4-BE49-F238E27FC236}">
-                <a16:creationId xmlns:a16="http://schemas.microsoft.com/office/drawing/2014/main" id="{7BB45C19-3A87-4414-B693-500F80A36DE6}"/>
+                <a16:creationId xmlns:a16="http://schemas.microsoft.com/office/drawing/2014/main" id="{3A52A55A-6DB8-4111-AC04-96BFFF83AF99}"/>
               </a:ext>
             </a:extLst>
           </p:cNvPr>
@@ -3841,43 +3747,113 @@
         </p:nvSpPr>
         <p:spPr/>
         <p:txBody>
-          <a:bodyPr/>
-          <a:lstStyle/>
-          <a:p>
-            <a:r>
-              <a:rPr lang="en-US"/>
-              <a:t>Bowling Score Calculator</a:t>
-            </a:r>
-          </a:p>
-          <a:p>
-            <a:r>
-              <a:rPr lang="en-US"/>
-              <a:t>Roman </a:t>
-            </a:r>
+          <a:bodyPr>
+            <a:normAutofit fontScale="62500" lnSpcReduction="20000"/>
+          </a:bodyPr>
+          <a:lstStyle/>
+          <a:p>
+            <a:pPr marL="0" indent="0">
+              <a:buNone/>
+            </a:pPr>
             <a:r>
               <a:rPr lang="en-US" dirty="0"/>
-              <a:t>Numeral Translator: C</a:t>
-            </a:r>
-            <a:r>
-              <a:rPr lang="en-US" b="0" i="0" dirty="0">
-                <a:solidFill>
-                  <a:srgbClr val="000000"/>
-                </a:solidFill>
-                <a:effectLst/>
-                <a:latin typeface="arial" panose="020B0604020202020204" pitchFamily="34" charset="0"/>
-              </a:rPr>
-              <a:t>onvert Roman numerals into Arabic numbers or vice </a:t>
-            </a:r>
-            <a:r>
-              <a:rPr lang="en-US" b="0" i="0">
-                <a:solidFill>
-                  <a:srgbClr val="000000"/>
-                </a:solidFill>
-                <a:effectLst/>
-                <a:latin typeface="arial" panose="020B0604020202020204" pitchFamily="34" charset="0"/>
-              </a:rPr>
-              <a:t>versa.</a:t>
-            </a:r>
+              <a:t>Create a program that takes a list of strings (roman numerals) and returns a list of numbers assume the number is between 1 and 3999, inclusively. The Romans wrote their numbers using letters; specifically the letters 'I' meaning '1', 'V' meaning '5', 'X' meaning '10', 'L' meaning '50', 'C' meaning '100', 'D' meaning '500', and 'M' meaning '1000' There were certain rules that the numerals followed which should be observed:</a:t>
+            </a:r>
+          </a:p>
+          <a:p>
+            <a:pPr marL="0" indent="0">
+              <a:buNone/>
+            </a:pPr>
+            <a:endParaRPr lang="en-US" dirty="0"/>
+          </a:p>
+          <a:p>
+            <a:pPr marL="0" indent="0">
+              <a:buNone/>
+            </a:pPr>
+            <a:r>
+              <a:rPr lang="en-US" dirty="0"/>
+              <a:t>* The symbols 'I', 'X', 'C', and 'M' can be repeated at most 3 times in a row.</a:t>
+            </a:r>
+          </a:p>
+          <a:p>
+            <a:pPr marL="0" indent="0">
+              <a:buNone/>
+            </a:pPr>
+            <a:endParaRPr lang="en-US" dirty="0"/>
+          </a:p>
+          <a:p>
+            <a:pPr marL="0" indent="0">
+              <a:buNone/>
+            </a:pPr>
+            <a:r>
+              <a:rPr lang="en-US" dirty="0"/>
+              <a:t>* The symbols 'V', 'L', and 'D' can never be repeated</a:t>
+            </a:r>
+          </a:p>
+          <a:p>
+            <a:pPr marL="0" indent="0">
+              <a:buNone/>
+            </a:pPr>
+            <a:endParaRPr lang="en-US" dirty="0"/>
+          </a:p>
+          <a:p>
+            <a:pPr marL="0" indent="0">
+              <a:buNone/>
+            </a:pPr>
+            <a:r>
+              <a:rPr lang="en-US" dirty="0"/>
+              <a:t>* The '1' symbols ('I', 'X', and 'C') can only be subtracted from the 2 next highest values </a:t>
+            </a:r>
+          </a:p>
+          <a:p>
+            <a:pPr marL="0" indent="0">
+              <a:buNone/>
+            </a:pPr>
+            <a:r>
+              <a:rPr lang="en-US" dirty="0"/>
+              <a:t>(e.g. 'IV' and 'IX', 'XL' and 'XC', 'CD' and 'CM’)</a:t>
+            </a:r>
+          </a:p>
+          <a:p>
+            <a:pPr marL="0" indent="0">
+              <a:buNone/>
+            </a:pPr>
+            <a:endParaRPr lang="en-US" dirty="0"/>
+          </a:p>
+          <a:p>
+            <a:pPr marL="0" indent="0">
+              <a:buNone/>
+            </a:pPr>
+            <a:r>
+              <a:rPr lang="en-US" dirty="0"/>
+              <a:t>* Only one subtraction can be made per numeral ('XC' is allowed, 'XXC' is not) The '5' symbols </a:t>
+            </a:r>
+          </a:p>
+          <a:p>
+            <a:pPr marL="0" indent="0">
+              <a:buNone/>
+            </a:pPr>
+            <a:r>
+              <a:rPr lang="en-US" dirty="0"/>
+              <a:t>('V', 'L', and 'D') can never be subtracted</a:t>
+            </a:r>
+          </a:p>
+          <a:p>
+            <a:pPr marL="0" indent="0">
+              <a:buNone/>
+            </a:pPr>
+            <a:endParaRPr lang="en-US" dirty="0"/>
+          </a:p>
+          <a:p>
+            <a:pPr marL="0" indent="0">
+              <a:buNone/>
+            </a:pPr>
+            <a:endParaRPr lang="en-US" dirty="0"/>
+          </a:p>
+          <a:p>
+            <a:pPr marL="0" indent="0">
+              <a:buNone/>
+            </a:pPr>
             <a:endParaRPr lang="en-US" dirty="0"/>
           </a:p>
         </p:txBody>
@@ -3885,7 +3861,7 @@
     </p:spTree>
     <p:extLst>
       <p:ext uri="{BB962C8B-B14F-4D97-AF65-F5344CB8AC3E}">
-        <p14:creationId xmlns:p14="http://schemas.microsoft.com/office/powerpoint/2010/main" val="3228125785"/>
+        <p14:creationId xmlns:p14="http://schemas.microsoft.com/office/powerpoint/2010/main" val="4086510305"/>
       </p:ext>
     </p:extLst>
   </p:cSld>
@@ -3917,6 +3893,123 @@
           <p:cNvPr id="2" name="Title 1">
             <a:extLst>
               <a:ext uri="{FF2B5EF4-FFF2-40B4-BE49-F238E27FC236}">
+                <a16:creationId xmlns:a16="http://schemas.microsoft.com/office/drawing/2014/main" id="{00FB4352-F206-4311-809D-ECACBF8231B4}"/>
+              </a:ext>
+            </a:extLst>
+          </p:cNvPr>
+          <p:cNvSpPr>
+            <a:spLocks noGrp="1"/>
+          </p:cNvSpPr>
+          <p:nvPr>
+            <p:ph type="title"/>
+          </p:nvPr>
+        </p:nvSpPr>
+        <p:spPr/>
+        <p:txBody>
+          <a:bodyPr/>
+          <a:lstStyle/>
+          <a:p>
+            <a:r>
+              <a:rPr lang="en-US" dirty="0"/>
+              <a:t>Problem Prospects – Take a Vote?</a:t>
+            </a:r>
+          </a:p>
+        </p:txBody>
+      </p:sp>
+      <p:sp>
+        <p:nvSpPr>
+          <p:cNvPr id="3" name="Content Placeholder 2">
+            <a:extLst>
+              <a:ext uri="{FF2B5EF4-FFF2-40B4-BE49-F238E27FC236}">
+                <a16:creationId xmlns:a16="http://schemas.microsoft.com/office/drawing/2014/main" id="{7BB45C19-3A87-4414-B693-500F80A36DE6}"/>
+              </a:ext>
+            </a:extLst>
+          </p:cNvPr>
+          <p:cNvSpPr>
+            <a:spLocks noGrp="1"/>
+          </p:cNvSpPr>
+          <p:nvPr>
+            <p:ph idx="1"/>
+          </p:nvPr>
+        </p:nvSpPr>
+        <p:spPr/>
+        <p:txBody>
+          <a:bodyPr/>
+          <a:lstStyle/>
+          <a:p>
+            <a:r>
+              <a:rPr lang="en-US"/>
+              <a:t>Bowling Score Calculator</a:t>
+            </a:r>
+          </a:p>
+          <a:p>
+            <a:r>
+              <a:rPr lang="en-US"/>
+              <a:t>Roman </a:t>
+            </a:r>
+            <a:r>
+              <a:rPr lang="en-US" dirty="0"/>
+              <a:t>Numeral Translator: C</a:t>
+            </a:r>
+            <a:r>
+              <a:rPr lang="en-US" b="0" i="0" dirty="0">
+                <a:solidFill>
+                  <a:srgbClr val="000000"/>
+                </a:solidFill>
+                <a:effectLst/>
+                <a:latin typeface="arial" panose="020B0604020202020204" pitchFamily="34" charset="0"/>
+              </a:rPr>
+              <a:t>onvert Roman numerals into Arabic numbers or vice </a:t>
+            </a:r>
+            <a:r>
+              <a:rPr lang="en-US" b="0" i="0">
+                <a:solidFill>
+                  <a:srgbClr val="000000"/>
+                </a:solidFill>
+                <a:effectLst/>
+                <a:latin typeface="arial" panose="020B0604020202020204" pitchFamily="34" charset="0"/>
+              </a:rPr>
+              <a:t>versa.</a:t>
+            </a:r>
+            <a:endParaRPr lang="en-US" dirty="0"/>
+          </a:p>
+        </p:txBody>
+      </p:sp>
+    </p:spTree>
+    <p:extLst>
+      <p:ext uri="{BB962C8B-B14F-4D97-AF65-F5344CB8AC3E}">
+        <p14:creationId xmlns:p14="http://schemas.microsoft.com/office/powerpoint/2010/main" val="3228125785"/>
+      </p:ext>
+    </p:extLst>
+  </p:cSld>
+  <p:clrMapOvr>
+    <a:masterClrMapping/>
+  </p:clrMapOvr>
+</p:sld>
+</file>
+
+<file path=ppt/slides/slide14.xml><?xml version="1.0" encoding="utf-8"?>
+<p:sld xmlns:a="http://schemas.openxmlformats.org/drawingml/2006/main" xmlns:r="http://schemas.openxmlformats.org/officeDocument/2006/relationships" xmlns:p="http://schemas.openxmlformats.org/presentationml/2006/main">
+  <p:cSld>
+    <p:spTree>
+      <p:nvGrpSpPr>
+        <p:cNvPr id="1" name=""/>
+        <p:cNvGrpSpPr/>
+        <p:nvPr/>
+      </p:nvGrpSpPr>
+      <p:grpSpPr>
+        <a:xfrm>
+          <a:off x="0" y="0"/>
+          <a:ext cx="0" cy="0"/>
+          <a:chOff x="0" y="0"/>
+          <a:chExt cx="0" cy="0"/>
+        </a:xfrm>
+      </p:grpSpPr>
+      <p:sp>
+        <p:nvSpPr>
+          <p:cNvPr id="2" name="Title 1">
+            <a:extLst>
+              <a:ext uri="{FF2B5EF4-FFF2-40B4-BE49-F238E27FC236}">
                 <a16:creationId xmlns:a16="http://schemas.microsoft.com/office/drawing/2014/main" id="{ED6608E9-FC05-44D8-8222-3537215663C0}"/>
               </a:ext>
             </a:extLst>
@@ -4073,7 +4166,7 @@
 </p:sld>
 </file>
 
-<file path=ppt/slides/slide14.xml><?xml version="1.0" encoding="utf-8"?>
+<file path=ppt/slides/slide15.xml><?xml version="1.0" encoding="utf-8"?>
 <p:sld xmlns:a="http://schemas.openxmlformats.org/drawingml/2006/main" xmlns:r="http://schemas.openxmlformats.org/officeDocument/2006/relationships" xmlns:p="http://schemas.openxmlformats.org/presentationml/2006/main">
   <p:cSld>
     <p:spTree>
@@ -5091,15 +5184,7 @@
           <a:p>
             <a:r>
               <a:rPr lang="en-US" dirty="0"/>
-              <a:t>What I’d thought we’d do is </a:t>
-            </a:r>
-            <a:r>
-              <a:rPr lang="en-US"/>
-              <a:t>to give Microsoft </a:t>
-            </a:r>
-            <a:r>
-              <a:rPr lang="en-US" dirty="0"/>
-              <a:t>Teams control to the driver.</a:t>
+              <a:t>What I’d thought we’d do is to give Microsoft Teams control to the driver.</a:t>
             </a:r>
           </a:p>
         </p:txBody>

--- a/mob.pptx
+++ b/mob.pptx
@@ -273,7 +273,7 @@
           <a:p>
             <a:fld id="{86FCFB96-917D-4A92-B206-4CEFDD05F1CC}" type="datetimeFigureOut">
               <a:rPr lang="en-US" smtClean="0"/>
-              <a:t>11/15/2020</a:t>
+              <a:t>11/18/2020</a:t>
             </a:fld>
             <a:endParaRPr lang="en-US"/>
           </a:p>
@@ -471,7 +471,7 @@
           <a:p>
             <a:fld id="{86FCFB96-917D-4A92-B206-4CEFDD05F1CC}" type="datetimeFigureOut">
               <a:rPr lang="en-US" smtClean="0"/>
-              <a:t>11/15/2020</a:t>
+              <a:t>11/18/2020</a:t>
             </a:fld>
             <a:endParaRPr lang="en-US"/>
           </a:p>
@@ -679,7 +679,7 @@
           <a:p>
             <a:fld id="{86FCFB96-917D-4A92-B206-4CEFDD05F1CC}" type="datetimeFigureOut">
               <a:rPr lang="en-US" smtClean="0"/>
-              <a:t>11/15/2020</a:t>
+              <a:t>11/18/2020</a:t>
             </a:fld>
             <a:endParaRPr lang="en-US"/>
           </a:p>
@@ -877,7 +877,7 @@
           <a:p>
             <a:fld id="{86FCFB96-917D-4A92-B206-4CEFDD05F1CC}" type="datetimeFigureOut">
               <a:rPr lang="en-US" smtClean="0"/>
-              <a:t>11/15/2020</a:t>
+              <a:t>11/18/2020</a:t>
             </a:fld>
             <a:endParaRPr lang="en-US"/>
           </a:p>
@@ -1152,7 +1152,7 @@
           <a:p>
             <a:fld id="{86FCFB96-917D-4A92-B206-4CEFDD05F1CC}" type="datetimeFigureOut">
               <a:rPr lang="en-US" smtClean="0"/>
-              <a:t>11/15/2020</a:t>
+              <a:t>11/18/2020</a:t>
             </a:fld>
             <a:endParaRPr lang="en-US"/>
           </a:p>
@@ -1417,7 +1417,7 @@
           <a:p>
             <a:fld id="{86FCFB96-917D-4A92-B206-4CEFDD05F1CC}" type="datetimeFigureOut">
               <a:rPr lang="en-US" smtClean="0"/>
-              <a:t>11/15/2020</a:t>
+              <a:t>11/18/2020</a:t>
             </a:fld>
             <a:endParaRPr lang="en-US"/>
           </a:p>
@@ -1829,7 +1829,7 @@
           <a:p>
             <a:fld id="{86FCFB96-917D-4A92-B206-4CEFDD05F1CC}" type="datetimeFigureOut">
               <a:rPr lang="en-US" smtClean="0"/>
-              <a:t>11/15/2020</a:t>
+              <a:t>11/18/2020</a:t>
             </a:fld>
             <a:endParaRPr lang="en-US"/>
           </a:p>
@@ -1970,7 +1970,7 @@
           <a:p>
             <a:fld id="{86FCFB96-917D-4A92-B206-4CEFDD05F1CC}" type="datetimeFigureOut">
               <a:rPr lang="en-US" smtClean="0"/>
-              <a:t>11/15/2020</a:t>
+              <a:t>11/18/2020</a:t>
             </a:fld>
             <a:endParaRPr lang="en-US"/>
           </a:p>
@@ -2083,7 +2083,7 @@
           <a:p>
             <a:fld id="{86FCFB96-917D-4A92-B206-4CEFDD05F1CC}" type="datetimeFigureOut">
               <a:rPr lang="en-US" smtClean="0"/>
-              <a:t>11/15/2020</a:t>
+              <a:t>11/18/2020</a:t>
             </a:fld>
             <a:endParaRPr lang="en-US"/>
           </a:p>
@@ -2394,7 +2394,7 @@
           <a:p>
             <a:fld id="{86FCFB96-917D-4A92-B206-4CEFDD05F1CC}" type="datetimeFigureOut">
               <a:rPr lang="en-US" smtClean="0"/>
-              <a:t>11/15/2020</a:t>
+              <a:t>11/18/2020</a:t>
             </a:fld>
             <a:endParaRPr lang="en-US"/>
           </a:p>
@@ -2682,7 +2682,7 @@
           <a:p>
             <a:fld id="{86FCFB96-917D-4A92-B206-4CEFDD05F1CC}" type="datetimeFigureOut">
               <a:rPr lang="en-US" smtClean="0"/>
-              <a:t>11/15/2020</a:t>
+              <a:t>11/18/2020</a:t>
             </a:fld>
             <a:endParaRPr lang="en-US"/>
           </a:p>
@@ -2923,7 +2923,7 @@
           <a:p>
             <a:fld id="{86FCFB96-917D-4A92-B206-4CEFDD05F1CC}" type="datetimeFigureOut">
               <a:rPr lang="en-US" smtClean="0"/>
-              <a:t>11/15/2020</a:t>
+              <a:t>11/18/2020</a:t>
             </a:fld>
             <a:endParaRPr lang="en-US"/>
           </a:p>
@@ -4207,7 +4207,7 @@
         </p:spPr>
         <p:txBody>
           <a:bodyPr>
-            <a:normAutofit fontScale="92500" lnSpcReduction="10000"/>
+            <a:normAutofit fontScale="92500" lnSpcReduction="20000"/>
           </a:bodyPr>
           <a:lstStyle/>
           <a:p>
@@ -4298,6 +4298,15 @@
             <a:endParaRPr lang="en-US" dirty="0"/>
           </a:p>
           <a:p>
+            <a:r>
+              <a:rPr lang="en-US" dirty="0">
+                <a:hlinkClick r:id="rId9"/>
+              </a:rPr>
+              <a:t>Roman Numeral Kata</a:t>
+            </a:r>
+            <a:endParaRPr lang="en-US" dirty="0"/>
+          </a:p>
+          <a:p>
             <a:pPr marL="0" indent="0">
               <a:buNone/>
             </a:pPr>
@@ -4315,7 +4324,7 @@
           <a:p>
             <a:r>
               <a:rPr lang="en-US" dirty="0">
-                <a:hlinkClick r:id="rId9"/>
+                <a:hlinkClick r:id="rId10"/>
               </a:rPr>
               <a:t>Setting up a Java Development Environment</a:t>
             </a:r>

--- a/mob.pptx
+++ b/mob.pptx
@@ -273,7 +273,7 @@
           <a:p>
             <a:fld id="{86FCFB96-917D-4A92-B206-4CEFDD05F1CC}" type="datetimeFigureOut">
               <a:rPr lang="en-US" smtClean="0"/>
-              <a:t>11/18/2020</a:t>
+              <a:t>11/21/2020</a:t>
             </a:fld>
             <a:endParaRPr lang="en-US"/>
           </a:p>
@@ -471,7 +471,7 @@
           <a:p>
             <a:fld id="{86FCFB96-917D-4A92-B206-4CEFDD05F1CC}" type="datetimeFigureOut">
               <a:rPr lang="en-US" smtClean="0"/>
-              <a:t>11/18/2020</a:t>
+              <a:t>11/21/2020</a:t>
             </a:fld>
             <a:endParaRPr lang="en-US"/>
           </a:p>
@@ -679,7 +679,7 @@
           <a:p>
             <a:fld id="{86FCFB96-917D-4A92-B206-4CEFDD05F1CC}" type="datetimeFigureOut">
               <a:rPr lang="en-US" smtClean="0"/>
-              <a:t>11/18/2020</a:t>
+              <a:t>11/21/2020</a:t>
             </a:fld>
             <a:endParaRPr lang="en-US"/>
           </a:p>
@@ -877,7 +877,7 @@
           <a:p>
             <a:fld id="{86FCFB96-917D-4A92-B206-4CEFDD05F1CC}" type="datetimeFigureOut">
               <a:rPr lang="en-US" smtClean="0"/>
-              <a:t>11/18/2020</a:t>
+              <a:t>11/21/2020</a:t>
             </a:fld>
             <a:endParaRPr lang="en-US"/>
           </a:p>
@@ -1152,7 +1152,7 @@
           <a:p>
             <a:fld id="{86FCFB96-917D-4A92-B206-4CEFDD05F1CC}" type="datetimeFigureOut">
               <a:rPr lang="en-US" smtClean="0"/>
-              <a:t>11/18/2020</a:t>
+              <a:t>11/21/2020</a:t>
             </a:fld>
             <a:endParaRPr lang="en-US"/>
           </a:p>
@@ -1417,7 +1417,7 @@
           <a:p>
             <a:fld id="{86FCFB96-917D-4A92-B206-4CEFDD05F1CC}" type="datetimeFigureOut">
               <a:rPr lang="en-US" smtClean="0"/>
-              <a:t>11/18/2020</a:t>
+              <a:t>11/21/2020</a:t>
             </a:fld>
             <a:endParaRPr lang="en-US"/>
           </a:p>
@@ -1829,7 +1829,7 @@
           <a:p>
             <a:fld id="{86FCFB96-917D-4A92-B206-4CEFDD05F1CC}" type="datetimeFigureOut">
               <a:rPr lang="en-US" smtClean="0"/>
-              <a:t>11/18/2020</a:t>
+              <a:t>11/21/2020</a:t>
             </a:fld>
             <a:endParaRPr lang="en-US"/>
           </a:p>
@@ -1970,7 +1970,7 @@
           <a:p>
             <a:fld id="{86FCFB96-917D-4A92-B206-4CEFDD05F1CC}" type="datetimeFigureOut">
               <a:rPr lang="en-US" smtClean="0"/>
-              <a:t>11/18/2020</a:t>
+              <a:t>11/21/2020</a:t>
             </a:fld>
             <a:endParaRPr lang="en-US"/>
           </a:p>
@@ -2083,7 +2083,7 @@
           <a:p>
             <a:fld id="{86FCFB96-917D-4A92-B206-4CEFDD05F1CC}" type="datetimeFigureOut">
               <a:rPr lang="en-US" smtClean="0"/>
-              <a:t>11/18/2020</a:t>
+              <a:t>11/21/2020</a:t>
             </a:fld>
             <a:endParaRPr lang="en-US"/>
           </a:p>
@@ -2394,7 +2394,7 @@
           <a:p>
             <a:fld id="{86FCFB96-917D-4A92-B206-4CEFDD05F1CC}" type="datetimeFigureOut">
               <a:rPr lang="en-US" smtClean="0"/>
-              <a:t>11/18/2020</a:t>
+              <a:t>11/21/2020</a:t>
             </a:fld>
             <a:endParaRPr lang="en-US"/>
           </a:p>
@@ -2682,7 +2682,7 @@
           <a:p>
             <a:fld id="{86FCFB96-917D-4A92-B206-4CEFDD05F1CC}" type="datetimeFigureOut">
               <a:rPr lang="en-US" smtClean="0"/>
-              <a:t>11/18/2020</a:t>
+              <a:t>11/21/2020</a:t>
             </a:fld>
             <a:endParaRPr lang="en-US"/>
           </a:p>
@@ -2923,7 +2923,7 @@
           <a:p>
             <a:fld id="{86FCFB96-917D-4A92-B206-4CEFDD05F1CC}" type="datetimeFigureOut">
               <a:rPr lang="en-US" smtClean="0"/>
-              <a:t>11/18/2020</a:t>
+              <a:t>11/21/2020</a:t>
             </a:fld>
             <a:endParaRPr lang="en-US"/>
           </a:p>

--- a/mob.pptx
+++ b/mob.pptx
@@ -273,7 +273,7 @@
           <a:p>
             <a:fld id="{86FCFB96-917D-4A92-B206-4CEFDD05F1CC}" type="datetimeFigureOut">
               <a:rPr lang="en-US" smtClean="0"/>
-              <a:t>11/21/2020</a:t>
+              <a:t>11/22/2020</a:t>
             </a:fld>
             <a:endParaRPr lang="en-US"/>
           </a:p>
@@ -471,7 +471,7 @@
           <a:p>
             <a:fld id="{86FCFB96-917D-4A92-B206-4CEFDD05F1CC}" type="datetimeFigureOut">
               <a:rPr lang="en-US" smtClean="0"/>
-              <a:t>11/21/2020</a:t>
+              <a:t>11/22/2020</a:t>
             </a:fld>
             <a:endParaRPr lang="en-US"/>
           </a:p>
@@ -679,7 +679,7 @@
           <a:p>
             <a:fld id="{86FCFB96-917D-4A92-B206-4CEFDD05F1CC}" type="datetimeFigureOut">
               <a:rPr lang="en-US" smtClean="0"/>
-              <a:t>11/21/2020</a:t>
+              <a:t>11/22/2020</a:t>
             </a:fld>
             <a:endParaRPr lang="en-US"/>
           </a:p>
@@ -877,7 +877,7 @@
           <a:p>
             <a:fld id="{86FCFB96-917D-4A92-B206-4CEFDD05F1CC}" type="datetimeFigureOut">
               <a:rPr lang="en-US" smtClean="0"/>
-              <a:t>11/21/2020</a:t>
+              <a:t>11/22/2020</a:t>
             </a:fld>
             <a:endParaRPr lang="en-US"/>
           </a:p>
@@ -1152,7 +1152,7 @@
           <a:p>
             <a:fld id="{86FCFB96-917D-4A92-B206-4CEFDD05F1CC}" type="datetimeFigureOut">
               <a:rPr lang="en-US" smtClean="0"/>
-              <a:t>11/21/2020</a:t>
+              <a:t>11/22/2020</a:t>
             </a:fld>
             <a:endParaRPr lang="en-US"/>
           </a:p>
@@ -1417,7 +1417,7 @@
           <a:p>
             <a:fld id="{86FCFB96-917D-4A92-B206-4CEFDD05F1CC}" type="datetimeFigureOut">
               <a:rPr lang="en-US" smtClean="0"/>
-              <a:t>11/21/2020</a:t>
+              <a:t>11/22/2020</a:t>
             </a:fld>
             <a:endParaRPr lang="en-US"/>
           </a:p>
@@ -1829,7 +1829,7 @@
           <a:p>
             <a:fld id="{86FCFB96-917D-4A92-B206-4CEFDD05F1CC}" type="datetimeFigureOut">
               <a:rPr lang="en-US" smtClean="0"/>
-              <a:t>11/21/2020</a:t>
+              <a:t>11/22/2020</a:t>
             </a:fld>
             <a:endParaRPr lang="en-US"/>
           </a:p>
@@ -1970,7 +1970,7 @@
           <a:p>
             <a:fld id="{86FCFB96-917D-4A92-B206-4CEFDD05F1CC}" type="datetimeFigureOut">
               <a:rPr lang="en-US" smtClean="0"/>
-              <a:t>11/21/2020</a:t>
+              <a:t>11/22/2020</a:t>
             </a:fld>
             <a:endParaRPr lang="en-US"/>
           </a:p>
@@ -2083,7 +2083,7 @@
           <a:p>
             <a:fld id="{86FCFB96-917D-4A92-B206-4CEFDD05F1CC}" type="datetimeFigureOut">
               <a:rPr lang="en-US" smtClean="0"/>
-              <a:t>11/21/2020</a:t>
+              <a:t>11/22/2020</a:t>
             </a:fld>
             <a:endParaRPr lang="en-US"/>
           </a:p>
@@ -2394,7 +2394,7 @@
           <a:p>
             <a:fld id="{86FCFB96-917D-4A92-B206-4CEFDD05F1CC}" type="datetimeFigureOut">
               <a:rPr lang="en-US" smtClean="0"/>
-              <a:t>11/21/2020</a:t>
+              <a:t>11/22/2020</a:t>
             </a:fld>
             <a:endParaRPr lang="en-US"/>
           </a:p>
@@ -2682,7 +2682,7 @@
           <a:p>
             <a:fld id="{86FCFB96-917D-4A92-B206-4CEFDD05F1CC}" type="datetimeFigureOut">
               <a:rPr lang="en-US" smtClean="0"/>
-              <a:t>11/21/2020</a:t>
+              <a:t>11/22/2020</a:t>
             </a:fld>
             <a:endParaRPr lang="en-US"/>
           </a:p>
@@ -2923,7 +2923,7 @@
           <a:p>
             <a:fld id="{86FCFB96-917D-4A92-B206-4CEFDD05F1CC}" type="datetimeFigureOut">
               <a:rPr lang="en-US" smtClean="0"/>
-              <a:t>11/21/2020</a:t>
+              <a:t>11/22/2020</a:t>
             </a:fld>
             <a:endParaRPr lang="en-US"/>
           </a:p>
@@ -3911,7 +3911,7 @@
           <a:p>
             <a:r>
               <a:rPr lang="en-US" dirty="0"/>
-              <a:t>Problem Prospects – Take a Vote?</a:t>
+              <a:t>Debugging Exercise Prospects – Take a Vote?</a:t>
             </a:r>
           </a:p>
         </p:txBody>
@@ -3938,18 +3938,14 @@
           <a:lstStyle/>
           <a:p>
             <a:r>
-              <a:rPr lang="en-US"/>
+              <a:rPr lang="en-US" dirty="0"/>
               <a:t>Bowling Score Calculator</a:t>
             </a:r>
           </a:p>
           <a:p>
             <a:r>
-              <a:rPr lang="en-US"/>
-              <a:t>Roman </a:t>
-            </a:r>
-            <a:r>
               <a:rPr lang="en-US" dirty="0"/>
-              <a:t>Numeral Translator: C</a:t>
+              <a:t>Roman Numeral Translator: C</a:t>
             </a:r>
             <a:r>
               <a:rPr lang="en-US" b="0" i="0" dirty="0">
@@ -3959,17 +3955,7 @@
                 <a:effectLst/>
                 <a:latin typeface="arial" panose="020B0604020202020204" pitchFamily="34" charset="0"/>
               </a:rPr>
-              <a:t>onvert Roman numerals into Arabic numbers or vice </a:t>
-            </a:r>
-            <a:r>
-              <a:rPr lang="en-US" b="0" i="0">
-                <a:solidFill>
-                  <a:srgbClr val="000000"/>
-                </a:solidFill>
-                <a:effectLst/>
-                <a:latin typeface="arial" panose="020B0604020202020204" pitchFamily="34" charset="0"/>
-              </a:rPr>
-              <a:t>versa.</a:t>
+              <a:t>onvert Roman numerals into Arabic numbers or vice versa.</a:t>
             </a:r>
             <a:endParaRPr lang="en-US" dirty="0"/>
           </a:p>

--- a/mob.pptx
+++ b/mob.pptx
@@ -17,9 +17,10 @@
     <p:sldId id="270" r:id="rId11"/>
     <p:sldId id="268" r:id="rId12"/>
     <p:sldId id="269" r:id="rId13"/>
-    <p:sldId id="264" r:id="rId14"/>
-    <p:sldId id="259" r:id="rId15"/>
-    <p:sldId id="262" r:id="rId16"/>
+    <p:sldId id="271" r:id="rId14"/>
+    <p:sldId id="264" r:id="rId15"/>
+    <p:sldId id="259" r:id="rId16"/>
+    <p:sldId id="262" r:id="rId17"/>
   </p:sldIdLst>
   <p:sldSz cx="12192000" cy="6858000"/>
   <p:notesSz cx="6858000" cy="9144000"/>
@@ -273,7 +274,7 @@
           <a:p>
             <a:fld id="{86FCFB96-917D-4A92-B206-4CEFDD05F1CC}" type="datetimeFigureOut">
               <a:rPr lang="en-US" smtClean="0"/>
-              <a:t>11/22/2020</a:t>
+              <a:t>11/27/2020</a:t>
             </a:fld>
             <a:endParaRPr lang="en-US"/>
           </a:p>
@@ -471,7 +472,7 @@
           <a:p>
             <a:fld id="{86FCFB96-917D-4A92-B206-4CEFDD05F1CC}" type="datetimeFigureOut">
               <a:rPr lang="en-US" smtClean="0"/>
-              <a:t>11/22/2020</a:t>
+              <a:t>11/27/2020</a:t>
             </a:fld>
             <a:endParaRPr lang="en-US"/>
           </a:p>
@@ -679,7 +680,7 @@
           <a:p>
             <a:fld id="{86FCFB96-917D-4A92-B206-4CEFDD05F1CC}" type="datetimeFigureOut">
               <a:rPr lang="en-US" smtClean="0"/>
-              <a:t>11/22/2020</a:t>
+              <a:t>11/27/2020</a:t>
             </a:fld>
             <a:endParaRPr lang="en-US"/>
           </a:p>
@@ -877,7 +878,7 @@
           <a:p>
             <a:fld id="{86FCFB96-917D-4A92-B206-4CEFDD05F1CC}" type="datetimeFigureOut">
               <a:rPr lang="en-US" smtClean="0"/>
-              <a:t>11/22/2020</a:t>
+              <a:t>11/27/2020</a:t>
             </a:fld>
             <a:endParaRPr lang="en-US"/>
           </a:p>
@@ -1152,7 +1153,7 @@
           <a:p>
             <a:fld id="{86FCFB96-917D-4A92-B206-4CEFDD05F1CC}" type="datetimeFigureOut">
               <a:rPr lang="en-US" smtClean="0"/>
-              <a:t>11/22/2020</a:t>
+              <a:t>11/27/2020</a:t>
             </a:fld>
             <a:endParaRPr lang="en-US"/>
           </a:p>
@@ -1417,7 +1418,7 @@
           <a:p>
             <a:fld id="{86FCFB96-917D-4A92-B206-4CEFDD05F1CC}" type="datetimeFigureOut">
               <a:rPr lang="en-US" smtClean="0"/>
-              <a:t>11/22/2020</a:t>
+              <a:t>11/27/2020</a:t>
             </a:fld>
             <a:endParaRPr lang="en-US"/>
           </a:p>
@@ -1829,7 +1830,7 @@
           <a:p>
             <a:fld id="{86FCFB96-917D-4A92-B206-4CEFDD05F1CC}" type="datetimeFigureOut">
               <a:rPr lang="en-US" smtClean="0"/>
-              <a:t>11/22/2020</a:t>
+              <a:t>11/27/2020</a:t>
             </a:fld>
             <a:endParaRPr lang="en-US"/>
           </a:p>
@@ -1970,7 +1971,7 @@
           <a:p>
             <a:fld id="{86FCFB96-917D-4A92-B206-4CEFDD05F1CC}" type="datetimeFigureOut">
               <a:rPr lang="en-US" smtClean="0"/>
-              <a:t>11/22/2020</a:t>
+              <a:t>11/27/2020</a:t>
             </a:fld>
             <a:endParaRPr lang="en-US"/>
           </a:p>
@@ -2083,7 +2084,7 @@
           <a:p>
             <a:fld id="{86FCFB96-917D-4A92-B206-4CEFDD05F1CC}" type="datetimeFigureOut">
               <a:rPr lang="en-US" smtClean="0"/>
-              <a:t>11/22/2020</a:t>
+              <a:t>11/27/2020</a:t>
             </a:fld>
             <a:endParaRPr lang="en-US"/>
           </a:p>
@@ -2394,7 +2395,7 @@
           <a:p>
             <a:fld id="{86FCFB96-917D-4A92-B206-4CEFDD05F1CC}" type="datetimeFigureOut">
               <a:rPr lang="en-US" smtClean="0"/>
-              <a:t>11/22/2020</a:t>
+              <a:t>11/27/2020</a:t>
             </a:fld>
             <a:endParaRPr lang="en-US"/>
           </a:p>
@@ -2682,7 +2683,7 @@
           <a:p>
             <a:fld id="{86FCFB96-917D-4A92-B206-4CEFDD05F1CC}" type="datetimeFigureOut">
               <a:rPr lang="en-US" smtClean="0"/>
-              <a:t>11/22/2020</a:t>
+              <a:t>11/27/2020</a:t>
             </a:fld>
             <a:endParaRPr lang="en-US"/>
           </a:p>
@@ -2923,7 +2924,7 @@
           <a:p>
             <a:fld id="{86FCFB96-917D-4A92-B206-4CEFDD05F1CC}" type="datetimeFigureOut">
               <a:rPr lang="en-US" smtClean="0"/>
-              <a:t>11/22/2020</a:t>
+              <a:t>11/27/2020</a:t>
             </a:fld>
             <a:endParaRPr lang="en-US"/>
           </a:p>
@@ -3486,6 +3487,12 @@
               <a:t>Roman Numeral Converter</a:t>
             </a:r>
           </a:p>
+          <a:p>
+            <a:r>
+              <a:rPr lang="en-US" dirty="0"/>
+              <a:t>Three Card Poker</a:t>
+            </a:r>
+          </a:p>
         </p:txBody>
       </p:sp>
     </p:spTree>
@@ -3893,7 +3900,7 @@
           <p:cNvPr id="2" name="Title 1">
             <a:extLst>
               <a:ext uri="{FF2B5EF4-FFF2-40B4-BE49-F238E27FC236}">
-                <a16:creationId xmlns:a16="http://schemas.microsoft.com/office/drawing/2014/main" id="{00FB4352-F206-4311-809D-ECACBF8231B4}"/>
+                <a16:creationId xmlns:a16="http://schemas.microsoft.com/office/drawing/2014/main" id="{81068F23-15D9-449C-B0E9-7CD4BE796DA4}"/>
               </a:ext>
             </a:extLst>
           </p:cNvPr>
@@ -3911,7 +3918,7 @@
           <a:p>
             <a:r>
               <a:rPr lang="en-US" dirty="0"/>
-              <a:t>Debugging Exercise Prospects – Take a Vote?</a:t>
+              <a:t>3 Card Poker</a:t>
             </a:r>
           </a:p>
         </p:txBody>
@@ -3921,7 +3928,7 @@
           <p:cNvPr id="3" name="Content Placeholder 2">
             <a:extLst>
               <a:ext uri="{FF2B5EF4-FFF2-40B4-BE49-F238E27FC236}">
-                <a16:creationId xmlns:a16="http://schemas.microsoft.com/office/drawing/2014/main" id="{7BB45C19-3A87-4414-B693-500F80A36DE6}"/>
+                <a16:creationId xmlns:a16="http://schemas.microsoft.com/office/drawing/2014/main" id="{FC7A7C66-276F-455B-A20A-007AECD2ED86}"/>
               </a:ext>
             </a:extLst>
           </p:cNvPr>
@@ -3939,23 +3946,13 @@
           <a:p>
             <a:r>
               <a:rPr lang="en-US" dirty="0"/>
-              <a:t>Bowling Score Calculator</a:t>
-            </a:r>
-          </a:p>
-          <a:p>
-            <a:r>
-              <a:rPr lang="en-US" dirty="0"/>
-              <a:t>Roman Numeral Translator: C</a:t>
-            </a:r>
-            <a:r>
-              <a:rPr lang="en-US" b="0" i="0" dirty="0">
-                <a:solidFill>
-                  <a:srgbClr val="000000"/>
-                </a:solidFill>
-                <a:effectLst/>
-                <a:latin typeface="arial" panose="020B0604020202020204" pitchFamily="34" charset="0"/>
+              <a:t>See hand rankings at: </a:t>
+            </a:r>
+            <a:r>
+              <a:rPr lang="en-US" dirty="0">
+                <a:hlinkClick r:id="rId2"/>
               </a:rPr>
-              <a:t>onvert Roman numerals into Arabic numbers or vice versa.</a:t>
+              <a:t>3 Card Poker Hand Rankings</a:t>
             </a:r>
             <a:endParaRPr lang="en-US" dirty="0"/>
           </a:p>
@@ -3964,7 +3961,7 @@
     </p:spTree>
     <p:extLst>
       <p:ext uri="{BB962C8B-B14F-4D97-AF65-F5344CB8AC3E}">
-        <p14:creationId xmlns:p14="http://schemas.microsoft.com/office/powerpoint/2010/main" val="3228125785"/>
+        <p14:creationId xmlns:p14="http://schemas.microsoft.com/office/powerpoint/2010/main" val="1297194819"/>
       </p:ext>
     </p:extLst>
   </p:cSld>
@@ -3996,7 +3993,7 @@
           <p:cNvPr id="2" name="Title 1">
             <a:extLst>
               <a:ext uri="{FF2B5EF4-FFF2-40B4-BE49-F238E27FC236}">
-                <a16:creationId xmlns:a16="http://schemas.microsoft.com/office/drawing/2014/main" id="{ED6608E9-FC05-44D8-8222-3537215663C0}"/>
+                <a16:creationId xmlns:a16="http://schemas.microsoft.com/office/drawing/2014/main" id="{00FB4352-F206-4311-809D-ECACBF8231B4}"/>
               </a:ext>
             </a:extLst>
           </p:cNvPr>
@@ -4014,7 +4011,7 @@
           <a:p>
             <a:r>
               <a:rPr lang="en-US" dirty="0"/>
-              <a:t>Resources</a:t>
+              <a:t>Debugging Exercise Prospects – Take a Vote?</a:t>
             </a:r>
           </a:p>
         </p:txBody>
@@ -4024,7 +4021,7 @@
           <p:cNvPr id="3" name="Content Placeholder 2">
             <a:extLst>
               <a:ext uri="{FF2B5EF4-FFF2-40B4-BE49-F238E27FC236}">
-                <a16:creationId xmlns:a16="http://schemas.microsoft.com/office/drawing/2014/main" id="{787FD2B9-0C50-480A-A2FC-0DF994952C64}"/>
+                <a16:creationId xmlns:a16="http://schemas.microsoft.com/office/drawing/2014/main" id="{7BB45C19-3A87-4414-B693-500F80A36DE6}"/>
               </a:ext>
             </a:extLst>
           </p:cNvPr>
@@ -4037,103 +4034,98 @@
         </p:nvSpPr>
         <p:spPr>
           <a:xfrm>
-            <a:off x="838200" y="1463040"/>
-            <a:ext cx="10515600" cy="5190977"/>
+            <a:off x="838200" y="2083533"/>
+            <a:ext cx="10515600" cy="4351338"/>
           </a:xfrm>
         </p:spPr>
         <p:txBody>
           <a:bodyPr/>
           <a:lstStyle/>
           <a:p>
-            <a:pPr marL="0" indent="0">
-              <a:buNone/>
-            </a:pPr>
             <a:r>
               <a:rPr lang="en-US" dirty="0"/>
-              <a:t>Books</a:t>
+              <a:t>Bowling Score Calculator (Fix broken test “FinalBallBug_168” in </a:t>
+            </a:r>
+            <a:r>
+              <a:rPr lang="en-US" dirty="0" err="1"/>
+              <a:t>src</a:t>
+            </a:r>
+            <a:r>
+              <a:rPr lang="en-US" dirty="0"/>
+              <a:t>/test/java/com/</a:t>
+            </a:r>
+            <a:r>
+              <a:rPr lang="en-US" dirty="0" err="1"/>
+              <a:t>yb</a:t>
+            </a:r>
+            <a:r>
+              <a:rPr lang="en-US" dirty="0"/>
+              <a:t>/bowling/BowlingGameTest.java)</a:t>
+            </a:r>
+          </a:p>
+          <a:p>
+            <a:r>
+              <a:rPr lang="en-US" dirty="0"/>
+              <a:t>Roman Numeral Translator: C</a:t>
+            </a:r>
+            <a:r>
+              <a:rPr lang="en-US" b="0" i="0" dirty="0">
+                <a:solidFill>
+                  <a:srgbClr val="000000"/>
+                </a:solidFill>
+                <a:effectLst/>
+                <a:latin typeface="arial" panose="020B0604020202020204" pitchFamily="34" charset="0"/>
+              </a:rPr>
+              <a:t>onvert Roman numerals into Arabic numbers or vice versa. (At lease 3 broken tests in: </a:t>
+            </a:r>
+            <a:r>
+              <a:rPr lang="en-US" b="0" i="0" dirty="0" err="1">
+                <a:solidFill>
+                  <a:srgbClr val="000000"/>
+                </a:solidFill>
+                <a:effectLst/>
+                <a:latin typeface="arial" panose="020B0604020202020204" pitchFamily="34" charset="0"/>
+              </a:rPr>
+              <a:t>src</a:t>
+            </a:r>
+            <a:r>
+              <a:rPr lang="en-US" b="0" i="0" dirty="0">
+                <a:solidFill>
+                  <a:srgbClr val="000000"/>
+                </a:solidFill>
+                <a:effectLst/>
+                <a:latin typeface="arial" panose="020B0604020202020204" pitchFamily="34" charset="0"/>
+              </a:rPr>
+              <a:t>/RomanNumeralsTest.java)</a:t>
             </a:r>
           </a:p>
           <a:p>
             <a:r>
               <a:rPr lang="en-US" dirty="0">
-                <a:hlinkClick r:id="rId2"/>
+                <a:solidFill>
+                  <a:srgbClr val="000000"/>
+                </a:solidFill>
+                <a:latin typeface="arial" panose="020B0604020202020204" pitchFamily="34" charset="0"/>
               </a:rPr>
-              <a:t>Remote Mob Programming: At home, but not alone. Kindle Edition</a:t>
-            </a:r>
-            <a:endParaRPr lang="en-US" dirty="0"/>
-          </a:p>
-          <a:p>
+              <a:t>Three Card Poker (There are 3 broken tests in: </a:t>
+            </a:r>
+            <a:r>
+              <a:rPr lang="en-US" dirty="0" err="1">
+                <a:solidFill>
+                  <a:srgbClr val="000000"/>
+                </a:solidFill>
+                <a:latin typeface="arial" panose="020B0604020202020204" pitchFamily="34" charset="0"/>
+              </a:rPr>
+              <a:t>src</a:t>
+            </a:r>
             <a:r>
               <a:rPr lang="en-US" dirty="0">
-                <a:hlinkClick r:id="rId3"/>
+                <a:solidFill>
+                  <a:srgbClr val="000000"/>
+                </a:solidFill>
+                <a:latin typeface="arial" panose="020B0604020202020204" pitchFamily="34" charset="0"/>
               </a:rPr>
-              <a:t>Code with the Wisdom of the Crowd by Mark Pearl</a:t>
-            </a:r>
-            <a:endParaRPr lang="en-US" dirty="0"/>
-          </a:p>
-          <a:p>
-            <a:endParaRPr lang="en-US" dirty="0"/>
-          </a:p>
-          <a:p>
-            <a:pPr marL="0" indent="0">
-              <a:buNone/>
-            </a:pPr>
-            <a:r>
-              <a:rPr lang="en-US" dirty="0"/>
-              <a:t>Videos</a:t>
-            </a:r>
-          </a:p>
-          <a:p>
-            <a:r>
-              <a:rPr lang="en-US" dirty="0">
-                <a:hlinkClick r:id="rId4"/>
-              </a:rPr>
-              <a:t>Mob Programming: A Whole Team Approach by Woody Zuill</a:t>
-            </a:r>
-            <a:endParaRPr lang="en-US" dirty="0"/>
-          </a:p>
-          <a:p>
-            <a:r>
-              <a:rPr lang="en-US" dirty="0">
-                <a:hlinkClick r:id="rId5"/>
-              </a:rPr>
-              <a:t>Taming the Mob: An Intro to Mob Programming by New Relic</a:t>
-            </a:r>
-            <a:endParaRPr lang="en-US" dirty="0"/>
-          </a:p>
-          <a:p>
-            <a:pPr marL="0" indent="0">
-              <a:buNone/>
-            </a:pPr>
-            <a:endParaRPr lang="en-US" dirty="0"/>
-          </a:p>
-          <a:p>
-            <a:pPr marL="0" indent="0">
-              <a:buNone/>
-            </a:pPr>
-            <a:r>
-              <a:rPr lang="en-US" dirty="0"/>
-              <a:t>Podcasts</a:t>
-            </a:r>
-          </a:p>
-          <a:p>
-            <a:r>
-              <a:rPr lang="en-US" dirty="0">
-                <a:hlinkClick r:id="rId6"/>
-              </a:rPr>
-              <a:t>Woody Zuill on the </a:t>
-            </a:r>
-            <a:r>
-              <a:rPr lang="en-US" dirty="0" err="1">
-                <a:hlinkClick r:id="rId6"/>
-              </a:rPr>
-              <a:t>Hanselminutes</a:t>
-            </a:r>
-            <a:r>
-              <a:rPr lang="en-US" dirty="0">
-                <a:hlinkClick r:id="rId6"/>
-              </a:rPr>
-              <a:t> Podcast</a:t>
+              <a:t>/test/java/com/kata/poker/GameTest.java)</a:t>
             </a:r>
             <a:endParaRPr lang="en-US" dirty="0"/>
           </a:p>
@@ -4142,7 +4134,7 @@
     </p:spTree>
     <p:extLst>
       <p:ext uri="{BB962C8B-B14F-4D97-AF65-F5344CB8AC3E}">
-        <p14:creationId xmlns:p14="http://schemas.microsoft.com/office/powerpoint/2010/main" val="3450262954"/>
+        <p14:creationId xmlns:p14="http://schemas.microsoft.com/office/powerpoint/2010/main" val="3228125785"/>
       </p:ext>
     </p:extLst>
   </p:cSld>
@@ -4171,6 +4163,184 @@
       </p:grpSpPr>
       <p:sp>
         <p:nvSpPr>
+          <p:cNvPr id="2" name="Title 1">
+            <a:extLst>
+              <a:ext uri="{FF2B5EF4-FFF2-40B4-BE49-F238E27FC236}">
+                <a16:creationId xmlns:a16="http://schemas.microsoft.com/office/drawing/2014/main" id="{ED6608E9-FC05-44D8-8222-3537215663C0}"/>
+              </a:ext>
+            </a:extLst>
+          </p:cNvPr>
+          <p:cNvSpPr>
+            <a:spLocks noGrp="1"/>
+          </p:cNvSpPr>
+          <p:nvPr>
+            <p:ph type="title"/>
+          </p:nvPr>
+        </p:nvSpPr>
+        <p:spPr/>
+        <p:txBody>
+          <a:bodyPr/>
+          <a:lstStyle/>
+          <a:p>
+            <a:r>
+              <a:rPr lang="en-US" dirty="0"/>
+              <a:t>Resources</a:t>
+            </a:r>
+          </a:p>
+        </p:txBody>
+      </p:sp>
+      <p:sp>
+        <p:nvSpPr>
+          <p:cNvPr id="3" name="Content Placeholder 2">
+            <a:extLst>
+              <a:ext uri="{FF2B5EF4-FFF2-40B4-BE49-F238E27FC236}">
+                <a16:creationId xmlns:a16="http://schemas.microsoft.com/office/drawing/2014/main" id="{787FD2B9-0C50-480A-A2FC-0DF994952C64}"/>
+              </a:ext>
+            </a:extLst>
+          </p:cNvPr>
+          <p:cNvSpPr>
+            <a:spLocks noGrp="1"/>
+          </p:cNvSpPr>
+          <p:nvPr>
+            <p:ph idx="1"/>
+          </p:nvPr>
+        </p:nvSpPr>
+        <p:spPr>
+          <a:xfrm>
+            <a:off x="838200" y="1463040"/>
+            <a:ext cx="10515600" cy="5190977"/>
+          </a:xfrm>
+        </p:spPr>
+        <p:txBody>
+          <a:bodyPr/>
+          <a:lstStyle/>
+          <a:p>
+            <a:pPr marL="0" indent="0">
+              <a:buNone/>
+            </a:pPr>
+            <a:r>
+              <a:rPr lang="en-US" dirty="0"/>
+              <a:t>Books</a:t>
+            </a:r>
+          </a:p>
+          <a:p>
+            <a:r>
+              <a:rPr lang="en-US" dirty="0">
+                <a:hlinkClick r:id="rId2"/>
+              </a:rPr>
+              <a:t>Remote Mob Programming: At home, but not alone. Kindle Edition</a:t>
+            </a:r>
+            <a:endParaRPr lang="en-US" dirty="0"/>
+          </a:p>
+          <a:p>
+            <a:r>
+              <a:rPr lang="en-US" dirty="0">
+                <a:hlinkClick r:id="rId3"/>
+              </a:rPr>
+              <a:t>Code with the Wisdom of the Crowd by Mark Pearl</a:t>
+            </a:r>
+            <a:endParaRPr lang="en-US" dirty="0"/>
+          </a:p>
+          <a:p>
+            <a:endParaRPr lang="en-US" dirty="0"/>
+          </a:p>
+          <a:p>
+            <a:pPr marL="0" indent="0">
+              <a:buNone/>
+            </a:pPr>
+            <a:r>
+              <a:rPr lang="en-US" dirty="0"/>
+              <a:t>Videos</a:t>
+            </a:r>
+          </a:p>
+          <a:p>
+            <a:r>
+              <a:rPr lang="en-US" dirty="0">
+                <a:hlinkClick r:id="rId4"/>
+              </a:rPr>
+              <a:t>Mob Programming: A Whole Team Approach by Woody Zuill</a:t>
+            </a:r>
+            <a:endParaRPr lang="en-US" dirty="0"/>
+          </a:p>
+          <a:p>
+            <a:r>
+              <a:rPr lang="en-US" dirty="0">
+                <a:hlinkClick r:id="rId5"/>
+              </a:rPr>
+              <a:t>Taming the Mob: An Intro to Mob Programming by New Relic</a:t>
+            </a:r>
+            <a:endParaRPr lang="en-US" dirty="0"/>
+          </a:p>
+          <a:p>
+            <a:pPr marL="0" indent="0">
+              <a:buNone/>
+            </a:pPr>
+            <a:endParaRPr lang="en-US" dirty="0"/>
+          </a:p>
+          <a:p>
+            <a:pPr marL="0" indent="0">
+              <a:buNone/>
+            </a:pPr>
+            <a:r>
+              <a:rPr lang="en-US" dirty="0"/>
+              <a:t>Podcasts</a:t>
+            </a:r>
+          </a:p>
+          <a:p>
+            <a:r>
+              <a:rPr lang="en-US" dirty="0">
+                <a:hlinkClick r:id="rId6"/>
+              </a:rPr>
+              <a:t>Woody Zuill on the </a:t>
+            </a:r>
+            <a:r>
+              <a:rPr lang="en-US" dirty="0" err="1">
+                <a:hlinkClick r:id="rId6"/>
+              </a:rPr>
+              <a:t>Hanselminutes</a:t>
+            </a:r>
+            <a:r>
+              <a:rPr lang="en-US" dirty="0">
+                <a:hlinkClick r:id="rId6"/>
+              </a:rPr>
+              <a:t> Podcast</a:t>
+            </a:r>
+            <a:endParaRPr lang="en-US" dirty="0"/>
+          </a:p>
+        </p:txBody>
+      </p:sp>
+    </p:spTree>
+    <p:extLst>
+      <p:ext uri="{BB962C8B-B14F-4D97-AF65-F5344CB8AC3E}">
+        <p14:creationId xmlns:p14="http://schemas.microsoft.com/office/powerpoint/2010/main" val="3450262954"/>
+      </p:ext>
+    </p:extLst>
+  </p:cSld>
+  <p:clrMapOvr>
+    <a:masterClrMapping/>
+  </p:clrMapOvr>
+</p:sld>
+</file>
+
+<file path=ppt/slides/slide16.xml><?xml version="1.0" encoding="utf-8"?>
+<p:sld xmlns:a="http://schemas.openxmlformats.org/drawingml/2006/main" xmlns:r="http://schemas.openxmlformats.org/officeDocument/2006/relationships" xmlns:p="http://schemas.openxmlformats.org/presentationml/2006/main">
+  <p:cSld>
+    <p:spTree>
+      <p:nvGrpSpPr>
+        <p:cNvPr id="1" name=""/>
+        <p:cNvGrpSpPr/>
+        <p:nvPr/>
+      </p:nvGrpSpPr>
+      <p:grpSpPr>
+        <a:xfrm>
+          <a:off x="0" y="0"/>
+          <a:ext cx="0" cy="0"/>
+          <a:chOff x="0" y="0"/>
+          <a:chExt cx="0" cy="0"/>
+        </a:xfrm>
+      </p:grpSpPr>
+      <p:sp>
+        <p:nvSpPr>
           <p:cNvPr id="3" name="Content Placeholder 2">
             <a:extLst>
               <a:ext uri="{FF2B5EF4-FFF2-40B4-BE49-F238E27FC236}">
@@ -4193,7 +4363,7 @@
         </p:spPr>
         <p:txBody>
           <a:bodyPr>
-            <a:normAutofit fontScale="92500" lnSpcReduction="20000"/>
+            <a:normAutofit fontScale="85000" lnSpcReduction="20000"/>
           </a:bodyPr>
           <a:lstStyle/>
           <a:p>
@@ -4254,6 +4424,15 @@
             <a:endParaRPr lang="en-US" dirty="0"/>
           </a:p>
           <a:p>
+            <a:r>
+              <a:rPr lang="en-US">
+                <a:hlinkClick r:id="rId7"/>
+              </a:rPr>
+              <a:t>3 Card Poker Hand Rankings</a:t>
+            </a:r>
+            <a:endParaRPr lang="en-US" dirty="0"/>
+          </a:p>
+          <a:p>
             <a:endParaRPr lang="en-US" dirty="0"/>
           </a:p>
           <a:p>
@@ -4264,22 +4443,13 @@
               <a:rPr lang="en-US" dirty="0"/>
               <a:t>GitHub</a:t>
             </a:r>
-          </a:p>
-          <a:p>
-            <a:r>
-              <a:rPr lang="en-US" dirty="0">
-                <a:hlinkClick r:id="rId7"/>
-              </a:rPr>
-              <a:t>This Slide Deck</a:t>
-            </a:r>
-            <a:endParaRPr lang="en-US" dirty="0"/>
           </a:p>
           <a:p>
             <a:r>
               <a:rPr lang="en-US" dirty="0">
                 <a:hlinkClick r:id="rId8"/>
               </a:rPr>
-              <a:t>Only-1-Bug Java-Bowling-Game</a:t>
+              <a:t>This Slide Deck</a:t>
             </a:r>
             <a:endParaRPr lang="en-US" dirty="0"/>
           </a:p>
@@ -4288,6 +4458,15 @@
               <a:rPr lang="en-US" dirty="0">
                 <a:hlinkClick r:id="rId9"/>
               </a:rPr>
+              <a:t>Only-1-Bug Java-Bowling-Game</a:t>
+            </a:r>
+            <a:endParaRPr lang="en-US" dirty="0"/>
+          </a:p>
+          <a:p>
+            <a:r>
+              <a:rPr lang="en-US" dirty="0">
+                <a:hlinkClick r:id="rId10"/>
+              </a:rPr>
               <a:t>Roman Numeral Kata</a:t>
             </a:r>
             <a:endParaRPr lang="en-US" dirty="0"/>
@@ -4310,7 +4489,7 @@
           <a:p>
             <a:r>
               <a:rPr lang="en-US" dirty="0">
-                <a:hlinkClick r:id="rId10"/>
+                <a:hlinkClick r:id="rId11"/>
               </a:rPr>
               <a:t>Setting up a Java Development Environment</a:t>
             </a:r>

--- a/mob.pptx
+++ b/mob.pptx
@@ -274,7 +274,7 @@
           <a:p>
             <a:fld id="{86FCFB96-917D-4A92-B206-4CEFDD05F1CC}" type="datetimeFigureOut">
               <a:rPr lang="en-US" smtClean="0"/>
-              <a:t>11/27/2020</a:t>
+              <a:t>11/30/2020</a:t>
             </a:fld>
             <a:endParaRPr lang="en-US"/>
           </a:p>
@@ -472,7 +472,7 @@
           <a:p>
             <a:fld id="{86FCFB96-917D-4A92-B206-4CEFDD05F1CC}" type="datetimeFigureOut">
               <a:rPr lang="en-US" smtClean="0"/>
-              <a:t>11/27/2020</a:t>
+              <a:t>11/30/2020</a:t>
             </a:fld>
             <a:endParaRPr lang="en-US"/>
           </a:p>
@@ -680,7 +680,7 @@
           <a:p>
             <a:fld id="{86FCFB96-917D-4A92-B206-4CEFDD05F1CC}" type="datetimeFigureOut">
               <a:rPr lang="en-US" smtClean="0"/>
-              <a:t>11/27/2020</a:t>
+              <a:t>11/30/2020</a:t>
             </a:fld>
             <a:endParaRPr lang="en-US"/>
           </a:p>
@@ -878,7 +878,7 @@
           <a:p>
             <a:fld id="{86FCFB96-917D-4A92-B206-4CEFDD05F1CC}" type="datetimeFigureOut">
               <a:rPr lang="en-US" smtClean="0"/>
-              <a:t>11/27/2020</a:t>
+              <a:t>11/30/2020</a:t>
             </a:fld>
             <a:endParaRPr lang="en-US"/>
           </a:p>
@@ -1153,7 +1153,7 @@
           <a:p>
             <a:fld id="{86FCFB96-917D-4A92-B206-4CEFDD05F1CC}" type="datetimeFigureOut">
               <a:rPr lang="en-US" smtClean="0"/>
-              <a:t>11/27/2020</a:t>
+              <a:t>11/30/2020</a:t>
             </a:fld>
             <a:endParaRPr lang="en-US"/>
           </a:p>
@@ -1418,7 +1418,7 @@
           <a:p>
             <a:fld id="{86FCFB96-917D-4A92-B206-4CEFDD05F1CC}" type="datetimeFigureOut">
               <a:rPr lang="en-US" smtClean="0"/>
-              <a:t>11/27/2020</a:t>
+              <a:t>11/30/2020</a:t>
             </a:fld>
             <a:endParaRPr lang="en-US"/>
           </a:p>
@@ -1830,7 +1830,7 @@
           <a:p>
             <a:fld id="{86FCFB96-917D-4A92-B206-4CEFDD05F1CC}" type="datetimeFigureOut">
               <a:rPr lang="en-US" smtClean="0"/>
-              <a:t>11/27/2020</a:t>
+              <a:t>11/30/2020</a:t>
             </a:fld>
             <a:endParaRPr lang="en-US"/>
           </a:p>
@@ -1971,7 +1971,7 @@
           <a:p>
             <a:fld id="{86FCFB96-917D-4A92-B206-4CEFDD05F1CC}" type="datetimeFigureOut">
               <a:rPr lang="en-US" smtClean="0"/>
-              <a:t>11/27/2020</a:t>
+              <a:t>11/30/2020</a:t>
             </a:fld>
             <a:endParaRPr lang="en-US"/>
           </a:p>
@@ -2084,7 +2084,7 @@
           <a:p>
             <a:fld id="{86FCFB96-917D-4A92-B206-4CEFDD05F1CC}" type="datetimeFigureOut">
               <a:rPr lang="en-US" smtClean="0"/>
-              <a:t>11/27/2020</a:t>
+              <a:t>11/30/2020</a:t>
             </a:fld>
             <a:endParaRPr lang="en-US"/>
           </a:p>
@@ -2395,7 +2395,7 @@
           <a:p>
             <a:fld id="{86FCFB96-917D-4A92-B206-4CEFDD05F1CC}" type="datetimeFigureOut">
               <a:rPr lang="en-US" smtClean="0"/>
-              <a:t>11/27/2020</a:t>
+              <a:t>11/30/2020</a:t>
             </a:fld>
             <a:endParaRPr lang="en-US"/>
           </a:p>
@@ -2683,7 +2683,7 @@
           <a:p>
             <a:fld id="{86FCFB96-917D-4A92-B206-4CEFDD05F1CC}" type="datetimeFigureOut">
               <a:rPr lang="en-US" smtClean="0"/>
-              <a:t>11/27/2020</a:t>
+              <a:t>11/30/2020</a:t>
             </a:fld>
             <a:endParaRPr lang="en-US"/>
           </a:p>
@@ -2924,7 +2924,7 @@
           <a:p>
             <a:fld id="{86FCFB96-917D-4A92-B206-4CEFDD05F1CC}" type="datetimeFigureOut">
               <a:rPr lang="en-US" smtClean="0"/>
-              <a:t>11/27/2020</a:t>
+              <a:t>11/30/2020</a:t>
             </a:fld>
             <a:endParaRPr lang="en-US"/>
           </a:p>
@@ -4416,16 +4416,16 @@
           </a:p>
           <a:p>
             <a:r>
-              <a:rPr lang="en-US" dirty="0">
+              <a:rPr lang="en-US">
                 <a:hlinkClick r:id="rId6"/>
               </a:rPr>
-              <a:t>Roman Numeral Calculator</a:t>
+              <a:t>Roman Numeral Converter</a:t>
             </a:r>
             <a:endParaRPr lang="en-US" dirty="0"/>
           </a:p>
           <a:p>
             <a:r>
-              <a:rPr lang="en-US">
+              <a:rPr lang="en-US" dirty="0">
                 <a:hlinkClick r:id="rId7"/>
               </a:rPr>
               <a:t>3 Card Poker Hand Rankings</a:t>

--- a/mob.pptx
+++ b/mob.pptx
@@ -4363,7 +4363,7 @@
         </p:spPr>
         <p:txBody>
           <a:bodyPr>
-            <a:normAutofit fontScale="85000" lnSpcReduction="20000"/>
+            <a:normAutofit fontScale="70000" lnSpcReduction="20000"/>
           </a:bodyPr>
           <a:lstStyle/>
           <a:p>
@@ -4416,7 +4416,7 @@
           </a:p>
           <a:p>
             <a:r>
-              <a:rPr lang="en-US">
+              <a:rPr lang="en-US" dirty="0">
                 <a:hlinkClick r:id="rId6"/>
               </a:rPr>
               <a:t>Roman Numeral Converter</a:t>
@@ -4458,16 +4458,46 @@
               <a:rPr lang="en-US" dirty="0">
                 <a:hlinkClick r:id="rId9"/>
               </a:rPr>
-              <a:t>Only-1-Bug Java-Bowling-Game</a:t>
+              <a:t>Only-1-Bug Java-Bowling-Game Source Code</a:t>
             </a:r>
             <a:endParaRPr lang="en-US" dirty="0"/>
           </a:p>
           <a:p>
             <a:r>
-              <a:rPr lang="en-US" dirty="0">
+              <a:rPr lang="fr-FR" dirty="0">
                 <a:hlinkClick r:id="rId10"/>
               </a:rPr>
-              <a:t>Roman Numeral Kata</a:t>
+              <a:t>Roman </a:t>
+            </a:r>
+            <a:r>
+              <a:rPr lang="fr-FR" dirty="0" err="1">
+                <a:hlinkClick r:id="rId10"/>
+              </a:rPr>
+              <a:t>Numeral</a:t>
+            </a:r>
+            <a:r>
+              <a:rPr lang="fr-FR" dirty="0">
+                <a:hlinkClick r:id="rId10"/>
+              </a:rPr>
+              <a:t> Kata Source Code</a:t>
+            </a:r>
+            <a:endParaRPr lang="en-US" dirty="0"/>
+          </a:p>
+          <a:p>
+            <a:r>
+              <a:rPr lang="en-US" dirty="0">
+                <a:hlinkClick r:id="rId11"/>
+              </a:rPr>
+              <a:t>3 Card Poker Source Code</a:t>
+            </a:r>
+            <a:endParaRPr lang="en-US" dirty="0"/>
+          </a:p>
+          <a:p>
+            <a:r>
+              <a:rPr lang="en-US">
+                <a:hlinkClick r:id="rId12"/>
+              </a:rPr>
+              <a:t>Composable Batch Files</a:t>
             </a:r>
             <a:endParaRPr lang="en-US" dirty="0"/>
           </a:p>
@@ -4489,7 +4519,7 @@
           <a:p>
             <a:r>
               <a:rPr lang="en-US" dirty="0">
-                <a:hlinkClick r:id="rId11"/>
+                <a:hlinkClick r:id="rId13"/>
               </a:rPr>
               <a:t>Setting up a Java Development Environment</a:t>
             </a:r>

--- a/mob.pptx
+++ b/mob.pptx
@@ -14,13 +14,13 @@
     <p:sldId id="266" r:id="rId8"/>
     <p:sldId id="265" r:id="rId9"/>
     <p:sldId id="267" r:id="rId10"/>
-    <p:sldId id="270" r:id="rId11"/>
+    <p:sldId id="264" r:id="rId11"/>
     <p:sldId id="268" r:id="rId12"/>
     <p:sldId id="269" r:id="rId13"/>
     <p:sldId id="271" r:id="rId14"/>
-    <p:sldId id="264" r:id="rId15"/>
-    <p:sldId id="259" r:id="rId16"/>
-    <p:sldId id="262" r:id="rId17"/>
+    <p:sldId id="259" r:id="rId15"/>
+    <p:sldId id="262" r:id="rId16"/>
+    <p:sldId id="272" r:id="rId17"/>
   </p:sldIdLst>
   <p:sldSz cx="12192000" cy="6858000"/>
   <p:notesSz cx="6858000" cy="9144000"/>
@@ -274,7 +274,7 @@
           <a:p>
             <a:fld id="{86FCFB96-917D-4A92-B206-4CEFDD05F1CC}" type="datetimeFigureOut">
               <a:rPr lang="en-US" smtClean="0"/>
-              <a:t>11/30/2020</a:t>
+              <a:t>12/1/2020</a:t>
             </a:fld>
             <a:endParaRPr lang="en-US"/>
           </a:p>
@@ -472,7 +472,7 @@
           <a:p>
             <a:fld id="{86FCFB96-917D-4A92-B206-4CEFDD05F1CC}" type="datetimeFigureOut">
               <a:rPr lang="en-US" smtClean="0"/>
-              <a:t>11/30/2020</a:t>
+              <a:t>12/1/2020</a:t>
             </a:fld>
             <a:endParaRPr lang="en-US"/>
           </a:p>
@@ -680,7 +680,7 @@
           <a:p>
             <a:fld id="{86FCFB96-917D-4A92-B206-4CEFDD05F1CC}" type="datetimeFigureOut">
               <a:rPr lang="en-US" smtClean="0"/>
-              <a:t>11/30/2020</a:t>
+              <a:t>12/1/2020</a:t>
             </a:fld>
             <a:endParaRPr lang="en-US"/>
           </a:p>
@@ -878,7 +878,7 @@
           <a:p>
             <a:fld id="{86FCFB96-917D-4A92-B206-4CEFDD05F1CC}" type="datetimeFigureOut">
               <a:rPr lang="en-US" smtClean="0"/>
-              <a:t>11/30/2020</a:t>
+              <a:t>12/1/2020</a:t>
             </a:fld>
             <a:endParaRPr lang="en-US"/>
           </a:p>
@@ -1153,7 +1153,7 @@
           <a:p>
             <a:fld id="{86FCFB96-917D-4A92-B206-4CEFDD05F1CC}" type="datetimeFigureOut">
               <a:rPr lang="en-US" smtClean="0"/>
-              <a:t>11/30/2020</a:t>
+              <a:t>12/1/2020</a:t>
             </a:fld>
             <a:endParaRPr lang="en-US"/>
           </a:p>
@@ -1418,7 +1418,7 @@
           <a:p>
             <a:fld id="{86FCFB96-917D-4A92-B206-4CEFDD05F1CC}" type="datetimeFigureOut">
               <a:rPr lang="en-US" smtClean="0"/>
-              <a:t>11/30/2020</a:t>
+              <a:t>12/1/2020</a:t>
             </a:fld>
             <a:endParaRPr lang="en-US"/>
           </a:p>
@@ -1830,7 +1830,7 @@
           <a:p>
             <a:fld id="{86FCFB96-917D-4A92-B206-4CEFDD05F1CC}" type="datetimeFigureOut">
               <a:rPr lang="en-US" smtClean="0"/>
-              <a:t>11/30/2020</a:t>
+              <a:t>12/1/2020</a:t>
             </a:fld>
             <a:endParaRPr lang="en-US"/>
           </a:p>
@@ -1971,7 +1971,7 @@
           <a:p>
             <a:fld id="{86FCFB96-917D-4A92-B206-4CEFDD05F1CC}" type="datetimeFigureOut">
               <a:rPr lang="en-US" smtClean="0"/>
-              <a:t>11/30/2020</a:t>
+              <a:t>12/1/2020</a:t>
             </a:fld>
             <a:endParaRPr lang="en-US"/>
           </a:p>
@@ -2084,7 +2084,7 @@
           <a:p>
             <a:fld id="{86FCFB96-917D-4A92-B206-4CEFDD05F1CC}" type="datetimeFigureOut">
               <a:rPr lang="en-US" smtClean="0"/>
-              <a:t>11/30/2020</a:t>
+              <a:t>12/1/2020</a:t>
             </a:fld>
             <a:endParaRPr lang="en-US"/>
           </a:p>
@@ -2395,7 +2395,7 @@
           <a:p>
             <a:fld id="{86FCFB96-917D-4A92-B206-4CEFDD05F1CC}" type="datetimeFigureOut">
               <a:rPr lang="en-US" smtClean="0"/>
-              <a:t>11/30/2020</a:t>
+              <a:t>12/1/2020</a:t>
             </a:fld>
             <a:endParaRPr lang="en-US"/>
           </a:p>
@@ -2683,7 +2683,7 @@
           <a:p>
             <a:fld id="{86FCFB96-917D-4A92-B206-4CEFDD05F1CC}" type="datetimeFigureOut">
               <a:rPr lang="en-US" smtClean="0"/>
-              <a:t>11/30/2020</a:t>
+              <a:t>12/1/2020</a:t>
             </a:fld>
             <a:endParaRPr lang="en-US"/>
           </a:p>
@@ -2924,7 +2924,7 @@
           <a:p>
             <a:fld id="{86FCFB96-917D-4A92-B206-4CEFDD05F1CC}" type="datetimeFigureOut">
               <a:rPr lang="en-US" smtClean="0"/>
-              <a:t>11/30/2020</a:t>
+              <a:t>12/1/2020</a:t>
             </a:fld>
             <a:endParaRPr lang="en-US"/>
           </a:p>
@@ -3432,7 +3432,7 @@
           <p:cNvPr id="2" name="Title 1">
             <a:extLst>
               <a:ext uri="{FF2B5EF4-FFF2-40B4-BE49-F238E27FC236}">
-                <a16:creationId xmlns:a16="http://schemas.microsoft.com/office/drawing/2014/main" id="{FBDCC87F-5CAA-43F0-BD42-F8C11EF08EF8}"/>
+                <a16:creationId xmlns:a16="http://schemas.microsoft.com/office/drawing/2014/main" id="{00FB4352-F206-4311-809D-ECACBF8231B4}"/>
               </a:ext>
             </a:extLst>
           </p:cNvPr>
@@ -3445,60 +3445,137 @@
         </p:nvSpPr>
         <p:spPr/>
         <p:txBody>
+          <a:bodyPr>
+            <a:noAutofit/>
+          </a:bodyPr>
+          <a:lstStyle/>
+          <a:p>
+            <a:r>
+              <a:rPr lang="en-US" sz="3200" dirty="0"/>
+              <a:t>Rather than Starting from Scratch, I thought it might be interesting to do a Mob Debugging Exercise Prospects – 3 Katas to Choose From - Take a Vote?</a:t>
+            </a:r>
+          </a:p>
+        </p:txBody>
+      </p:sp>
+      <p:sp>
+        <p:nvSpPr>
+          <p:cNvPr id="3" name="Content Placeholder 2">
+            <a:extLst>
+              <a:ext uri="{FF2B5EF4-FFF2-40B4-BE49-F238E27FC236}">
+                <a16:creationId xmlns:a16="http://schemas.microsoft.com/office/drawing/2014/main" id="{7BB45C19-3A87-4414-B693-500F80A36DE6}"/>
+              </a:ext>
+            </a:extLst>
+          </p:cNvPr>
+          <p:cNvSpPr>
+            <a:spLocks noGrp="1"/>
+          </p:cNvSpPr>
+          <p:nvPr>
+            <p:ph idx="1"/>
+          </p:nvPr>
+        </p:nvSpPr>
+        <p:spPr>
+          <a:xfrm>
+            <a:off x="838200" y="2266410"/>
+            <a:ext cx="10515600" cy="3243584"/>
+          </a:xfrm>
+        </p:spPr>
+        <p:txBody>
           <a:bodyPr/>
           <a:lstStyle/>
           <a:p>
             <a:r>
               <a:rPr lang="en-US" dirty="0"/>
-              <a:t>3 Katas To Choose From</a:t>
-            </a:r>
-          </a:p>
-        </p:txBody>
-      </p:sp>
-      <p:sp>
-        <p:nvSpPr>
-          <p:cNvPr id="3" name="Content Placeholder 2">
-            <a:extLst>
-              <a:ext uri="{FF2B5EF4-FFF2-40B4-BE49-F238E27FC236}">
-                <a16:creationId xmlns:a16="http://schemas.microsoft.com/office/drawing/2014/main" id="{FF73F5EF-56CE-4289-BA81-F9703AACDB46}"/>
-              </a:ext>
-            </a:extLst>
-          </p:cNvPr>
-          <p:cNvSpPr>
-            <a:spLocks noGrp="1"/>
-          </p:cNvSpPr>
-          <p:nvPr>
-            <p:ph idx="1"/>
-          </p:nvPr>
-        </p:nvSpPr>
-        <p:spPr/>
-        <p:txBody>
-          <a:bodyPr/>
-          <a:lstStyle/>
-          <a:p>
+              <a:t>1. Bowling Score Calculator (Fix broken test “FinalBallBug_168” in </a:t>
+            </a:r>
+            <a:r>
+              <a:rPr lang="en-US" dirty="0" err="1"/>
+              <a:t>src</a:t>
+            </a:r>
             <a:r>
               <a:rPr lang="en-US" dirty="0"/>
-              <a:t>Bowling Score Calculator</a:t>
-            </a:r>
-          </a:p>
-          <a:p>
+              <a:t>/test/java/com/</a:t>
+            </a:r>
+            <a:r>
+              <a:rPr lang="en-US" dirty="0" err="1"/>
+              <a:t>yb</a:t>
+            </a:r>
             <a:r>
               <a:rPr lang="en-US" dirty="0"/>
-              <a:t>Roman Numeral Converter</a:t>
+              <a:t>/bowling/BowlingGameTest.java)</a:t>
             </a:r>
           </a:p>
           <a:p>
             <a:r>
               <a:rPr lang="en-US" dirty="0"/>
-              <a:t>Three Card Poker</a:t>
-            </a:r>
+              <a:t>2. Roman Numeral Converter: C</a:t>
+            </a:r>
+            <a:r>
+              <a:rPr lang="en-US" b="0" i="0" dirty="0">
+                <a:solidFill>
+                  <a:srgbClr val="000000"/>
+                </a:solidFill>
+                <a:effectLst/>
+                <a:latin typeface="arial" panose="020B0604020202020204" pitchFamily="34" charset="0"/>
+              </a:rPr>
+              <a:t>onvert Roman numerals into Arabic numbers or vice versa. (At lease 3 broken tests in: </a:t>
+            </a:r>
+            <a:r>
+              <a:rPr lang="en-US" b="0" i="0" dirty="0" err="1">
+                <a:solidFill>
+                  <a:srgbClr val="000000"/>
+                </a:solidFill>
+                <a:effectLst/>
+                <a:latin typeface="arial" panose="020B0604020202020204" pitchFamily="34" charset="0"/>
+              </a:rPr>
+              <a:t>src</a:t>
+            </a:r>
+            <a:r>
+              <a:rPr lang="en-US" b="0" i="0" dirty="0">
+                <a:solidFill>
+                  <a:srgbClr val="000000"/>
+                </a:solidFill>
+                <a:effectLst/>
+                <a:latin typeface="arial" panose="020B0604020202020204" pitchFamily="34" charset="0"/>
+              </a:rPr>
+              <a:t>/RomanNumeralsTest.java)</a:t>
+            </a:r>
+          </a:p>
+          <a:p>
+            <a:r>
+              <a:rPr lang="en-US" dirty="0">
+                <a:solidFill>
+                  <a:srgbClr val="000000"/>
+                </a:solidFill>
+                <a:latin typeface="arial" panose="020B0604020202020204" pitchFamily="34" charset="0"/>
+              </a:rPr>
+              <a:t>3. Three Card Poker (There are 3 broken tests in: </a:t>
+            </a:r>
+            <a:r>
+              <a:rPr lang="en-US" dirty="0" err="1">
+                <a:solidFill>
+                  <a:srgbClr val="000000"/>
+                </a:solidFill>
+                <a:latin typeface="arial" panose="020B0604020202020204" pitchFamily="34" charset="0"/>
+              </a:rPr>
+              <a:t>src</a:t>
+            </a:r>
+            <a:r>
+              <a:rPr lang="en-US" dirty="0">
+                <a:solidFill>
+                  <a:srgbClr val="000000"/>
+                </a:solidFill>
+                <a:latin typeface="arial" panose="020B0604020202020204" pitchFamily="34" charset="0"/>
+              </a:rPr>
+              <a:t>/test/java/com/kata/poker/GameTest.java)</a:t>
+            </a:r>
+            <a:endParaRPr lang="en-US" dirty="0"/>
           </a:p>
         </p:txBody>
       </p:sp>
     </p:spTree>
     <p:extLst>
       <p:ext uri="{BB962C8B-B14F-4D97-AF65-F5344CB8AC3E}">
-        <p14:creationId xmlns:p14="http://schemas.microsoft.com/office/powerpoint/2010/main" val="1274196997"/>
+        <p14:creationId xmlns:p14="http://schemas.microsoft.com/office/powerpoint/2010/main" val="3228125785"/>
       </p:ext>
     </p:extLst>
   </p:cSld>
@@ -3993,7 +4070,7 @@
           <p:cNvPr id="2" name="Title 1">
             <a:extLst>
               <a:ext uri="{FF2B5EF4-FFF2-40B4-BE49-F238E27FC236}">
-                <a16:creationId xmlns:a16="http://schemas.microsoft.com/office/drawing/2014/main" id="{00FB4352-F206-4311-809D-ECACBF8231B4}"/>
+                <a16:creationId xmlns:a16="http://schemas.microsoft.com/office/drawing/2014/main" id="{ED6608E9-FC05-44D8-8222-3537215663C0}"/>
               </a:ext>
             </a:extLst>
           </p:cNvPr>
@@ -4011,7 +4088,7 @@
           <a:p>
             <a:r>
               <a:rPr lang="en-US" dirty="0"/>
-              <a:t>Debugging Exercise Prospects – Take a Vote?</a:t>
+              <a:t>Resources</a:t>
             </a:r>
           </a:p>
         </p:txBody>
@@ -4021,7 +4098,7 @@
           <p:cNvPr id="3" name="Content Placeholder 2">
             <a:extLst>
               <a:ext uri="{FF2B5EF4-FFF2-40B4-BE49-F238E27FC236}">
-                <a16:creationId xmlns:a16="http://schemas.microsoft.com/office/drawing/2014/main" id="{7BB45C19-3A87-4414-B693-500F80A36DE6}"/>
+                <a16:creationId xmlns:a16="http://schemas.microsoft.com/office/drawing/2014/main" id="{787FD2B9-0C50-480A-A2FC-0DF994952C64}"/>
               </a:ext>
             </a:extLst>
           </p:cNvPr>
@@ -4034,98 +4111,103 @@
         </p:nvSpPr>
         <p:spPr>
           <a:xfrm>
-            <a:off x="838200" y="2083533"/>
-            <a:ext cx="10515600" cy="4351338"/>
+            <a:off x="838200" y="1463040"/>
+            <a:ext cx="10515600" cy="5190977"/>
           </a:xfrm>
         </p:spPr>
         <p:txBody>
           <a:bodyPr/>
           <a:lstStyle/>
           <a:p>
+            <a:pPr marL="0" indent="0">
+              <a:buNone/>
+            </a:pPr>
             <a:r>
               <a:rPr lang="en-US" dirty="0"/>
-              <a:t>Bowling Score Calculator (Fix broken test “FinalBallBug_168” in </a:t>
-            </a:r>
-            <a:r>
-              <a:rPr lang="en-US" dirty="0" err="1"/>
-              <a:t>src</a:t>
-            </a:r>
+              <a:t>Books</a:t>
+            </a:r>
+          </a:p>
+          <a:p>
+            <a:r>
+              <a:rPr lang="en-US" dirty="0">
+                <a:hlinkClick r:id="rId2"/>
+              </a:rPr>
+              <a:t>Remote Mob Programming: At home, but not alone. Kindle Edition</a:t>
+            </a:r>
+            <a:endParaRPr lang="en-US" dirty="0"/>
+          </a:p>
+          <a:p>
+            <a:r>
+              <a:rPr lang="en-US" dirty="0">
+                <a:hlinkClick r:id="rId3"/>
+              </a:rPr>
+              <a:t>Code with the Wisdom of the Crowd by Mark Pearl</a:t>
+            </a:r>
+            <a:endParaRPr lang="en-US" dirty="0"/>
+          </a:p>
+          <a:p>
+            <a:endParaRPr lang="en-US" dirty="0"/>
+          </a:p>
+          <a:p>
+            <a:pPr marL="0" indent="0">
+              <a:buNone/>
+            </a:pPr>
             <a:r>
               <a:rPr lang="en-US" dirty="0"/>
-              <a:t>/test/java/com/</a:t>
-            </a:r>
-            <a:r>
-              <a:rPr lang="en-US" dirty="0" err="1"/>
-              <a:t>yb</a:t>
-            </a:r>
+              <a:t>Videos</a:t>
+            </a:r>
+          </a:p>
+          <a:p>
+            <a:r>
+              <a:rPr lang="en-US" dirty="0">
+                <a:hlinkClick r:id="rId4"/>
+              </a:rPr>
+              <a:t>Mob Programming: A Whole Team Approach by Woody Zuill</a:t>
+            </a:r>
+            <a:endParaRPr lang="en-US" dirty="0"/>
+          </a:p>
+          <a:p>
+            <a:r>
+              <a:rPr lang="en-US" dirty="0">
+                <a:hlinkClick r:id="rId5"/>
+              </a:rPr>
+              <a:t>Taming the Mob: An Intro to Mob Programming by New Relic</a:t>
+            </a:r>
+            <a:endParaRPr lang="en-US" dirty="0"/>
+          </a:p>
+          <a:p>
+            <a:pPr marL="0" indent="0">
+              <a:buNone/>
+            </a:pPr>
+            <a:endParaRPr lang="en-US" dirty="0"/>
+          </a:p>
+          <a:p>
+            <a:pPr marL="0" indent="0">
+              <a:buNone/>
+            </a:pPr>
             <a:r>
               <a:rPr lang="en-US" dirty="0"/>
-              <a:t>/bowling/BowlingGameTest.java)</a:t>
-            </a:r>
-          </a:p>
-          <a:p>
-            <a:r>
-              <a:rPr lang="en-US" dirty="0"/>
-              <a:t>Roman Numeral Translator: C</a:t>
-            </a:r>
-            <a:r>
-              <a:rPr lang="en-US" b="0" i="0" dirty="0">
-                <a:solidFill>
-                  <a:srgbClr val="000000"/>
-                </a:solidFill>
-                <a:effectLst/>
-                <a:latin typeface="arial" panose="020B0604020202020204" pitchFamily="34" charset="0"/>
+              <a:t>Podcasts</a:t>
+            </a:r>
+          </a:p>
+          <a:p>
+            <a:r>
+              <a:rPr lang="en-US" dirty="0">
+                <a:hlinkClick r:id="rId6"/>
               </a:rPr>
-              <a:t>onvert Roman numerals into Arabic numbers or vice versa. (At lease 3 broken tests in: </a:t>
-            </a:r>
-            <a:r>
-              <a:rPr lang="en-US" b="0" i="0" dirty="0" err="1">
-                <a:solidFill>
-                  <a:srgbClr val="000000"/>
-                </a:solidFill>
-                <a:effectLst/>
-                <a:latin typeface="arial" panose="020B0604020202020204" pitchFamily="34" charset="0"/>
+              <a:t>Woody Zuill on the </a:t>
+            </a:r>
+            <a:r>
+              <a:rPr lang="en-US" dirty="0" err="1">
+                <a:hlinkClick r:id="rId6"/>
               </a:rPr>
-              <a:t>src</a:t>
-            </a:r>
-            <a:r>
-              <a:rPr lang="en-US" b="0" i="0" dirty="0">
-                <a:solidFill>
-                  <a:srgbClr val="000000"/>
-                </a:solidFill>
-                <a:effectLst/>
-                <a:latin typeface="arial" panose="020B0604020202020204" pitchFamily="34" charset="0"/>
+              <a:t>Hanselminutes</a:t>
+            </a:r>
+            <a:r>
+              <a:rPr lang="en-US" dirty="0">
+                <a:hlinkClick r:id="rId6"/>
               </a:rPr>
-              <a:t>/RomanNumeralsTest.java)</a:t>
-            </a:r>
-          </a:p>
-          <a:p>
-            <a:r>
-              <a:rPr lang="en-US" dirty="0">
-                <a:solidFill>
-                  <a:srgbClr val="000000"/>
-                </a:solidFill>
-                <a:latin typeface="arial" panose="020B0604020202020204" pitchFamily="34" charset="0"/>
-              </a:rPr>
-              <a:t>Three Card Poker (There are 3 broken tests in: </a:t>
-            </a:r>
-            <a:r>
-              <a:rPr lang="en-US" dirty="0" err="1">
-                <a:solidFill>
-                  <a:srgbClr val="000000"/>
-                </a:solidFill>
-                <a:latin typeface="arial" panose="020B0604020202020204" pitchFamily="34" charset="0"/>
-              </a:rPr>
-              <a:t>src</a:t>
-            </a:r>
-            <a:r>
-              <a:rPr lang="en-US" dirty="0">
-                <a:solidFill>
-                  <a:srgbClr val="000000"/>
-                </a:solidFill>
-                <a:latin typeface="arial" panose="020B0604020202020204" pitchFamily="34" charset="0"/>
-              </a:rPr>
-              <a:t>/test/java/com/kata/poker/GameTest.java)</a:t>
+              <a:t> Podcast</a:t>
             </a:r>
             <a:endParaRPr lang="en-US" dirty="0"/>
           </a:p>
@@ -4134,7 +4216,7 @@
     </p:spTree>
     <p:extLst>
       <p:ext uri="{BB962C8B-B14F-4D97-AF65-F5344CB8AC3E}">
-        <p14:creationId xmlns:p14="http://schemas.microsoft.com/office/powerpoint/2010/main" val="3228125785"/>
+        <p14:creationId xmlns:p14="http://schemas.microsoft.com/office/powerpoint/2010/main" val="3450262954"/>
       </p:ext>
     </p:extLst>
   </p:cSld>
@@ -4163,38 +4245,10 @@
       </p:grpSpPr>
       <p:sp>
         <p:nvSpPr>
-          <p:cNvPr id="2" name="Title 1">
-            <a:extLst>
-              <a:ext uri="{FF2B5EF4-FFF2-40B4-BE49-F238E27FC236}">
-                <a16:creationId xmlns:a16="http://schemas.microsoft.com/office/drawing/2014/main" id="{ED6608E9-FC05-44D8-8222-3537215663C0}"/>
-              </a:ext>
-            </a:extLst>
-          </p:cNvPr>
-          <p:cNvSpPr>
-            <a:spLocks noGrp="1"/>
-          </p:cNvSpPr>
-          <p:nvPr>
-            <p:ph type="title"/>
-          </p:nvPr>
-        </p:nvSpPr>
-        <p:spPr/>
-        <p:txBody>
-          <a:bodyPr/>
-          <a:lstStyle/>
-          <a:p>
-            <a:r>
-              <a:rPr lang="en-US" dirty="0"/>
-              <a:t>Resources</a:t>
-            </a:r>
-          </a:p>
-        </p:txBody>
-      </p:sp>
-      <p:sp>
-        <p:nvSpPr>
           <p:cNvPr id="3" name="Content Placeholder 2">
             <a:extLst>
               <a:ext uri="{FF2B5EF4-FFF2-40B4-BE49-F238E27FC236}">
-                <a16:creationId xmlns:a16="http://schemas.microsoft.com/office/drawing/2014/main" id="{787FD2B9-0C50-480A-A2FC-0DF994952C64}"/>
+                <a16:creationId xmlns:a16="http://schemas.microsoft.com/office/drawing/2014/main" id="{3271A26D-82C0-4559-9838-003E6F7B18E6}"/>
               </a:ext>
             </a:extLst>
           </p:cNvPr>
@@ -4207,12 +4261,14 @@
         </p:nvSpPr>
         <p:spPr>
           <a:xfrm>
-            <a:off x="838200" y="1463040"/>
-            <a:ext cx="10515600" cy="5190977"/>
+            <a:off x="838200" y="344384"/>
+            <a:ext cx="10515600" cy="5832579"/>
           </a:xfrm>
         </p:spPr>
         <p:txBody>
-          <a:bodyPr/>
+          <a:bodyPr>
+            <a:normAutofit fontScale="70000" lnSpcReduction="20000"/>
+          </a:bodyPr>
           <a:lstStyle/>
           <a:p>
             <a:pPr marL="0" indent="0">
@@ -4220,7 +4276,7 @@
             </a:pPr>
             <a:r>
               <a:rPr lang="en-US" dirty="0"/>
-              <a:t>Books</a:t>
+              <a:t>Websites</a:t>
             </a:r>
           </a:p>
           <a:p>
@@ -4228,7 +4284,7 @@
               <a:rPr lang="en-US" dirty="0">
                 <a:hlinkClick r:id="rId2"/>
               </a:rPr>
-              <a:t>Remote Mob Programming: At home, but not alone. Kindle Edition</a:t>
+              <a:t>Mob Timer</a:t>
             </a:r>
             <a:endParaRPr lang="en-US" dirty="0"/>
           </a:p>
@@ -4237,73 +4293,127 @@
               <a:rPr lang="en-US" dirty="0">
                 <a:hlinkClick r:id="rId3"/>
               </a:rPr>
-              <a:t>Code with the Wisdom of the Crowd by Mark Pearl</a:t>
+              <a:t>Mob Programming at Wikipedia</a:t>
             </a:r>
             <a:endParaRPr lang="en-US" dirty="0"/>
-          </a:p>
-          <a:p>
-            <a:endParaRPr lang="en-US" dirty="0"/>
-          </a:p>
-          <a:p>
-            <a:pPr marL="0" indent="0">
-              <a:buNone/>
-            </a:pPr>
-            <a:r>
-              <a:rPr lang="en-US" dirty="0"/>
-              <a:t>Videos</a:t>
-            </a:r>
           </a:p>
           <a:p>
             <a:r>
               <a:rPr lang="en-US" dirty="0">
                 <a:hlinkClick r:id="rId4"/>
               </a:rPr>
-              <a:t>Mob Programming: A Whole Team Approach by Woody Zuill</a:t>
-            </a:r>
-            <a:endParaRPr lang="en-US" dirty="0"/>
+              <a:t>I did mob programming every day for 5 months. Here's what I learnt</a:t>
+            </a:r>
+            <a:r>
+              <a:rPr lang="en-US" dirty="0"/>
+              <a:t>.</a:t>
+            </a:r>
           </a:p>
           <a:p>
             <a:r>
               <a:rPr lang="en-US" dirty="0">
                 <a:hlinkClick r:id="rId5"/>
               </a:rPr>
-              <a:t>Taming the Mob: An Intro to Mob Programming by New Relic</a:t>
+              <a:t>Bowling Score Calculator</a:t>
             </a:r>
             <a:endParaRPr lang="en-US" dirty="0"/>
-          </a:p>
-          <a:p>
-            <a:pPr marL="0" indent="0">
-              <a:buNone/>
-            </a:pPr>
-            <a:endParaRPr lang="en-US" dirty="0"/>
-          </a:p>
-          <a:p>
-            <a:pPr marL="0" indent="0">
-              <a:buNone/>
-            </a:pPr>
-            <a:r>
-              <a:rPr lang="en-US" dirty="0"/>
-              <a:t>Podcasts</a:t>
-            </a:r>
           </a:p>
           <a:p>
             <a:r>
               <a:rPr lang="en-US" dirty="0">
                 <a:hlinkClick r:id="rId6"/>
               </a:rPr>
-              <a:t>Woody Zuill on the </a:t>
-            </a:r>
-            <a:r>
-              <a:rPr lang="en-US" dirty="0" err="1">
-                <a:hlinkClick r:id="rId6"/>
+              <a:t>Roman Numeral Converter</a:t>
+            </a:r>
+            <a:endParaRPr lang="en-US" dirty="0"/>
+          </a:p>
+          <a:p>
+            <a:r>
+              <a:rPr lang="en-US" dirty="0">
+                <a:hlinkClick r:id="rId7"/>
               </a:rPr>
-              <a:t>Hanselminutes</a:t>
-            </a:r>
+              <a:t>3 Card Poker Hand Rankings</a:t>
+            </a:r>
+            <a:endParaRPr lang="en-US" dirty="0"/>
+          </a:p>
+          <a:p>
+            <a:endParaRPr lang="en-US" dirty="0"/>
+          </a:p>
+          <a:p>
+            <a:pPr marL="0" indent="0">
+              <a:buNone/>
+            </a:pPr>
+            <a:r>
+              <a:rPr lang="en-US" dirty="0"/>
+              <a:t>GitHub</a:t>
+            </a:r>
+          </a:p>
+          <a:p>
             <a:r>
               <a:rPr lang="en-US" dirty="0">
-                <a:hlinkClick r:id="rId6"/>
+                <a:hlinkClick r:id="rId8"/>
               </a:rPr>
-              <a:t> Podcast</a:t>
+              <a:t>This Slide Deck</a:t>
+            </a:r>
+            <a:endParaRPr lang="en-US" dirty="0"/>
+          </a:p>
+          <a:p>
+            <a:r>
+              <a:rPr lang="en-US" dirty="0">
+                <a:hlinkClick r:id="rId9"/>
+              </a:rPr>
+              <a:t>Only-1-Bug Java-Bowling-Game Source Code</a:t>
+            </a:r>
+            <a:endParaRPr lang="en-US" dirty="0"/>
+          </a:p>
+          <a:p>
+            <a:r>
+              <a:rPr lang="fr-FR" dirty="0">
+                <a:hlinkClick r:id="rId10"/>
+              </a:rPr>
+              <a:t>Roman Numeral Kata Source Code</a:t>
+            </a:r>
+            <a:endParaRPr lang="en-US" dirty="0"/>
+          </a:p>
+          <a:p>
+            <a:r>
+              <a:rPr lang="en-US" dirty="0">
+                <a:hlinkClick r:id="rId11"/>
+              </a:rPr>
+              <a:t>3 Card Poker Source Code</a:t>
+            </a:r>
+            <a:endParaRPr lang="en-US" dirty="0"/>
+          </a:p>
+          <a:p>
+            <a:r>
+              <a:rPr lang="en-US" dirty="0">
+                <a:hlinkClick r:id="rId12"/>
+              </a:rPr>
+              <a:t>Composable Batch Files</a:t>
+            </a:r>
+            <a:endParaRPr lang="en-US" dirty="0"/>
+          </a:p>
+          <a:p>
+            <a:pPr marL="0" indent="0">
+              <a:buNone/>
+            </a:pPr>
+            <a:endParaRPr lang="en-US" dirty="0"/>
+          </a:p>
+          <a:p>
+            <a:pPr marL="0" indent="0">
+              <a:buNone/>
+            </a:pPr>
+            <a:r>
+              <a:rPr lang="en-US" dirty="0"/>
+              <a:t>Pluralsight</a:t>
+            </a:r>
+          </a:p>
+          <a:p>
+            <a:r>
+              <a:rPr lang="en-US" dirty="0">
+                <a:hlinkClick r:id="rId13"/>
+              </a:rPr>
+              <a:t>Setting up a Java Development Environment</a:t>
             </a:r>
             <a:endParaRPr lang="en-US" dirty="0"/>
           </a:p>
@@ -4312,7 +4422,7 @@
     </p:spTree>
     <p:extLst>
       <p:ext uri="{BB962C8B-B14F-4D97-AF65-F5344CB8AC3E}">
-        <p14:creationId xmlns:p14="http://schemas.microsoft.com/office/powerpoint/2010/main" val="3450262954"/>
+        <p14:creationId xmlns:p14="http://schemas.microsoft.com/office/powerpoint/2010/main" val="2503616549"/>
       </p:ext>
     </p:extLst>
   </p:cSld>
@@ -4341,196 +4451,41 @@
       </p:grpSpPr>
       <p:sp>
         <p:nvSpPr>
-          <p:cNvPr id="3" name="Content Placeholder 2">
-            <a:extLst>
-              <a:ext uri="{FF2B5EF4-FFF2-40B4-BE49-F238E27FC236}">
-                <a16:creationId xmlns:a16="http://schemas.microsoft.com/office/drawing/2014/main" id="{3271A26D-82C0-4559-9838-003E6F7B18E6}"/>
-              </a:ext>
-            </a:extLst>
-          </p:cNvPr>
-          <p:cNvSpPr>
-            <a:spLocks noGrp="1"/>
-          </p:cNvSpPr>
-          <p:nvPr>
-            <p:ph idx="1"/>
+          <p:cNvPr id="2" name="Title 1">
+            <a:extLst>
+              <a:ext uri="{FF2B5EF4-FFF2-40B4-BE49-F238E27FC236}">
+                <a16:creationId xmlns:a16="http://schemas.microsoft.com/office/drawing/2014/main" id="{E997174D-12BB-4C0D-AE64-9ACBEF084A84}"/>
+              </a:ext>
+            </a:extLst>
+          </p:cNvPr>
+          <p:cNvSpPr>
+            <a:spLocks noGrp="1"/>
+          </p:cNvSpPr>
+          <p:nvPr>
+            <p:ph type="title"/>
           </p:nvPr>
         </p:nvSpPr>
         <p:spPr>
           <a:xfrm>
-            <a:off x="838200" y="344384"/>
-            <a:ext cx="10515600" cy="5832579"/>
+            <a:off x="4124140" y="2500691"/>
+            <a:ext cx="2659154" cy="1325563"/>
           </a:xfrm>
         </p:spPr>
         <p:txBody>
-          <a:bodyPr>
-            <a:normAutofit fontScale="70000" lnSpcReduction="20000"/>
-          </a:bodyPr>
-          <a:lstStyle/>
-          <a:p>
-            <a:pPr marL="0" indent="0">
-              <a:buNone/>
-            </a:pPr>
+          <a:bodyPr/>
+          <a:lstStyle/>
+          <a:p>
             <a:r>
               <a:rPr lang="en-US" dirty="0"/>
-              <a:t>Websites</a:t>
-            </a:r>
-          </a:p>
-          <a:p>
-            <a:r>
-              <a:rPr lang="en-US" dirty="0">
-                <a:hlinkClick r:id="rId2"/>
-              </a:rPr>
-              <a:t>Mob Timer</a:t>
-            </a:r>
-            <a:endParaRPr lang="en-US" dirty="0"/>
-          </a:p>
-          <a:p>
-            <a:r>
-              <a:rPr lang="en-US" dirty="0">
-                <a:hlinkClick r:id="rId3"/>
-              </a:rPr>
-              <a:t>Mob Programming at Wikipedia</a:t>
-            </a:r>
-            <a:endParaRPr lang="en-US" dirty="0"/>
-          </a:p>
-          <a:p>
-            <a:r>
-              <a:rPr lang="en-US" dirty="0">
-                <a:hlinkClick r:id="rId4"/>
-              </a:rPr>
-              <a:t>I did mob programming every day for 5 months. Here's what I learnt</a:t>
-            </a:r>
-            <a:r>
-              <a:rPr lang="en-US" dirty="0"/>
-              <a:t>.</a:t>
-            </a:r>
-          </a:p>
-          <a:p>
-            <a:r>
-              <a:rPr lang="en-US" dirty="0">
-                <a:hlinkClick r:id="rId5"/>
-              </a:rPr>
-              <a:t>Bowling Score Calculator</a:t>
-            </a:r>
-            <a:endParaRPr lang="en-US" dirty="0"/>
-          </a:p>
-          <a:p>
-            <a:r>
-              <a:rPr lang="en-US" dirty="0">
-                <a:hlinkClick r:id="rId6"/>
-              </a:rPr>
-              <a:t>Roman Numeral Converter</a:t>
-            </a:r>
-            <a:endParaRPr lang="en-US" dirty="0"/>
-          </a:p>
-          <a:p>
-            <a:r>
-              <a:rPr lang="en-US" dirty="0">
-                <a:hlinkClick r:id="rId7"/>
-              </a:rPr>
-              <a:t>3 Card Poker Hand Rankings</a:t>
-            </a:r>
-            <a:endParaRPr lang="en-US" dirty="0"/>
-          </a:p>
-          <a:p>
-            <a:endParaRPr lang="en-US" dirty="0"/>
-          </a:p>
-          <a:p>
-            <a:pPr marL="0" indent="0">
-              <a:buNone/>
-            </a:pPr>
-            <a:r>
-              <a:rPr lang="en-US" dirty="0"/>
-              <a:t>GitHub</a:t>
-            </a:r>
-          </a:p>
-          <a:p>
-            <a:r>
-              <a:rPr lang="en-US" dirty="0">
-                <a:hlinkClick r:id="rId8"/>
-              </a:rPr>
-              <a:t>This Slide Deck</a:t>
-            </a:r>
-            <a:endParaRPr lang="en-US" dirty="0"/>
-          </a:p>
-          <a:p>
-            <a:r>
-              <a:rPr lang="en-US" dirty="0">
-                <a:hlinkClick r:id="rId9"/>
-              </a:rPr>
-              <a:t>Only-1-Bug Java-Bowling-Game Source Code</a:t>
-            </a:r>
-            <a:endParaRPr lang="en-US" dirty="0"/>
-          </a:p>
-          <a:p>
-            <a:r>
-              <a:rPr lang="fr-FR" dirty="0">
-                <a:hlinkClick r:id="rId10"/>
-              </a:rPr>
-              <a:t>Roman </a:t>
-            </a:r>
-            <a:r>
-              <a:rPr lang="fr-FR" dirty="0" err="1">
-                <a:hlinkClick r:id="rId10"/>
-              </a:rPr>
-              <a:t>Numeral</a:t>
-            </a:r>
-            <a:r>
-              <a:rPr lang="fr-FR" dirty="0">
-                <a:hlinkClick r:id="rId10"/>
-              </a:rPr>
-              <a:t> Kata Source Code</a:t>
-            </a:r>
-            <a:endParaRPr lang="en-US" dirty="0"/>
-          </a:p>
-          <a:p>
-            <a:r>
-              <a:rPr lang="en-US" dirty="0">
-                <a:hlinkClick r:id="rId11"/>
-              </a:rPr>
-              <a:t>3 Card Poker Source Code</a:t>
-            </a:r>
-            <a:endParaRPr lang="en-US" dirty="0"/>
-          </a:p>
-          <a:p>
-            <a:r>
-              <a:rPr lang="en-US">
-                <a:hlinkClick r:id="rId12"/>
-              </a:rPr>
-              <a:t>Composable Batch Files</a:t>
-            </a:r>
-            <a:endParaRPr lang="en-US" dirty="0"/>
-          </a:p>
-          <a:p>
-            <a:pPr marL="0" indent="0">
-              <a:buNone/>
-            </a:pPr>
-            <a:endParaRPr lang="en-US" dirty="0"/>
-          </a:p>
-          <a:p>
-            <a:pPr marL="0" indent="0">
-              <a:buNone/>
-            </a:pPr>
-            <a:r>
-              <a:rPr lang="en-US" dirty="0"/>
-              <a:t>Pluralsight</a:t>
-            </a:r>
-          </a:p>
-          <a:p>
-            <a:r>
-              <a:rPr lang="en-US" dirty="0">
-                <a:hlinkClick r:id="rId13"/>
-              </a:rPr>
-              <a:t>Setting up a Java Development Environment</a:t>
-            </a:r>
-            <a:endParaRPr lang="en-US" dirty="0"/>
+              <a:t>  No Más</a:t>
+            </a:r>
           </a:p>
         </p:txBody>
       </p:sp>
     </p:spTree>
     <p:extLst>
       <p:ext uri="{BB962C8B-B14F-4D97-AF65-F5344CB8AC3E}">
-        <p14:creationId xmlns:p14="http://schemas.microsoft.com/office/powerpoint/2010/main" val="2503616549"/>
+        <p14:creationId xmlns:p14="http://schemas.microsoft.com/office/powerpoint/2010/main" val="4200969686"/>
       </p:ext>
     </p:extLst>
   </p:cSld>
@@ -4707,7 +4662,7 @@
           <a:p>
             <a:r>
               <a:rPr lang="en-US" dirty="0"/>
-              <a:t>No expert am I. I have very little actual mob programming experience. I wish I had more because I like the idea of it. The limited experience I do have is from a Software Craftsmanship Meetup Group the I used to attend a while back.</a:t>
+              <a:t>No expert am I. I have very little actual mob programming experience. I wish I had more because it seems like a good idea to me. The limited experience I do have is from a Software Craftsmanship Meetup Group that I used to attend a while back.</a:t>
             </a:r>
           </a:p>
           <a:p>

--- a/mob.pptx
+++ b/mob.pptx
@@ -274,7 +274,7 @@
           <a:p>
             <a:fld id="{86FCFB96-917D-4A92-B206-4CEFDD05F1CC}" type="datetimeFigureOut">
               <a:rPr lang="en-US" smtClean="0"/>
-              <a:t>12/1/2020</a:t>
+              <a:t>12/17/2020</a:t>
             </a:fld>
             <a:endParaRPr lang="en-US"/>
           </a:p>
@@ -472,7 +472,7 @@
           <a:p>
             <a:fld id="{86FCFB96-917D-4A92-B206-4CEFDD05F1CC}" type="datetimeFigureOut">
               <a:rPr lang="en-US" smtClean="0"/>
-              <a:t>12/1/2020</a:t>
+              <a:t>12/17/2020</a:t>
             </a:fld>
             <a:endParaRPr lang="en-US"/>
           </a:p>
@@ -680,7 +680,7 @@
           <a:p>
             <a:fld id="{86FCFB96-917D-4A92-B206-4CEFDD05F1CC}" type="datetimeFigureOut">
               <a:rPr lang="en-US" smtClean="0"/>
-              <a:t>12/1/2020</a:t>
+              <a:t>12/17/2020</a:t>
             </a:fld>
             <a:endParaRPr lang="en-US"/>
           </a:p>
@@ -878,7 +878,7 @@
           <a:p>
             <a:fld id="{86FCFB96-917D-4A92-B206-4CEFDD05F1CC}" type="datetimeFigureOut">
               <a:rPr lang="en-US" smtClean="0"/>
-              <a:t>12/1/2020</a:t>
+              <a:t>12/17/2020</a:t>
             </a:fld>
             <a:endParaRPr lang="en-US"/>
           </a:p>
@@ -1153,7 +1153,7 @@
           <a:p>
             <a:fld id="{86FCFB96-917D-4A92-B206-4CEFDD05F1CC}" type="datetimeFigureOut">
               <a:rPr lang="en-US" smtClean="0"/>
-              <a:t>12/1/2020</a:t>
+              <a:t>12/17/2020</a:t>
             </a:fld>
             <a:endParaRPr lang="en-US"/>
           </a:p>
@@ -1418,7 +1418,7 @@
           <a:p>
             <a:fld id="{86FCFB96-917D-4A92-B206-4CEFDD05F1CC}" type="datetimeFigureOut">
               <a:rPr lang="en-US" smtClean="0"/>
-              <a:t>12/1/2020</a:t>
+              <a:t>12/17/2020</a:t>
             </a:fld>
             <a:endParaRPr lang="en-US"/>
           </a:p>
@@ -1830,7 +1830,7 @@
           <a:p>
             <a:fld id="{86FCFB96-917D-4A92-B206-4CEFDD05F1CC}" type="datetimeFigureOut">
               <a:rPr lang="en-US" smtClean="0"/>
-              <a:t>12/1/2020</a:t>
+              <a:t>12/17/2020</a:t>
             </a:fld>
             <a:endParaRPr lang="en-US"/>
           </a:p>
@@ -1971,7 +1971,7 @@
           <a:p>
             <a:fld id="{86FCFB96-917D-4A92-B206-4CEFDD05F1CC}" type="datetimeFigureOut">
               <a:rPr lang="en-US" smtClean="0"/>
-              <a:t>12/1/2020</a:t>
+              <a:t>12/17/2020</a:t>
             </a:fld>
             <a:endParaRPr lang="en-US"/>
           </a:p>
@@ -2084,7 +2084,7 @@
           <a:p>
             <a:fld id="{86FCFB96-917D-4A92-B206-4CEFDD05F1CC}" type="datetimeFigureOut">
               <a:rPr lang="en-US" smtClean="0"/>
-              <a:t>12/1/2020</a:t>
+              <a:t>12/17/2020</a:t>
             </a:fld>
             <a:endParaRPr lang="en-US"/>
           </a:p>
@@ -2395,7 +2395,7 @@
           <a:p>
             <a:fld id="{86FCFB96-917D-4A92-B206-4CEFDD05F1CC}" type="datetimeFigureOut">
               <a:rPr lang="en-US" smtClean="0"/>
-              <a:t>12/1/2020</a:t>
+              <a:t>12/17/2020</a:t>
             </a:fld>
             <a:endParaRPr lang="en-US"/>
           </a:p>
@@ -2683,7 +2683,7 @@
           <a:p>
             <a:fld id="{86FCFB96-917D-4A92-B206-4CEFDD05F1CC}" type="datetimeFigureOut">
               <a:rPr lang="en-US" smtClean="0"/>
-              <a:t>12/1/2020</a:t>
+              <a:t>12/17/2020</a:t>
             </a:fld>
             <a:endParaRPr lang="en-US"/>
           </a:p>
@@ -2924,7 +2924,7 @@
           <a:p>
             <a:fld id="{86FCFB96-917D-4A92-B206-4CEFDD05F1CC}" type="datetimeFigureOut">
               <a:rPr lang="en-US" smtClean="0"/>
-              <a:t>12/1/2020</a:t>
+              <a:t>12/17/2020</a:t>
             </a:fld>
             <a:endParaRPr lang="en-US"/>
           </a:p>
@@ -4576,7 +4576,23 @@
                   <a:srgbClr val="7030A0"/>
                 </a:solidFill>
               </a:rPr>
-              <a:t>Mob programming is more about working well together than about the mob. - Woody Zuill</a:t>
+              <a:t>Mob programming is more about </a:t>
+            </a:r>
+            <a:r>
+              <a:rPr lang="en-US" sz="4800" b="1" dirty="0">
+                <a:solidFill>
+                  <a:srgbClr val="7030A0"/>
+                </a:solidFill>
+              </a:rPr>
+              <a:t>working well together</a:t>
+            </a:r>
+            <a:r>
+              <a:rPr lang="en-US" sz="4800" dirty="0">
+                <a:solidFill>
+                  <a:srgbClr val="7030A0"/>
+                </a:solidFill>
+              </a:rPr>
+              <a:t> than about the mob. - Woody Zuill</a:t>
             </a:r>
           </a:p>
         </p:txBody>
